--- a/Gruppenarbeit_Praesi/prr_gruppenarbeit.pptx
+++ b/Gruppenarbeit_Praesi/prr_gruppenarbeit.pptx
@@ -5,7 +5,7 @@
     <p:sldMasterId id="2147483712" r:id="rId1"/>
   </p:sldMasterIdLst>
   <p:notesMasterIdLst>
-    <p:notesMasterId r:id="rId12"/>
+    <p:notesMasterId r:id="rId15"/>
   </p:notesMasterIdLst>
   <p:sldIdLst>
     <p:sldId id="256" r:id="rId2"/>
@@ -16,8 +16,11 @@
     <p:sldId id="261" r:id="rId7"/>
     <p:sldId id="262" r:id="rId8"/>
     <p:sldId id="263" r:id="rId9"/>
-    <p:sldId id="265" r:id="rId10"/>
-    <p:sldId id="264" r:id="rId11"/>
+    <p:sldId id="271" r:id="rId10"/>
+    <p:sldId id="275" r:id="rId11"/>
+    <p:sldId id="276" r:id="rId12"/>
+    <p:sldId id="265" r:id="rId13"/>
+    <p:sldId id="264" r:id="rId14"/>
   </p:sldIdLst>
   <p:sldSz cx="12192000" cy="6858000"/>
   <p:notesSz cx="6858000" cy="9144000"/>
@@ -403,7 +406,7 @@
           <a:p>
             <a:fld id="{76FB3BCE-2401-4D6F-B9EB-BDDE7828DBAA}" type="datetimeFigureOut">
               <a:rPr lang="de-CH" smtClean="0"/>
-              <a:t>03.11.2022</a:t>
+              <a:t>07.12.2022</a:t>
             </a:fld>
             <a:endParaRPr lang="de-CH"/>
           </a:p>
@@ -746,6 +749,302 @@
     <p:extLst>
       <p:ext uri="{BB962C8B-B14F-4D97-AF65-F5344CB8AC3E}">
         <p14:creationId xmlns:p14="http://schemas.microsoft.com/office/powerpoint/2010/main" val="3382428026"/>
+      </p:ext>
+    </p:extLst>
+  </p:cSld>
+  <p:clrMapOvr>
+    <a:masterClrMapping/>
+  </p:clrMapOvr>
+</p:notes>
+</file>
+
+<file path=ppt/notesSlides/notesSlide10.xml><?xml version="1.0" encoding="utf-8"?>
+<p:notes xmlns:a="http://schemas.openxmlformats.org/drawingml/2006/main" xmlns:r="http://schemas.openxmlformats.org/officeDocument/2006/relationships" xmlns:p="http://schemas.openxmlformats.org/presentationml/2006/main">
+  <p:cSld>
+    <p:spTree>
+      <p:nvGrpSpPr>
+        <p:cNvPr id="1" name=""/>
+        <p:cNvGrpSpPr/>
+        <p:nvPr/>
+      </p:nvGrpSpPr>
+      <p:grpSpPr>
+        <a:xfrm>
+          <a:off x="0" y="0"/>
+          <a:ext cx="0" cy="0"/>
+          <a:chOff x="0" y="0"/>
+          <a:chExt cx="0" cy="0"/>
+        </a:xfrm>
+      </p:grpSpPr>
+      <p:sp>
+        <p:nvSpPr>
+          <p:cNvPr id="2" name="Folienbildplatzhalter 1"/>
+          <p:cNvSpPr>
+            <a:spLocks noGrp="1" noRot="1" noChangeAspect="1"/>
+          </p:cNvSpPr>
+          <p:nvPr>
+            <p:ph type="sldImg"/>
+          </p:nvPr>
+        </p:nvSpPr>
+        <p:spPr/>
+      </p:sp>
+      <p:sp>
+        <p:nvSpPr>
+          <p:cNvPr id="3" name="Notizenplatzhalter 2"/>
+          <p:cNvSpPr>
+            <a:spLocks noGrp="1"/>
+          </p:cNvSpPr>
+          <p:nvPr>
+            <p:ph type="body" idx="1"/>
+          </p:nvPr>
+        </p:nvSpPr>
+        <p:spPr/>
+        <p:txBody>
+          <a:bodyPr/>
+          <a:lstStyle/>
+          <a:p>
+            <a:endParaRPr lang="de-CH" dirty="0"/>
+          </a:p>
+        </p:txBody>
+      </p:sp>
+      <p:sp>
+        <p:nvSpPr>
+          <p:cNvPr id="4" name="Foliennummernplatzhalter 3"/>
+          <p:cNvSpPr>
+            <a:spLocks noGrp="1"/>
+          </p:cNvSpPr>
+          <p:nvPr>
+            <p:ph type="sldNum" sz="quarter" idx="5"/>
+          </p:nvPr>
+        </p:nvSpPr>
+        <p:spPr/>
+        <p:txBody>
+          <a:bodyPr/>
+          <a:lstStyle/>
+          <a:p>
+            <a:fld id="{97920913-15AF-4DD2-9906-F569B6C1DCD9}" type="slidenum">
+              <a:rPr lang="de-CH" smtClean="0"/>
+              <a:t>11</a:t>
+            </a:fld>
+            <a:endParaRPr lang="de-CH"/>
+          </a:p>
+        </p:txBody>
+      </p:sp>
+    </p:spTree>
+    <p:extLst>
+      <p:ext uri="{BB962C8B-B14F-4D97-AF65-F5344CB8AC3E}">
+        <p14:creationId xmlns:p14="http://schemas.microsoft.com/office/powerpoint/2010/main" val="2890711041"/>
+      </p:ext>
+    </p:extLst>
+  </p:cSld>
+  <p:clrMapOvr>
+    <a:masterClrMapping/>
+  </p:clrMapOvr>
+</p:notes>
+</file>
+
+<file path=ppt/notesSlides/notesSlide11.xml><?xml version="1.0" encoding="utf-8"?>
+<p:notes xmlns:a="http://schemas.openxmlformats.org/drawingml/2006/main" xmlns:r="http://schemas.openxmlformats.org/officeDocument/2006/relationships" xmlns:p="http://schemas.openxmlformats.org/presentationml/2006/main">
+  <p:cSld>
+    <p:spTree>
+      <p:nvGrpSpPr>
+        <p:cNvPr id="1" name=""/>
+        <p:cNvGrpSpPr/>
+        <p:nvPr/>
+      </p:nvGrpSpPr>
+      <p:grpSpPr>
+        <a:xfrm>
+          <a:off x="0" y="0"/>
+          <a:ext cx="0" cy="0"/>
+          <a:chOff x="0" y="0"/>
+          <a:chExt cx="0" cy="0"/>
+        </a:xfrm>
+      </p:grpSpPr>
+      <p:sp>
+        <p:nvSpPr>
+          <p:cNvPr id="2" name="Folienbildplatzhalter 1"/>
+          <p:cNvSpPr>
+            <a:spLocks noGrp="1" noRot="1" noChangeAspect="1"/>
+          </p:cNvSpPr>
+          <p:nvPr>
+            <p:ph type="sldImg"/>
+          </p:nvPr>
+        </p:nvSpPr>
+        <p:spPr/>
+      </p:sp>
+      <p:sp>
+        <p:nvSpPr>
+          <p:cNvPr id="3" name="Notizenplatzhalter 2"/>
+          <p:cNvSpPr>
+            <a:spLocks noGrp="1"/>
+          </p:cNvSpPr>
+          <p:nvPr>
+            <p:ph type="body" idx="1"/>
+          </p:nvPr>
+        </p:nvSpPr>
+        <p:spPr/>
+        <p:txBody>
+          <a:bodyPr/>
+          <a:lstStyle/>
+          <a:p>
+            <a:r>
+              <a:rPr lang="de-DE" dirty="0"/>
+              <a:t>Wir konnten aus der Gruppenarbeit unser Wissen in der linearen und multiplen linearen sowie logistische Regression in R erweitern.</a:t>
+            </a:r>
+          </a:p>
+          <a:p>
+            <a:r>
+              <a:rPr lang="de-DE" dirty="0"/>
+              <a:t>Auch haben wir Automatische </a:t>
+            </a:r>
+            <a:r>
+              <a:rPr lang="de-DE" dirty="0" err="1"/>
+              <a:t>Residuenanalyse</a:t>
+            </a:r>
+            <a:r>
+              <a:rPr lang="de-DE" dirty="0"/>
+              <a:t> durch R durchgeführt und konnten und konnten den Nebel in der </a:t>
+            </a:r>
+            <a:r>
+              <a:rPr lang="de-DE" dirty="0" err="1"/>
+              <a:t>Confusion</a:t>
+            </a:r>
+            <a:r>
+              <a:rPr lang="de-DE" dirty="0"/>
+              <a:t> Matrix</a:t>
+            </a:r>
+          </a:p>
+          <a:p>
+            <a:r>
+              <a:rPr lang="de-DE" dirty="0"/>
+              <a:t>Aufheben. Ebenfalls das </a:t>
+            </a:r>
+            <a:r>
+              <a:rPr lang="de-DE" dirty="0" err="1"/>
+              <a:t>Predicten</a:t>
+            </a:r>
+            <a:r>
+              <a:rPr lang="de-DE" dirty="0"/>
+              <a:t> von Target Werten mittels trainierten Modelle.</a:t>
+            </a:r>
+            <a:endParaRPr lang="de-CH" dirty="0"/>
+          </a:p>
+        </p:txBody>
+      </p:sp>
+      <p:sp>
+        <p:nvSpPr>
+          <p:cNvPr id="4" name="Foliennummernplatzhalter 3"/>
+          <p:cNvSpPr>
+            <a:spLocks noGrp="1"/>
+          </p:cNvSpPr>
+          <p:nvPr>
+            <p:ph type="sldNum" sz="quarter" idx="5"/>
+          </p:nvPr>
+        </p:nvSpPr>
+        <p:spPr/>
+        <p:txBody>
+          <a:bodyPr/>
+          <a:lstStyle/>
+          <a:p>
+            <a:fld id="{97920913-15AF-4DD2-9906-F569B6C1DCD9}" type="slidenum">
+              <a:rPr lang="de-CH" smtClean="0"/>
+              <a:t>12</a:t>
+            </a:fld>
+            <a:endParaRPr lang="de-CH"/>
+          </a:p>
+        </p:txBody>
+      </p:sp>
+    </p:spTree>
+    <p:extLst>
+      <p:ext uri="{BB962C8B-B14F-4D97-AF65-F5344CB8AC3E}">
+        <p14:creationId xmlns:p14="http://schemas.microsoft.com/office/powerpoint/2010/main" val="1487110917"/>
+      </p:ext>
+    </p:extLst>
+  </p:cSld>
+  <p:clrMapOvr>
+    <a:masterClrMapping/>
+  </p:clrMapOvr>
+</p:notes>
+</file>
+
+<file path=ppt/notesSlides/notesSlide12.xml><?xml version="1.0" encoding="utf-8"?>
+<p:notes xmlns:a="http://schemas.openxmlformats.org/drawingml/2006/main" xmlns:r="http://schemas.openxmlformats.org/officeDocument/2006/relationships" xmlns:p="http://schemas.openxmlformats.org/presentationml/2006/main">
+  <p:cSld>
+    <p:spTree>
+      <p:nvGrpSpPr>
+        <p:cNvPr id="1" name=""/>
+        <p:cNvGrpSpPr/>
+        <p:nvPr/>
+      </p:nvGrpSpPr>
+      <p:grpSpPr>
+        <a:xfrm>
+          <a:off x="0" y="0"/>
+          <a:ext cx="0" cy="0"/>
+          <a:chOff x="0" y="0"/>
+          <a:chExt cx="0" cy="0"/>
+        </a:xfrm>
+      </p:grpSpPr>
+      <p:sp>
+        <p:nvSpPr>
+          <p:cNvPr id="2" name="Folienbildplatzhalter 1"/>
+          <p:cNvSpPr>
+            <a:spLocks noGrp="1" noRot="1" noChangeAspect="1"/>
+          </p:cNvSpPr>
+          <p:nvPr>
+            <p:ph type="sldImg"/>
+          </p:nvPr>
+        </p:nvSpPr>
+        <p:spPr/>
+      </p:sp>
+      <p:sp>
+        <p:nvSpPr>
+          <p:cNvPr id="3" name="Notizenplatzhalter 2"/>
+          <p:cNvSpPr>
+            <a:spLocks noGrp="1"/>
+          </p:cNvSpPr>
+          <p:nvPr>
+            <p:ph type="body" idx="1"/>
+          </p:nvPr>
+        </p:nvSpPr>
+        <p:spPr/>
+        <p:txBody>
+          <a:bodyPr/>
+          <a:lstStyle/>
+          <a:p>
+            <a:r>
+              <a:rPr lang="de-DE" dirty="0"/>
+              <a:t>Vielen Dank für eure Aufmerksamkeit, gibt es Fragen von eurer Seite?</a:t>
+            </a:r>
+            <a:endParaRPr lang="de-CH" dirty="0"/>
+          </a:p>
+        </p:txBody>
+      </p:sp>
+      <p:sp>
+        <p:nvSpPr>
+          <p:cNvPr id="4" name="Foliennummernplatzhalter 3"/>
+          <p:cNvSpPr>
+            <a:spLocks noGrp="1"/>
+          </p:cNvSpPr>
+          <p:nvPr>
+            <p:ph type="sldNum" sz="quarter" idx="5"/>
+          </p:nvPr>
+        </p:nvSpPr>
+        <p:spPr/>
+        <p:txBody>
+          <a:bodyPr/>
+          <a:lstStyle/>
+          <a:p>
+            <a:fld id="{97920913-15AF-4DD2-9906-F569B6C1DCD9}" type="slidenum">
+              <a:rPr lang="de-CH" smtClean="0"/>
+              <a:t>13</a:t>
+            </a:fld>
+            <a:endParaRPr lang="de-CH"/>
+          </a:p>
+        </p:txBody>
+      </p:sp>
+    </p:spTree>
+    <p:extLst>
+      <p:ext uri="{BB962C8B-B14F-4D97-AF65-F5344CB8AC3E}">
+        <p14:creationId xmlns:p14="http://schemas.microsoft.com/office/powerpoint/2010/main" val="38465278"/>
       </p:ext>
     </p:extLst>
   </p:cSld>
@@ -1546,46 +1845,6 @@
           <a:bodyPr/>
           <a:lstStyle/>
           <a:p>
-            <a:r>
-              <a:rPr lang="de-DE" dirty="0"/>
-              <a:t>Wir konnten aus der Gruppenarbeit unser Wissen in der linearen und multiplen linearen sowie logistische Regression in R erweitern.</a:t>
-            </a:r>
-          </a:p>
-          <a:p>
-            <a:r>
-              <a:rPr lang="de-DE" dirty="0"/>
-              <a:t>Auch haben wir Automatische </a:t>
-            </a:r>
-            <a:r>
-              <a:rPr lang="de-DE" dirty="0" err="1"/>
-              <a:t>Residuenanalyse</a:t>
-            </a:r>
-            <a:r>
-              <a:rPr lang="de-DE" dirty="0"/>
-              <a:t> durch R durchgeführt und konnten und konnten den Nebel in der </a:t>
-            </a:r>
-            <a:r>
-              <a:rPr lang="de-DE" dirty="0" err="1"/>
-              <a:t>Confusion</a:t>
-            </a:r>
-            <a:r>
-              <a:rPr lang="de-DE" dirty="0"/>
-              <a:t> Matrix</a:t>
-            </a:r>
-          </a:p>
-          <a:p>
-            <a:r>
-              <a:rPr lang="de-DE" dirty="0"/>
-              <a:t>Aufheben. Ebenfalls das </a:t>
-            </a:r>
-            <a:r>
-              <a:rPr lang="de-DE" dirty="0" err="1"/>
-              <a:t>Predicten</a:t>
-            </a:r>
-            <a:r>
-              <a:rPr lang="de-DE" dirty="0"/>
-              <a:t> von Target Werten mittels trainierten Modelle.</a:t>
-            </a:r>
             <a:endParaRPr lang="de-CH" dirty="0"/>
           </a:p>
         </p:txBody>
@@ -1616,7 +1875,7 @@
     </p:spTree>
     <p:extLst>
       <p:ext uri="{BB962C8B-B14F-4D97-AF65-F5344CB8AC3E}">
-        <p14:creationId xmlns:p14="http://schemas.microsoft.com/office/powerpoint/2010/main" val="1487110917"/>
+        <p14:creationId xmlns:p14="http://schemas.microsoft.com/office/powerpoint/2010/main" val="1218132288"/>
       </p:ext>
     </p:extLst>
   </p:cSld>
@@ -1670,10 +1929,6 @@
           <a:bodyPr/>
           <a:lstStyle/>
           <a:p>
-            <a:r>
-              <a:rPr lang="de-DE" dirty="0"/>
-              <a:t>Vielen Dank für eure Aufmerksamkeit, gibt es Fragen von eurer Seite?</a:t>
-            </a:r>
             <a:endParaRPr lang="de-CH" dirty="0"/>
           </a:p>
         </p:txBody>
@@ -1704,7 +1959,7 @@
     </p:spTree>
     <p:extLst>
       <p:ext uri="{BB962C8B-B14F-4D97-AF65-F5344CB8AC3E}">
-        <p14:creationId xmlns:p14="http://schemas.microsoft.com/office/powerpoint/2010/main" val="38465278"/>
+        <p14:creationId xmlns:p14="http://schemas.microsoft.com/office/powerpoint/2010/main" val="944710676"/>
       </p:ext>
     </p:extLst>
   </p:cSld>
@@ -3380,7 +3635,7 @@
           <a:p>
             <a:fld id="{857530C4-E09B-4403-A941-6895AC0AAD56}" type="datetime1">
               <a:rPr lang="en-US" smtClean="0"/>
-              <a:t>11/3/2022</a:t>
+              <a:t>12/7/2022</a:t>
             </a:fld>
             <a:endParaRPr lang="en-US"/>
           </a:p>
@@ -3583,7 +3838,7 @@
           <a:p>
             <a:fld id="{48318ACE-2899-43DA-9D0D-21A353FCCCDA}" type="datetime1">
               <a:rPr lang="en-US" smtClean="0"/>
-              <a:t>11/3/2022</a:t>
+              <a:t>12/7/2022</a:t>
             </a:fld>
             <a:endParaRPr lang="en-US"/>
           </a:p>
@@ -5304,7 +5559,7 @@
           <a:p>
             <a:fld id="{60687668-1573-4585-91CB-32693C532F36}" type="datetime1">
               <a:rPr lang="en-US" smtClean="0"/>
-              <a:t>11/3/2022</a:t>
+              <a:t>12/7/2022</a:t>
             </a:fld>
             <a:endParaRPr lang="en-US"/>
           </a:p>
@@ -5503,7 +5758,7 @@
           <a:p>
             <a:fld id="{17E2E289-B482-469D-AD20-AE957C7162E3}" type="datetime1">
               <a:rPr lang="en-US" smtClean="0"/>
-              <a:t>11/3/2022</a:t>
+              <a:t>12/7/2022</a:t>
             </a:fld>
             <a:endParaRPr lang="en-US"/>
           </a:p>
@@ -7293,7 +7548,7 @@
           <a:p>
             <a:fld id="{8A535AD4-D255-41C8-9093-09204E4BCD69}" type="datetime1">
               <a:rPr lang="en-US" smtClean="0"/>
-              <a:t>11/3/2022</a:t>
+              <a:t>12/7/2022</a:t>
             </a:fld>
             <a:endParaRPr lang="en-US"/>
           </a:p>
@@ -7566,7 +7821,7 @@
           <a:p>
             <a:fld id="{ECF9956C-5DF7-4A40-B932-E8D8CBE05931}" type="datetime1">
               <a:rPr lang="en-US" smtClean="0"/>
-              <a:t>11/3/2022</a:t>
+              <a:t>12/7/2022</a:t>
             </a:fld>
             <a:endParaRPr lang="en-US"/>
           </a:p>
@@ -7986,7 +8241,7 @@
           <a:p>
             <a:fld id="{48DBE806-B4BE-4002-97E4-4C18ADB0A2EF}" type="datetime1">
               <a:rPr lang="en-US" smtClean="0"/>
-              <a:t>11/3/2022</a:t>
+              <a:t>12/7/2022</a:t>
             </a:fld>
             <a:endParaRPr lang="en-US"/>
           </a:p>
@@ -8142,7 +8397,7 @@
           <a:p>
             <a:fld id="{352482E8-16C3-4150-B73E-9C89B43DF22A}" type="datetime1">
               <a:rPr lang="en-US" smtClean="0"/>
-              <a:t>11/3/2022</a:t>
+              <a:t>12/7/2022</a:t>
             </a:fld>
             <a:endParaRPr lang="en-US"/>
           </a:p>
@@ -9710,7 +9965,7 @@
           <a:p>
             <a:fld id="{9E9BA27A-4FCC-4397-9A1E-FE0E0A5688E9}" type="datetime1">
               <a:rPr lang="en-US" smtClean="0"/>
-              <a:t>11/3/2022</a:t>
+              <a:t>12/7/2022</a:t>
             </a:fld>
             <a:endParaRPr lang="en-US"/>
           </a:p>
@@ -11561,7 +11816,7 @@
           <a:p>
             <a:fld id="{6DBE95F5-4B41-472F-879B-995FCF8AABEA}" type="datetime1">
               <a:rPr lang="en-US" smtClean="0"/>
-              <a:t>11/3/2022</a:t>
+              <a:t>12/7/2022</a:t>
             </a:fld>
             <a:endParaRPr lang="en-US"/>
           </a:p>
@@ -13374,7 +13629,7 @@
           <a:p>
             <a:fld id="{691E8630-5088-4F20-B480-189B2929B20B}" type="datetime1">
               <a:rPr lang="en-US" smtClean="0"/>
-              <a:t>11/3/2022</a:t>
+              <a:t>12/7/2022</a:t>
             </a:fld>
             <a:endParaRPr lang="en-US"/>
           </a:p>
@@ -15067,7 +15322,7 @@
           <a:p>
             <a:fld id="{27B57FC3-2AE1-4B01-9714-343BDFC54610}" type="datetime1">
               <a:rPr lang="en-US" smtClean="0"/>
-              <a:t>11/3/2022</a:t>
+              <a:t>12/7/2022</a:t>
             </a:fld>
             <a:endParaRPr lang="en-US" dirty="0"/>
           </a:p>
@@ -17693,6 +17948,884 @@
 <file path=ppt/slides/slide10.xml><?xml version="1.0" encoding="utf-8"?>
 <p:sld xmlns:a="http://schemas.openxmlformats.org/drawingml/2006/main" xmlns:r="http://schemas.openxmlformats.org/officeDocument/2006/relationships" xmlns:p="http://schemas.openxmlformats.org/presentationml/2006/main">
   <p:cSld>
+    <p:spTree>
+      <p:nvGrpSpPr>
+        <p:cNvPr id="1" name=""/>
+        <p:cNvGrpSpPr/>
+        <p:nvPr/>
+      </p:nvGrpSpPr>
+      <p:grpSpPr>
+        <a:xfrm>
+          <a:off x="0" y="0"/>
+          <a:ext cx="0" cy="0"/>
+          <a:chOff x="0" y="0"/>
+          <a:chExt cx="0" cy="0"/>
+        </a:xfrm>
+      </p:grpSpPr>
+      <p:sp>
+        <p:nvSpPr>
+          <p:cNvPr id="4" name="Foliennummernplatzhalter 3">
+            <a:extLst>
+              <a:ext uri="{FF2B5EF4-FFF2-40B4-BE49-F238E27FC236}">
+                <a16:creationId xmlns:a16="http://schemas.microsoft.com/office/drawing/2014/main" id="{B2B6A5F6-C3C2-F347-1380-353AC0033B9F}"/>
+              </a:ext>
+            </a:extLst>
+          </p:cNvPr>
+          <p:cNvSpPr>
+            <a:spLocks noGrp="1"/>
+          </p:cNvSpPr>
+          <p:nvPr>
+            <p:ph type="sldNum" sz="quarter" idx="12"/>
+          </p:nvPr>
+        </p:nvSpPr>
+        <p:spPr/>
+        <p:txBody>
+          <a:bodyPr/>
+          <a:lstStyle/>
+          <a:p>
+            <a:fld id="{BE15108C-154A-4A5A-9C05-91A49A422BA7}" type="slidenum">
+              <a:rPr lang="en-US" smtClean="0"/>
+              <a:t>10</a:t>
+            </a:fld>
+            <a:endParaRPr lang="en-US"/>
+          </a:p>
+        </p:txBody>
+      </p:sp>
+      <p:sp>
+        <p:nvSpPr>
+          <p:cNvPr id="5" name="Titel 1">
+            <a:extLst>
+              <a:ext uri="{FF2B5EF4-FFF2-40B4-BE49-F238E27FC236}">
+                <a16:creationId xmlns:a16="http://schemas.microsoft.com/office/drawing/2014/main" id="{1B2139BF-F867-8C91-6843-2CBF9BD11BAD}"/>
+              </a:ext>
+            </a:extLst>
+          </p:cNvPr>
+          <p:cNvSpPr txBox="1">
+            <a:spLocks/>
+          </p:cNvSpPr>
+          <p:nvPr/>
+        </p:nvSpPr>
+        <p:spPr>
+          <a:xfrm>
+            <a:off x="678649" y="725952"/>
+            <a:ext cx="10325000" cy="672560"/>
+          </a:xfrm>
+          <a:prstGeom prst="rect">
+            <a:avLst/>
+          </a:prstGeom>
+        </p:spPr>
+        <p:txBody>
+          <a:bodyPr vert="horz" lIns="91440" tIns="45720" rIns="91440" bIns="45720" rtlCol="0" anchor="b">
+            <a:normAutofit fontScale="90000" lnSpcReduction="10000"/>
+          </a:bodyPr>
+          <a:lstStyle>
+            <a:lvl1pPr algn="l" defTabSz="914400" rtl="0" eaLnBrk="1" latinLnBrk="0" hangingPunct="1">
+              <a:lnSpc>
+                <a:spcPct val="100000"/>
+              </a:lnSpc>
+              <a:spcBef>
+                <a:spcPct val="0"/>
+              </a:spcBef>
+              <a:buNone/>
+              <a:defRPr sz="4400" kern="1200">
+                <a:solidFill>
+                  <a:schemeClr val="tx2"/>
+                </a:solidFill>
+                <a:latin typeface="+mj-lt"/>
+                <a:ea typeface="+mj-ea"/>
+                <a:cs typeface="+mj-cs"/>
+              </a:defRPr>
+            </a:lvl1pPr>
+          </a:lstStyle>
+          <a:p>
+            <a:endParaRPr lang="de-CH" dirty="0"/>
+          </a:p>
+        </p:txBody>
+      </p:sp>
+      <p:sp>
+        <p:nvSpPr>
+          <p:cNvPr id="3" name="Gleichschenkliges Dreieck 2">
+            <a:extLst>
+              <a:ext uri="{FF2B5EF4-FFF2-40B4-BE49-F238E27FC236}">
+                <a16:creationId xmlns:a16="http://schemas.microsoft.com/office/drawing/2014/main" id="{64D06812-A6C4-5F25-F205-C79CBE347501}"/>
+              </a:ext>
+            </a:extLst>
+          </p:cNvPr>
+          <p:cNvSpPr/>
+          <p:nvPr/>
+        </p:nvSpPr>
+        <p:spPr>
+          <a:xfrm rot="5400000">
+            <a:off x="-235527" y="1603043"/>
+            <a:ext cx="880162" cy="409108"/>
+          </a:xfrm>
+          <a:prstGeom prst="triangle">
+            <a:avLst/>
+          </a:prstGeom>
+          <a:solidFill>
+            <a:srgbClr val="FFC000"/>
+          </a:solidFill>
+          <a:ln>
+            <a:solidFill>
+              <a:srgbClr val="FFC000"/>
+            </a:solidFill>
+          </a:ln>
+        </p:spPr>
+        <p:style>
+          <a:lnRef idx="2">
+            <a:schemeClr val="accent4">
+              <a:shade val="50000"/>
+            </a:schemeClr>
+          </a:lnRef>
+          <a:fillRef idx="1">
+            <a:schemeClr val="accent4"/>
+          </a:fillRef>
+          <a:effectRef idx="0">
+            <a:schemeClr val="accent4"/>
+          </a:effectRef>
+          <a:fontRef idx="minor">
+            <a:schemeClr val="lt1"/>
+          </a:fontRef>
+        </p:style>
+        <p:txBody>
+          <a:bodyPr rtlCol="0" anchor="ctr"/>
+          <a:lstStyle/>
+          <a:p>
+            <a:pPr algn="ctr"/>
+            <a:endParaRPr lang="de-CH" dirty="0"/>
+          </a:p>
+        </p:txBody>
+      </p:sp>
+      <p:sp>
+        <p:nvSpPr>
+          <p:cNvPr id="6" name="Titel 1">
+            <a:extLst>
+              <a:ext uri="{FF2B5EF4-FFF2-40B4-BE49-F238E27FC236}">
+                <a16:creationId xmlns:a16="http://schemas.microsoft.com/office/drawing/2014/main" id="{28E46656-C2DE-4599-78D7-EE849E88F5A7}"/>
+              </a:ext>
+            </a:extLst>
+          </p:cNvPr>
+          <p:cNvSpPr txBox="1">
+            <a:spLocks/>
+          </p:cNvSpPr>
+          <p:nvPr/>
+        </p:nvSpPr>
+        <p:spPr>
+          <a:xfrm>
+            <a:off x="831049" y="878352"/>
+            <a:ext cx="10325000" cy="672560"/>
+          </a:xfrm>
+          <a:prstGeom prst="rect">
+            <a:avLst/>
+          </a:prstGeom>
+        </p:spPr>
+        <p:txBody>
+          <a:bodyPr vert="horz" lIns="91440" tIns="45720" rIns="91440" bIns="45720" rtlCol="0" anchor="b">
+            <a:normAutofit fontScale="90000" lnSpcReduction="10000"/>
+          </a:bodyPr>
+          <a:lstStyle>
+            <a:lvl1pPr algn="l" defTabSz="914400" rtl="0" eaLnBrk="1" latinLnBrk="0" hangingPunct="1">
+              <a:lnSpc>
+                <a:spcPct val="100000"/>
+              </a:lnSpc>
+              <a:spcBef>
+                <a:spcPct val="0"/>
+              </a:spcBef>
+              <a:buNone/>
+              <a:defRPr sz="4400" kern="1200">
+                <a:solidFill>
+                  <a:schemeClr val="tx2"/>
+                </a:solidFill>
+                <a:latin typeface="+mj-lt"/>
+                <a:ea typeface="+mj-ea"/>
+                <a:cs typeface="+mj-cs"/>
+              </a:defRPr>
+            </a:lvl1pPr>
+          </a:lstStyle>
+          <a:p>
+            <a:r>
+              <a:rPr lang="en-US" dirty="0" err="1"/>
+              <a:t>Datensatz</a:t>
+            </a:r>
+            <a:endParaRPr lang="de-CH" dirty="0"/>
+          </a:p>
+        </p:txBody>
+      </p:sp>
+      <p:pic>
+        <p:nvPicPr>
+          <p:cNvPr id="13" name="Grafik 12">
+            <a:extLst>
+              <a:ext uri="{FF2B5EF4-FFF2-40B4-BE49-F238E27FC236}">
+                <a16:creationId xmlns:a16="http://schemas.microsoft.com/office/drawing/2014/main" id="{54932199-DF78-CB2A-434D-F3B3F02FC448}"/>
+              </a:ext>
+            </a:extLst>
+          </p:cNvPr>
+          <p:cNvPicPr>
+            <a:picLocks noChangeAspect="1"/>
+          </p:cNvPicPr>
+          <p:nvPr/>
+        </p:nvPicPr>
+        <p:blipFill>
+          <a:blip r:embed="rId3"/>
+          <a:stretch>
+            <a:fillRect/>
+          </a:stretch>
+        </p:blipFill>
+        <p:spPr>
+          <a:xfrm>
+            <a:off x="306154" y="1702197"/>
+            <a:ext cx="5692419" cy="3488639"/>
+          </a:xfrm>
+          <a:prstGeom prst="rect">
+            <a:avLst/>
+          </a:prstGeom>
+        </p:spPr>
+      </p:pic>
+      <p:sp>
+        <p:nvSpPr>
+          <p:cNvPr id="15" name="AutoShape 2">
+            <a:extLst>
+              <a:ext uri="{FF2B5EF4-FFF2-40B4-BE49-F238E27FC236}">
+                <a16:creationId xmlns:a16="http://schemas.microsoft.com/office/drawing/2014/main" id="{13075D7E-8237-19AF-08CD-E9FEE583B7CB}"/>
+              </a:ext>
+            </a:extLst>
+          </p:cNvPr>
+          <p:cNvSpPr>
+            <a:spLocks noChangeAspect="1" noChangeArrowheads="1"/>
+          </p:cNvSpPr>
+          <p:nvPr/>
+        </p:nvSpPr>
+        <p:spPr bwMode="auto">
+          <a:xfrm>
+            <a:off x="5943600" y="3276600"/>
+            <a:ext cx="304800" cy="304800"/>
+          </a:xfrm>
+          <a:prstGeom prst="rect">
+            <a:avLst/>
+          </a:prstGeom>
+          <a:noFill/>
+          <a:extLst>
+            <a:ext uri="{909E8E84-426E-40DD-AFC4-6F175D3DCCD1}">
+              <a14:hiddenFill xmlns:a14="http://schemas.microsoft.com/office/drawing/2010/main">
+                <a:solidFill>
+                  <a:srgbClr val="FFFFFF"/>
+                </a:solidFill>
+              </a14:hiddenFill>
+            </a:ext>
+          </a:extLst>
+        </p:spPr>
+        <p:txBody>
+          <a:bodyPr vert="horz" wrap="square" lIns="91440" tIns="45720" rIns="91440" bIns="45720" numCol="1" anchor="t" anchorCtr="0" compatLnSpc="1">
+            <a:prstTxWarp prst="textNoShape">
+              <a:avLst/>
+            </a:prstTxWarp>
+          </a:bodyPr>
+          <a:lstStyle/>
+          <a:p>
+            <a:endParaRPr lang="de-CH"/>
+          </a:p>
+        </p:txBody>
+      </p:sp>
+      <p:pic>
+        <p:nvPicPr>
+          <p:cNvPr id="17" name="Grafik 16">
+            <a:extLst>
+              <a:ext uri="{FF2B5EF4-FFF2-40B4-BE49-F238E27FC236}">
+                <a16:creationId xmlns:a16="http://schemas.microsoft.com/office/drawing/2014/main" id="{5AB1423C-F8D7-2693-9A8B-B07DBDDC3211}"/>
+              </a:ext>
+            </a:extLst>
+          </p:cNvPr>
+          <p:cNvPicPr>
+            <a:picLocks noChangeAspect="1"/>
+          </p:cNvPicPr>
+          <p:nvPr/>
+        </p:nvPicPr>
+        <p:blipFill>
+          <a:blip r:embed="rId4"/>
+          <a:stretch>
+            <a:fillRect/>
+          </a:stretch>
+        </p:blipFill>
+        <p:spPr>
+          <a:xfrm>
+            <a:off x="3036176" y="2980137"/>
+            <a:ext cx="8779109" cy="3158838"/>
+          </a:xfrm>
+          <a:prstGeom prst="rect">
+            <a:avLst/>
+          </a:prstGeom>
+        </p:spPr>
+      </p:pic>
+    </p:spTree>
+    <p:extLst>
+      <p:ext uri="{BB962C8B-B14F-4D97-AF65-F5344CB8AC3E}">
+        <p14:creationId xmlns:p14="http://schemas.microsoft.com/office/powerpoint/2010/main" val="2170445659"/>
+      </p:ext>
+    </p:extLst>
+  </p:cSld>
+  <p:clrMapOvr>
+    <a:masterClrMapping/>
+  </p:clrMapOvr>
+</p:sld>
+</file>
+
+<file path=ppt/slides/slide11.xml><?xml version="1.0" encoding="utf-8"?>
+<p:sld xmlns:a="http://schemas.openxmlformats.org/drawingml/2006/main" xmlns:r="http://schemas.openxmlformats.org/officeDocument/2006/relationships" xmlns:p="http://schemas.openxmlformats.org/presentationml/2006/main">
+  <p:cSld>
+    <p:spTree>
+      <p:nvGrpSpPr>
+        <p:cNvPr id="1" name=""/>
+        <p:cNvGrpSpPr/>
+        <p:nvPr/>
+      </p:nvGrpSpPr>
+      <p:grpSpPr>
+        <a:xfrm>
+          <a:off x="0" y="0"/>
+          <a:ext cx="0" cy="0"/>
+          <a:chOff x="0" y="0"/>
+          <a:chExt cx="0" cy="0"/>
+        </a:xfrm>
+      </p:grpSpPr>
+      <p:sp>
+        <p:nvSpPr>
+          <p:cNvPr id="4" name="Foliennummernplatzhalter 3">
+            <a:extLst>
+              <a:ext uri="{FF2B5EF4-FFF2-40B4-BE49-F238E27FC236}">
+                <a16:creationId xmlns:a16="http://schemas.microsoft.com/office/drawing/2014/main" id="{B2B6A5F6-C3C2-F347-1380-353AC0033B9F}"/>
+              </a:ext>
+            </a:extLst>
+          </p:cNvPr>
+          <p:cNvSpPr>
+            <a:spLocks noGrp="1"/>
+          </p:cNvSpPr>
+          <p:nvPr>
+            <p:ph type="sldNum" sz="quarter" idx="12"/>
+          </p:nvPr>
+        </p:nvSpPr>
+        <p:spPr/>
+        <p:txBody>
+          <a:bodyPr/>
+          <a:lstStyle/>
+          <a:p>
+            <a:fld id="{BE15108C-154A-4A5A-9C05-91A49A422BA7}" type="slidenum">
+              <a:rPr lang="en-US" smtClean="0"/>
+              <a:t>11</a:t>
+            </a:fld>
+            <a:endParaRPr lang="en-US"/>
+          </a:p>
+        </p:txBody>
+      </p:sp>
+      <p:sp>
+        <p:nvSpPr>
+          <p:cNvPr id="5" name="Titel 1">
+            <a:extLst>
+              <a:ext uri="{FF2B5EF4-FFF2-40B4-BE49-F238E27FC236}">
+                <a16:creationId xmlns:a16="http://schemas.microsoft.com/office/drawing/2014/main" id="{1B2139BF-F867-8C91-6843-2CBF9BD11BAD}"/>
+              </a:ext>
+            </a:extLst>
+          </p:cNvPr>
+          <p:cNvSpPr txBox="1">
+            <a:spLocks/>
+          </p:cNvSpPr>
+          <p:nvPr/>
+        </p:nvSpPr>
+        <p:spPr>
+          <a:xfrm>
+            <a:off x="678649" y="343285"/>
+            <a:ext cx="10325000" cy="672560"/>
+          </a:xfrm>
+          <a:prstGeom prst="rect">
+            <a:avLst/>
+          </a:prstGeom>
+        </p:spPr>
+        <p:txBody>
+          <a:bodyPr vert="horz" lIns="91440" tIns="45720" rIns="91440" bIns="45720" rtlCol="0" anchor="b">
+            <a:normAutofit fontScale="90000" lnSpcReduction="10000"/>
+          </a:bodyPr>
+          <a:lstStyle>
+            <a:lvl1pPr algn="l" defTabSz="914400" rtl="0" eaLnBrk="1" latinLnBrk="0" hangingPunct="1">
+              <a:lnSpc>
+                <a:spcPct val="100000"/>
+              </a:lnSpc>
+              <a:spcBef>
+                <a:spcPct val="0"/>
+              </a:spcBef>
+              <a:buNone/>
+              <a:defRPr sz="4400" kern="1200">
+                <a:solidFill>
+                  <a:schemeClr val="tx2"/>
+                </a:solidFill>
+                <a:latin typeface="+mj-lt"/>
+                <a:ea typeface="+mj-ea"/>
+                <a:cs typeface="+mj-cs"/>
+              </a:defRPr>
+            </a:lvl1pPr>
+          </a:lstStyle>
+          <a:p>
+            <a:endParaRPr lang="de-CH" dirty="0"/>
+          </a:p>
+        </p:txBody>
+      </p:sp>
+      <p:sp>
+        <p:nvSpPr>
+          <p:cNvPr id="3" name="Gleichschenkliges Dreieck 2">
+            <a:extLst>
+              <a:ext uri="{FF2B5EF4-FFF2-40B4-BE49-F238E27FC236}">
+                <a16:creationId xmlns:a16="http://schemas.microsoft.com/office/drawing/2014/main" id="{64D06812-A6C4-5F25-F205-C79CBE347501}"/>
+              </a:ext>
+            </a:extLst>
+          </p:cNvPr>
+          <p:cNvSpPr/>
+          <p:nvPr/>
+        </p:nvSpPr>
+        <p:spPr>
+          <a:xfrm rot="5400000">
+            <a:off x="-235527" y="1603043"/>
+            <a:ext cx="880162" cy="409108"/>
+          </a:xfrm>
+          <a:prstGeom prst="triangle">
+            <a:avLst/>
+          </a:prstGeom>
+          <a:solidFill>
+            <a:srgbClr val="FFC000"/>
+          </a:solidFill>
+          <a:ln>
+            <a:solidFill>
+              <a:srgbClr val="FFC000"/>
+            </a:solidFill>
+          </a:ln>
+        </p:spPr>
+        <p:style>
+          <a:lnRef idx="2">
+            <a:schemeClr val="accent4">
+              <a:shade val="50000"/>
+            </a:schemeClr>
+          </a:lnRef>
+          <a:fillRef idx="1">
+            <a:schemeClr val="accent4"/>
+          </a:fillRef>
+          <a:effectRef idx="0">
+            <a:schemeClr val="accent4"/>
+          </a:effectRef>
+          <a:fontRef idx="minor">
+            <a:schemeClr val="lt1"/>
+          </a:fontRef>
+        </p:style>
+        <p:txBody>
+          <a:bodyPr rtlCol="0" anchor="ctr"/>
+          <a:lstStyle/>
+          <a:p>
+            <a:pPr algn="ctr"/>
+            <a:endParaRPr lang="de-CH" dirty="0"/>
+          </a:p>
+        </p:txBody>
+      </p:sp>
+      <p:sp>
+        <p:nvSpPr>
+          <p:cNvPr id="6" name="Titel 1">
+            <a:extLst>
+              <a:ext uri="{FF2B5EF4-FFF2-40B4-BE49-F238E27FC236}">
+                <a16:creationId xmlns:a16="http://schemas.microsoft.com/office/drawing/2014/main" id="{28E46656-C2DE-4599-78D7-EE849E88F5A7}"/>
+              </a:ext>
+            </a:extLst>
+          </p:cNvPr>
+          <p:cNvSpPr txBox="1">
+            <a:spLocks/>
+          </p:cNvSpPr>
+          <p:nvPr/>
+        </p:nvSpPr>
+        <p:spPr>
+          <a:xfrm>
+            <a:off x="678649" y="441458"/>
+            <a:ext cx="10325000" cy="672560"/>
+          </a:xfrm>
+          <a:prstGeom prst="rect">
+            <a:avLst/>
+          </a:prstGeom>
+        </p:spPr>
+        <p:txBody>
+          <a:bodyPr vert="horz" lIns="91440" tIns="45720" rIns="91440" bIns="45720" rtlCol="0" anchor="b">
+            <a:normAutofit fontScale="90000" lnSpcReduction="10000"/>
+          </a:bodyPr>
+          <a:lstStyle>
+            <a:lvl1pPr algn="l" defTabSz="914400" rtl="0" eaLnBrk="1" latinLnBrk="0" hangingPunct="1">
+              <a:lnSpc>
+                <a:spcPct val="100000"/>
+              </a:lnSpc>
+              <a:spcBef>
+                <a:spcPct val="0"/>
+              </a:spcBef>
+              <a:buNone/>
+              <a:defRPr sz="4400" kern="1200">
+                <a:solidFill>
+                  <a:schemeClr val="tx2"/>
+                </a:solidFill>
+                <a:latin typeface="+mj-lt"/>
+                <a:ea typeface="+mj-ea"/>
+                <a:cs typeface="+mj-cs"/>
+              </a:defRPr>
+            </a:lvl1pPr>
+          </a:lstStyle>
+          <a:p>
+            <a:r>
+              <a:rPr lang="en-US" dirty="0" err="1"/>
+              <a:t>Zeitreihen</a:t>
+            </a:r>
+            <a:r>
+              <a:rPr lang="en-US" dirty="0"/>
+              <a:t> &amp; </a:t>
+            </a:r>
+            <a:r>
+              <a:rPr lang="en-US" dirty="0" err="1"/>
+              <a:t>Plotly</a:t>
+            </a:r>
+            <a:endParaRPr lang="de-CH" dirty="0"/>
+          </a:p>
+        </p:txBody>
+      </p:sp>
+      <p:pic>
+        <p:nvPicPr>
+          <p:cNvPr id="7" name="Grafik 6">
+            <a:extLst>
+              <a:ext uri="{FF2B5EF4-FFF2-40B4-BE49-F238E27FC236}">
+                <a16:creationId xmlns:a16="http://schemas.microsoft.com/office/drawing/2014/main" id="{DB796751-A218-BB7F-B874-9C3D7D054613}"/>
+              </a:ext>
+            </a:extLst>
+          </p:cNvPr>
+          <p:cNvPicPr>
+            <a:picLocks noChangeAspect="1"/>
+          </p:cNvPicPr>
+          <p:nvPr/>
+        </p:nvPicPr>
+        <p:blipFill>
+          <a:blip r:embed="rId3"/>
+          <a:stretch>
+            <a:fillRect/>
+          </a:stretch>
+        </p:blipFill>
+        <p:spPr>
+          <a:xfrm>
+            <a:off x="616943" y="1212191"/>
+            <a:ext cx="6596452" cy="4952082"/>
+          </a:xfrm>
+          <a:prstGeom prst="rect">
+            <a:avLst/>
+          </a:prstGeom>
+        </p:spPr>
+      </p:pic>
+      <p:pic>
+        <p:nvPicPr>
+          <p:cNvPr id="9" name="Grafik 8">
+            <a:extLst>
+              <a:ext uri="{FF2B5EF4-FFF2-40B4-BE49-F238E27FC236}">
+                <a16:creationId xmlns:a16="http://schemas.microsoft.com/office/drawing/2014/main" id="{12B794BE-58A1-2D21-E85F-21D6E240813B}"/>
+              </a:ext>
+            </a:extLst>
+          </p:cNvPr>
+          <p:cNvPicPr>
+            <a:picLocks noChangeAspect="1"/>
+          </p:cNvPicPr>
+          <p:nvPr/>
+        </p:nvPicPr>
+        <p:blipFill>
+          <a:blip r:embed="rId4"/>
+          <a:stretch>
+            <a:fillRect/>
+          </a:stretch>
+        </p:blipFill>
+        <p:spPr>
+          <a:xfrm>
+            <a:off x="5487479" y="2283483"/>
+            <a:ext cx="5826849" cy="4512952"/>
+          </a:xfrm>
+          <a:prstGeom prst="rect">
+            <a:avLst/>
+          </a:prstGeom>
+        </p:spPr>
+      </p:pic>
+    </p:spTree>
+    <p:extLst>
+      <p:ext uri="{BB962C8B-B14F-4D97-AF65-F5344CB8AC3E}">
+        <p14:creationId xmlns:p14="http://schemas.microsoft.com/office/powerpoint/2010/main" val="4259161455"/>
+      </p:ext>
+    </p:extLst>
+  </p:cSld>
+  <p:clrMapOvr>
+    <a:masterClrMapping/>
+  </p:clrMapOvr>
+</p:sld>
+</file>
+
+<file path=ppt/slides/slide12.xml><?xml version="1.0" encoding="utf-8"?>
+<p:sld xmlns:a="http://schemas.openxmlformats.org/drawingml/2006/main" xmlns:r="http://schemas.openxmlformats.org/officeDocument/2006/relationships" xmlns:p="http://schemas.openxmlformats.org/presentationml/2006/main">
+  <p:cSld>
+    <p:spTree>
+      <p:nvGrpSpPr>
+        <p:cNvPr id="1" name=""/>
+        <p:cNvGrpSpPr/>
+        <p:nvPr/>
+      </p:nvGrpSpPr>
+      <p:grpSpPr>
+        <a:xfrm>
+          <a:off x="0" y="0"/>
+          <a:ext cx="0" cy="0"/>
+          <a:chOff x="0" y="0"/>
+          <a:chExt cx="0" cy="0"/>
+        </a:xfrm>
+      </p:grpSpPr>
+      <p:sp>
+        <p:nvSpPr>
+          <p:cNvPr id="4" name="Foliennummernplatzhalter 3">
+            <a:extLst>
+              <a:ext uri="{FF2B5EF4-FFF2-40B4-BE49-F238E27FC236}">
+                <a16:creationId xmlns:a16="http://schemas.microsoft.com/office/drawing/2014/main" id="{B2B6A5F6-C3C2-F347-1380-353AC0033B9F}"/>
+              </a:ext>
+            </a:extLst>
+          </p:cNvPr>
+          <p:cNvSpPr>
+            <a:spLocks noGrp="1"/>
+          </p:cNvSpPr>
+          <p:nvPr>
+            <p:ph type="sldNum" sz="quarter" idx="12"/>
+          </p:nvPr>
+        </p:nvSpPr>
+        <p:spPr/>
+        <p:txBody>
+          <a:bodyPr/>
+          <a:lstStyle/>
+          <a:p>
+            <a:fld id="{BE15108C-154A-4A5A-9C05-91A49A422BA7}" type="slidenum">
+              <a:rPr lang="en-US" smtClean="0"/>
+              <a:t>12</a:t>
+            </a:fld>
+            <a:endParaRPr lang="en-US"/>
+          </a:p>
+        </p:txBody>
+      </p:sp>
+      <p:sp>
+        <p:nvSpPr>
+          <p:cNvPr id="5" name="Titel 1">
+            <a:extLst>
+              <a:ext uri="{FF2B5EF4-FFF2-40B4-BE49-F238E27FC236}">
+                <a16:creationId xmlns:a16="http://schemas.microsoft.com/office/drawing/2014/main" id="{1B2139BF-F867-8C91-6843-2CBF9BD11BAD}"/>
+              </a:ext>
+            </a:extLst>
+          </p:cNvPr>
+          <p:cNvSpPr txBox="1">
+            <a:spLocks/>
+          </p:cNvSpPr>
+          <p:nvPr/>
+        </p:nvSpPr>
+        <p:spPr>
+          <a:xfrm>
+            <a:off x="678649" y="725952"/>
+            <a:ext cx="10325000" cy="672560"/>
+          </a:xfrm>
+          <a:prstGeom prst="rect">
+            <a:avLst/>
+          </a:prstGeom>
+        </p:spPr>
+        <p:txBody>
+          <a:bodyPr vert="horz" lIns="91440" tIns="45720" rIns="91440" bIns="45720" rtlCol="0" anchor="b">
+            <a:normAutofit fontScale="90000" lnSpcReduction="10000"/>
+          </a:bodyPr>
+          <a:lstStyle>
+            <a:lvl1pPr algn="l" defTabSz="914400" rtl="0" eaLnBrk="1" latinLnBrk="0" hangingPunct="1">
+              <a:lnSpc>
+                <a:spcPct val="100000"/>
+              </a:lnSpc>
+              <a:spcBef>
+                <a:spcPct val="0"/>
+              </a:spcBef>
+              <a:buNone/>
+              <a:defRPr sz="4400" kern="1200">
+                <a:solidFill>
+                  <a:schemeClr val="tx2"/>
+                </a:solidFill>
+                <a:latin typeface="+mj-lt"/>
+                <a:ea typeface="+mj-ea"/>
+                <a:cs typeface="+mj-cs"/>
+              </a:defRPr>
+            </a:lvl1pPr>
+          </a:lstStyle>
+          <a:p>
+            <a:r>
+              <a:rPr lang="en-US" dirty="0"/>
+              <a:t>Learnings</a:t>
+            </a:r>
+            <a:endParaRPr lang="de-CH" dirty="0"/>
+          </a:p>
+        </p:txBody>
+      </p:sp>
+      <p:sp>
+        <p:nvSpPr>
+          <p:cNvPr id="8" name="Textfeld 7">
+            <a:extLst>
+              <a:ext uri="{FF2B5EF4-FFF2-40B4-BE49-F238E27FC236}">
+                <a16:creationId xmlns:a16="http://schemas.microsoft.com/office/drawing/2014/main" id="{E18D64F6-00DA-FAA6-4DA8-07F583ABC6C0}"/>
+              </a:ext>
+            </a:extLst>
+          </p:cNvPr>
+          <p:cNvSpPr txBox="1"/>
+          <p:nvPr/>
+        </p:nvSpPr>
+        <p:spPr>
+          <a:xfrm>
+            <a:off x="678649" y="1831896"/>
+            <a:ext cx="10325000" cy="3664401"/>
+          </a:xfrm>
+          <a:prstGeom prst="rect">
+            <a:avLst/>
+          </a:prstGeom>
+          <a:noFill/>
+        </p:spPr>
+        <p:txBody>
+          <a:bodyPr wrap="square">
+            <a:spAutoFit/>
+          </a:bodyPr>
+          <a:lstStyle/>
+          <a:p>
+            <a:pPr marL="285750" indent="-285750">
+              <a:lnSpc>
+                <a:spcPct val="200000"/>
+              </a:lnSpc>
+              <a:buFont typeface="Arial" panose="020B0604020202020204" pitchFamily="34" charset="0"/>
+              <a:buChar char="•"/>
+            </a:pPr>
+            <a:r>
+              <a:rPr lang="de-DE" sz="2400" dirty="0"/>
+              <a:t>Anwendung der linearen und multiplen linearen Regression in R</a:t>
+            </a:r>
+          </a:p>
+          <a:p>
+            <a:pPr marL="285750" indent="-285750">
+              <a:lnSpc>
+                <a:spcPct val="200000"/>
+              </a:lnSpc>
+              <a:buFont typeface="Arial" panose="020B0604020202020204" pitchFamily="34" charset="0"/>
+              <a:buChar char="•"/>
+            </a:pPr>
+            <a:r>
+              <a:rPr lang="de-DE" sz="2400" dirty="0"/>
+              <a:t>Umgang mit Time Series Daten</a:t>
+            </a:r>
+          </a:p>
+          <a:p>
+            <a:pPr marL="285750" indent="-285750">
+              <a:lnSpc>
+                <a:spcPct val="200000"/>
+              </a:lnSpc>
+              <a:buFont typeface="Arial" panose="020B0604020202020204" pitchFamily="34" charset="0"/>
+              <a:buChar char="•"/>
+            </a:pPr>
+            <a:r>
+              <a:rPr lang="de-DE" sz="2400" dirty="0"/>
+              <a:t>Interaktive </a:t>
+            </a:r>
+            <a:r>
+              <a:rPr lang="de-DE" sz="2400" dirty="0" err="1"/>
+              <a:t>Plolty</a:t>
+            </a:r>
+            <a:r>
+              <a:rPr lang="de-DE" sz="2400" dirty="0"/>
+              <a:t> Visualisierungen in R erstellen</a:t>
+            </a:r>
+          </a:p>
+          <a:p>
+            <a:pPr marL="285750" indent="-285750">
+              <a:lnSpc>
+                <a:spcPct val="200000"/>
+              </a:lnSpc>
+              <a:buFont typeface="Arial" panose="020B0604020202020204" pitchFamily="34" charset="0"/>
+              <a:buChar char="•"/>
+            </a:pPr>
+            <a:r>
+              <a:rPr lang="de-DE" sz="2400" dirty="0"/>
+              <a:t>Teamarbeit </a:t>
+            </a:r>
+          </a:p>
+          <a:p>
+            <a:pPr marL="285750" indent="-285750">
+              <a:lnSpc>
+                <a:spcPct val="200000"/>
+              </a:lnSpc>
+              <a:buFont typeface="Arial" panose="020B0604020202020204" pitchFamily="34" charset="0"/>
+              <a:buChar char="•"/>
+            </a:pPr>
+            <a:endParaRPr lang="de-DE" sz="2400" dirty="0"/>
+          </a:p>
+        </p:txBody>
+      </p:sp>
+      <p:sp>
+        <p:nvSpPr>
+          <p:cNvPr id="2" name="Gleichschenkliges Dreieck 1">
+            <a:extLst>
+              <a:ext uri="{FF2B5EF4-FFF2-40B4-BE49-F238E27FC236}">
+                <a16:creationId xmlns:a16="http://schemas.microsoft.com/office/drawing/2014/main" id="{0F50F57D-B4BC-A34C-E4D9-F954C9A35058}"/>
+              </a:ext>
+            </a:extLst>
+          </p:cNvPr>
+          <p:cNvSpPr/>
+          <p:nvPr/>
+        </p:nvSpPr>
+        <p:spPr>
+          <a:xfrm rot="5400000">
+            <a:off x="-235527" y="1634039"/>
+            <a:ext cx="880162" cy="409108"/>
+          </a:xfrm>
+          <a:prstGeom prst="triangle">
+            <a:avLst/>
+          </a:prstGeom>
+          <a:solidFill>
+            <a:schemeClr val="accent3"/>
+          </a:solidFill>
+          <a:ln>
+            <a:solidFill>
+              <a:schemeClr val="accent2"/>
+            </a:solidFill>
+          </a:ln>
+        </p:spPr>
+        <p:style>
+          <a:lnRef idx="2">
+            <a:schemeClr val="accent4">
+              <a:shade val="50000"/>
+            </a:schemeClr>
+          </a:lnRef>
+          <a:fillRef idx="1">
+            <a:schemeClr val="accent4"/>
+          </a:fillRef>
+          <a:effectRef idx="0">
+            <a:schemeClr val="accent4"/>
+          </a:effectRef>
+          <a:fontRef idx="minor">
+            <a:schemeClr val="lt1"/>
+          </a:fontRef>
+        </p:style>
+        <p:txBody>
+          <a:bodyPr rtlCol="0" anchor="ctr"/>
+          <a:lstStyle/>
+          <a:p>
+            <a:pPr algn="ctr"/>
+            <a:endParaRPr lang="de-CH" dirty="0"/>
+          </a:p>
+        </p:txBody>
+      </p:sp>
+    </p:spTree>
+    <p:extLst>
+      <p:ext uri="{BB962C8B-B14F-4D97-AF65-F5344CB8AC3E}">
+        <p14:creationId xmlns:p14="http://schemas.microsoft.com/office/powerpoint/2010/main" val="905050750"/>
+      </p:ext>
+    </p:extLst>
+  </p:cSld>
+  <p:clrMapOvr>
+    <a:masterClrMapping/>
+  </p:clrMapOvr>
+</p:sld>
+</file>
+
+<file path=ppt/slides/slide13.xml><?xml version="1.0" encoding="utf-8"?>
+<p:sld xmlns:a="http://schemas.openxmlformats.org/drawingml/2006/main" xmlns:r="http://schemas.openxmlformats.org/officeDocument/2006/relationships" xmlns:p="http://schemas.openxmlformats.org/presentationml/2006/main">
+  <p:cSld>
     <p:bg>
       <p:bgPr>
         <a:solidFill>
@@ -21505,7 +22638,7 @@
                   <a:spcPts val="600"/>
                 </a:spcAft>
               </a:pPr>
-              <a:t>10</a:t>
+              <a:t>13</a:t>
             </a:fld>
             <a:endParaRPr lang="en-US"/>
           </a:p>
@@ -25098,6 +26231,14 @@
 <file path=ppt/slides/slide9.xml><?xml version="1.0" encoding="utf-8"?>
 <p:sld xmlns:a="http://schemas.openxmlformats.org/drawingml/2006/main" xmlns:r="http://schemas.openxmlformats.org/officeDocument/2006/relationships" xmlns:p="http://schemas.openxmlformats.org/presentationml/2006/main">
   <p:cSld>
+    <p:bg>
+      <p:bgPr>
+        <a:solidFill>
+          <a:schemeClr val="bg1"/>
+        </a:solidFill>
+        <a:effectLst/>
+      </p:bgPr>
+    </p:bg>
     <p:spTree>
       <p:nvGrpSpPr>
         <p:cNvPr id="1" name=""/>
@@ -25112,12 +26253,2064 @@
           <a:chExt cx="0" cy="0"/>
         </a:xfrm>
       </p:grpSpPr>
+      <p:sp useBgFill="1">
+        <p:nvSpPr>
+          <p:cNvPr id="93" name="Rectangle 92">
+            <a:extLst>
+              <a:ext uri="{FF2B5EF4-FFF2-40B4-BE49-F238E27FC236}">
+                <a16:creationId xmlns:a16="http://schemas.microsoft.com/office/drawing/2014/main" id="{4E1EF4E8-5513-4BF5-BC41-04645281C672}"/>
+              </a:ext>
+              <a:ext uri="{C183D7F6-B498-43B3-948B-1728B52AA6E4}">
+                <adec:decorative xmlns:adec="http://schemas.microsoft.com/office/drawing/2017/decorative" val="1"/>
+              </a:ext>
+            </a:extLst>
+          </p:cNvPr>
+          <p:cNvSpPr>
+            <a:spLocks noGrp="1" noRot="1" noChangeAspect="1" noMove="1" noResize="1" noEditPoints="1" noAdjustHandles="1" noChangeArrowheads="1" noChangeShapeType="1" noTextEdit="1"/>
+          </p:cNvSpPr>
+          <p:nvPr>
+            <p:extLst>
+              <p:ext uri="{386F3935-93C4-4BCD-93E2-E3B085C9AB24}">
+                <p16:designElem xmlns:p16="http://schemas.microsoft.com/office/powerpoint/2015/main" val="1"/>
+              </p:ext>
+            </p:extLst>
+          </p:nvPr>
+        </p:nvSpPr>
+        <p:spPr>
+          <a:xfrm>
+            <a:off x="0" y="0"/>
+            <a:ext cx="12192000" cy="6858000"/>
+          </a:xfrm>
+          <a:prstGeom prst="rect">
+            <a:avLst/>
+          </a:prstGeom>
+          <a:ln w="3848" cap="flat">
+            <a:noFill/>
+            <a:prstDash val="solid"/>
+            <a:miter/>
+          </a:ln>
+          <a:effectLst/>
+        </p:spPr>
+        <p:txBody>
+          <a:bodyPr rtlCol="0" anchor="ctr"/>
+          <a:lstStyle/>
+          <a:p>
+            <a:endParaRPr lang="en-US" dirty="0">
+              <a:solidFill>
+                <a:schemeClr val="tx1"/>
+              </a:solidFill>
+            </a:endParaRPr>
+          </a:p>
+        </p:txBody>
+      </p:sp>
+      <p:pic>
+        <p:nvPicPr>
+          <p:cNvPr id="10" name="Grafik 9">
+            <a:extLst>
+              <a:ext uri="{FF2B5EF4-FFF2-40B4-BE49-F238E27FC236}">
+                <a16:creationId xmlns:a16="http://schemas.microsoft.com/office/drawing/2014/main" id="{B99BDD83-2CDA-3A28-D733-5609491BA1E2}"/>
+              </a:ext>
+            </a:extLst>
+          </p:cNvPr>
+          <p:cNvPicPr>
+            <a:picLocks noChangeAspect="1"/>
+          </p:cNvPicPr>
+          <p:nvPr/>
+        </p:nvPicPr>
+        <p:blipFill rotWithShape="1">
+          <a:blip r:embed="rId3">
+            <a:extLst>
+              <a:ext uri="{BEBA8EAE-BF5A-486C-A8C5-ECC9F3942E4B}">
+                <a14:imgProps xmlns:a14="http://schemas.microsoft.com/office/drawing/2010/main">
+                  <a14:imgLayer r:embed="rId4">
+                    <a14:imgEffect>
+                      <a14:sharpenSoften amount="25000"/>
+                    </a14:imgEffect>
+                    <a14:imgEffect>
+                      <a14:saturation sat="200000"/>
+                    </a14:imgEffect>
+                  </a14:imgLayer>
+                </a14:imgProps>
+              </a:ext>
+            </a:extLst>
+          </a:blip>
+          <a:srcRect r="9334" b="1"/>
+          <a:stretch/>
+        </p:blipFill>
+        <p:spPr>
+          <a:xfrm>
+            <a:off x="20" y="1"/>
+            <a:ext cx="12191980" cy="6857999"/>
+          </a:xfrm>
+          <a:prstGeom prst="rect">
+            <a:avLst/>
+          </a:prstGeom>
+        </p:spPr>
+      </p:pic>
+      <p:grpSp>
+        <p:nvGrpSpPr>
+          <p:cNvPr id="95" name="Group 94">
+            <a:extLst>
+              <a:ext uri="{FF2B5EF4-FFF2-40B4-BE49-F238E27FC236}">
+                <a16:creationId xmlns:a16="http://schemas.microsoft.com/office/drawing/2014/main" id="{88ABB63B-B6EE-43AF-9C37-0924518E53E3}"/>
+              </a:ext>
+              <a:ext uri="{C183D7F6-B498-43B3-948B-1728B52AA6E4}">
+                <adec:decorative xmlns:adec="http://schemas.microsoft.com/office/drawing/2017/decorative" val="1"/>
+              </a:ext>
+            </a:extLst>
+          </p:cNvPr>
+          <p:cNvGrpSpPr>
+            <a:grpSpLocks noGrp="1" noUngrp="1" noRot="1" noChangeAspect="1" noMove="1" noResize="1"/>
+          </p:cNvGrpSpPr>
+          <p:nvPr>
+            <p:extLst>
+              <p:ext uri="{386F3935-93C4-4BCD-93E2-E3B085C9AB24}">
+                <p16:designElem xmlns:p16="http://schemas.microsoft.com/office/powerpoint/2015/main" val="1"/>
+              </p:ext>
+            </p:extLst>
+          </p:nvPr>
+        </p:nvGrpSpPr>
+        <p:grpSpPr>
+          <a:xfrm>
+            <a:off x="-6214" y="-1"/>
+            <a:ext cx="12214827" cy="6858000"/>
+            <a:chOff x="-6214" y="-1"/>
+            <a:chExt cx="12214827" cy="6858000"/>
+          </a:xfrm>
+        </p:grpSpPr>
+        <p:cxnSp>
+          <p:nvCxnSpPr>
+            <p:cNvPr id="96" name="Straight Connector 95">
+              <a:extLst>
+                <a:ext uri="{FF2B5EF4-FFF2-40B4-BE49-F238E27FC236}">
+                  <a16:creationId xmlns:a16="http://schemas.microsoft.com/office/drawing/2014/main" id="{CB7E45DC-7AC9-4A43-B52C-78D9531B8635}"/>
+                </a:ext>
+                <a:ext uri="{C183D7F6-B498-43B3-948B-1728B52AA6E4}">
+                  <adec:decorative xmlns:adec="http://schemas.microsoft.com/office/drawing/2017/decorative" val="1"/>
+                </a:ext>
+              </a:extLst>
+            </p:cNvPr>
+            <p:cNvCxnSpPr>
+              <a:cxnSpLocks/>
+            </p:cNvCxnSpPr>
+            <p:nvPr>
+              <p:extLst>
+                <p:ext uri="{386F3935-93C4-4BCD-93E2-E3B085C9AB24}">
+                  <p16:designElem xmlns:p16="http://schemas.microsoft.com/office/powerpoint/2015/main" val="1"/>
+                </p:ext>
+              </p:extLst>
+            </p:nvPr>
+          </p:nvCxnSpPr>
+          <p:spPr>
+            <a:xfrm>
+              <a:off x="-6214" y="6686283"/>
+              <a:ext cx="12192000" cy="0"/>
+            </a:xfrm>
+            <a:prstGeom prst="line">
+              <a:avLst/>
+            </a:prstGeom>
+            <a:ln w="12700">
+              <a:solidFill>
+                <a:srgbClr val="BCBCBC">
+                  <a:alpha val="29804"/>
+                </a:srgbClr>
+              </a:solidFill>
+              <a:prstDash val="sysDot"/>
+            </a:ln>
+          </p:spPr>
+          <p:style>
+            <a:lnRef idx="1">
+              <a:schemeClr val="accent1"/>
+            </a:lnRef>
+            <a:fillRef idx="0">
+              <a:schemeClr val="accent1"/>
+            </a:fillRef>
+            <a:effectRef idx="0">
+              <a:schemeClr val="accent1"/>
+            </a:effectRef>
+            <a:fontRef idx="minor">
+              <a:schemeClr val="tx1"/>
+            </a:fontRef>
+          </p:style>
+        </p:cxnSp>
+        <p:cxnSp>
+          <p:nvCxnSpPr>
+            <p:cNvPr id="97" name="Straight Connector 96">
+              <a:extLst>
+                <a:ext uri="{FF2B5EF4-FFF2-40B4-BE49-F238E27FC236}">
+                  <a16:creationId xmlns:a16="http://schemas.microsoft.com/office/drawing/2014/main" id="{2543D79A-4328-45EF-A428-FC665CB507FB}"/>
+                </a:ext>
+                <a:ext uri="{C183D7F6-B498-43B3-948B-1728B52AA6E4}">
+                  <adec:decorative xmlns:adec="http://schemas.microsoft.com/office/drawing/2017/decorative" val="1"/>
+                </a:ext>
+              </a:extLst>
+            </p:cNvPr>
+            <p:cNvCxnSpPr>
+              <a:cxnSpLocks/>
+            </p:cNvCxnSpPr>
+            <p:nvPr>
+              <p:extLst>
+                <p:ext uri="{386F3935-93C4-4BCD-93E2-E3B085C9AB24}">
+                  <p16:designElem xmlns:p16="http://schemas.microsoft.com/office/powerpoint/2015/main" val="1"/>
+                </p:ext>
+              </p:extLst>
+            </p:nvPr>
+          </p:nvCxnSpPr>
+          <p:spPr>
+            <a:xfrm>
+              <a:off x="0" y="-1"/>
+              <a:ext cx="0" cy="6858000"/>
+            </a:xfrm>
+            <a:prstGeom prst="line">
+              <a:avLst/>
+            </a:prstGeom>
+            <a:ln w="12700">
+              <a:solidFill>
+                <a:srgbClr val="BCBCBC">
+                  <a:alpha val="29804"/>
+                </a:srgbClr>
+              </a:solidFill>
+              <a:prstDash val="sysDot"/>
+            </a:ln>
+          </p:spPr>
+          <p:style>
+            <a:lnRef idx="1">
+              <a:schemeClr val="accent1"/>
+            </a:lnRef>
+            <a:fillRef idx="0">
+              <a:schemeClr val="accent1"/>
+            </a:fillRef>
+            <a:effectRef idx="0">
+              <a:schemeClr val="accent1"/>
+            </a:effectRef>
+            <a:fontRef idx="minor">
+              <a:schemeClr val="tx1"/>
+            </a:fontRef>
+          </p:style>
+        </p:cxnSp>
+        <p:cxnSp>
+          <p:nvCxnSpPr>
+            <p:cNvPr id="98" name="Straight Connector 97">
+              <a:extLst>
+                <a:ext uri="{FF2B5EF4-FFF2-40B4-BE49-F238E27FC236}">
+                  <a16:creationId xmlns:a16="http://schemas.microsoft.com/office/drawing/2014/main" id="{0804AB2D-9BA7-48D7-AFC0-D368F3B76800}"/>
+                </a:ext>
+                <a:ext uri="{C183D7F6-B498-43B3-948B-1728B52AA6E4}">
+                  <adec:decorative xmlns:adec="http://schemas.microsoft.com/office/drawing/2017/decorative" val="1"/>
+                </a:ext>
+              </a:extLst>
+            </p:cNvPr>
+            <p:cNvCxnSpPr>
+              <a:cxnSpLocks/>
+            </p:cNvCxnSpPr>
+            <p:nvPr>
+              <p:extLst>
+                <p:ext uri="{386F3935-93C4-4BCD-93E2-E3B085C9AB24}">
+                  <p16:designElem xmlns:p16="http://schemas.microsoft.com/office/powerpoint/2015/main" val="1"/>
+                </p:ext>
+              </p:extLst>
+            </p:nvPr>
+          </p:nvCxnSpPr>
+          <p:spPr>
+            <a:xfrm>
+              <a:off x="11993258" y="-1"/>
+              <a:ext cx="0" cy="6858000"/>
+            </a:xfrm>
+            <a:prstGeom prst="line">
+              <a:avLst/>
+            </a:prstGeom>
+            <a:ln w="12700">
+              <a:solidFill>
+                <a:srgbClr val="BCBCBC">
+                  <a:alpha val="29804"/>
+                </a:srgbClr>
+              </a:solidFill>
+              <a:prstDash val="sysDot"/>
+            </a:ln>
+          </p:spPr>
+          <p:style>
+            <a:lnRef idx="1">
+              <a:schemeClr val="accent1"/>
+            </a:lnRef>
+            <a:fillRef idx="0">
+              <a:schemeClr val="accent1"/>
+            </a:fillRef>
+            <a:effectRef idx="0">
+              <a:schemeClr val="accent1"/>
+            </a:effectRef>
+            <a:fontRef idx="minor">
+              <a:schemeClr val="tx1"/>
+            </a:fontRef>
+          </p:style>
+        </p:cxnSp>
+        <p:cxnSp>
+          <p:nvCxnSpPr>
+            <p:cNvPr id="99" name="Straight Connector 98">
+              <a:extLst>
+                <a:ext uri="{FF2B5EF4-FFF2-40B4-BE49-F238E27FC236}">
+                  <a16:creationId xmlns:a16="http://schemas.microsoft.com/office/drawing/2014/main" id="{ED26FBC9-30B7-4D26-AF30-4BA8719F3056}"/>
+                </a:ext>
+                <a:ext uri="{C183D7F6-B498-43B3-948B-1728B52AA6E4}">
+                  <adec:decorative xmlns:adec="http://schemas.microsoft.com/office/drawing/2017/decorative" val="1"/>
+                </a:ext>
+              </a:extLst>
+            </p:cNvPr>
+            <p:cNvCxnSpPr>
+              <a:cxnSpLocks/>
+            </p:cNvCxnSpPr>
+            <p:nvPr>
+              <p:extLst>
+                <p:ext uri="{386F3935-93C4-4BCD-93E2-E3B085C9AB24}">
+                  <p16:designElem xmlns:p16="http://schemas.microsoft.com/office/powerpoint/2015/main" val="1"/>
+                </p:ext>
+              </p:extLst>
+            </p:nvPr>
+          </p:nvCxnSpPr>
+          <p:spPr>
+            <a:xfrm>
+              <a:off x="192528" y="-1"/>
+              <a:ext cx="0" cy="6858000"/>
+            </a:xfrm>
+            <a:prstGeom prst="line">
+              <a:avLst/>
+            </a:prstGeom>
+            <a:ln w="12700">
+              <a:solidFill>
+                <a:srgbClr val="BCBCBC">
+                  <a:alpha val="29804"/>
+                </a:srgbClr>
+              </a:solidFill>
+              <a:prstDash val="sysDot"/>
+            </a:ln>
+          </p:spPr>
+          <p:style>
+            <a:lnRef idx="1">
+              <a:schemeClr val="accent1"/>
+            </a:lnRef>
+            <a:fillRef idx="0">
+              <a:schemeClr val="accent1"/>
+            </a:fillRef>
+            <a:effectRef idx="0">
+              <a:schemeClr val="accent1"/>
+            </a:effectRef>
+            <a:fontRef idx="minor">
+              <a:schemeClr val="tx1"/>
+            </a:fontRef>
+          </p:style>
+        </p:cxnSp>
+        <p:cxnSp>
+          <p:nvCxnSpPr>
+            <p:cNvPr id="100" name="Straight Connector 99">
+              <a:extLst>
+                <a:ext uri="{FF2B5EF4-FFF2-40B4-BE49-F238E27FC236}">
+                  <a16:creationId xmlns:a16="http://schemas.microsoft.com/office/drawing/2014/main" id="{EB5A0212-58CB-4A88-83F7-FD0BBBF1ED88}"/>
+                </a:ext>
+                <a:ext uri="{C183D7F6-B498-43B3-948B-1728B52AA6E4}">
+                  <adec:decorative xmlns:adec="http://schemas.microsoft.com/office/drawing/2017/decorative" val="1"/>
+                </a:ext>
+              </a:extLst>
+            </p:cNvPr>
+            <p:cNvCxnSpPr>
+              <a:cxnSpLocks/>
+            </p:cNvCxnSpPr>
+            <p:nvPr>
+              <p:extLst>
+                <p:ext uri="{386F3935-93C4-4BCD-93E2-E3B085C9AB24}">
+                  <p16:designElem xmlns:p16="http://schemas.microsoft.com/office/powerpoint/2015/main" val="1"/>
+                </p:ext>
+              </p:extLst>
+            </p:nvPr>
+          </p:nvCxnSpPr>
+          <p:spPr>
+            <a:xfrm>
+              <a:off x="1175922" y="-1"/>
+              <a:ext cx="0" cy="6858000"/>
+            </a:xfrm>
+            <a:prstGeom prst="line">
+              <a:avLst/>
+            </a:prstGeom>
+            <a:ln w="12700">
+              <a:solidFill>
+                <a:srgbClr val="BCBCBC">
+                  <a:alpha val="29804"/>
+                </a:srgbClr>
+              </a:solidFill>
+              <a:prstDash val="sysDot"/>
+            </a:ln>
+          </p:spPr>
+          <p:style>
+            <a:lnRef idx="1">
+              <a:schemeClr val="accent1"/>
+            </a:lnRef>
+            <a:fillRef idx="0">
+              <a:schemeClr val="accent1"/>
+            </a:fillRef>
+            <a:effectRef idx="0">
+              <a:schemeClr val="accent1"/>
+            </a:effectRef>
+            <a:fontRef idx="minor">
+              <a:schemeClr val="tx1"/>
+            </a:fontRef>
+          </p:style>
+        </p:cxnSp>
+        <p:cxnSp>
+          <p:nvCxnSpPr>
+            <p:cNvPr id="101" name="Straight Connector 100">
+              <a:extLst>
+                <a:ext uri="{FF2B5EF4-FFF2-40B4-BE49-F238E27FC236}">
+                  <a16:creationId xmlns:a16="http://schemas.microsoft.com/office/drawing/2014/main" id="{766733B5-84D5-4202-859D-5A322504EE48}"/>
+                </a:ext>
+                <a:ext uri="{C183D7F6-B498-43B3-948B-1728B52AA6E4}">
+                  <adec:decorative xmlns:adec="http://schemas.microsoft.com/office/drawing/2017/decorative" val="1"/>
+                </a:ext>
+              </a:extLst>
+            </p:cNvPr>
+            <p:cNvCxnSpPr>
+              <a:cxnSpLocks/>
+            </p:cNvCxnSpPr>
+            <p:nvPr>
+              <p:extLst>
+                <p:ext uri="{386F3935-93C4-4BCD-93E2-E3B085C9AB24}">
+                  <p16:designElem xmlns:p16="http://schemas.microsoft.com/office/powerpoint/2015/main" val="1"/>
+                </p:ext>
+              </p:extLst>
+            </p:nvPr>
+          </p:nvCxnSpPr>
+          <p:spPr>
+            <a:xfrm>
+              <a:off x="2159316" y="-1"/>
+              <a:ext cx="0" cy="6858000"/>
+            </a:xfrm>
+            <a:prstGeom prst="line">
+              <a:avLst/>
+            </a:prstGeom>
+            <a:ln w="12700">
+              <a:solidFill>
+                <a:srgbClr val="BCBCBC">
+                  <a:alpha val="29804"/>
+                </a:srgbClr>
+              </a:solidFill>
+              <a:prstDash val="sysDot"/>
+            </a:ln>
+          </p:spPr>
+          <p:style>
+            <a:lnRef idx="1">
+              <a:schemeClr val="accent1"/>
+            </a:lnRef>
+            <a:fillRef idx="0">
+              <a:schemeClr val="accent1"/>
+            </a:fillRef>
+            <a:effectRef idx="0">
+              <a:schemeClr val="accent1"/>
+            </a:effectRef>
+            <a:fontRef idx="minor">
+              <a:schemeClr val="tx1"/>
+            </a:fontRef>
+          </p:style>
+        </p:cxnSp>
+        <p:cxnSp>
+          <p:nvCxnSpPr>
+            <p:cNvPr id="102" name="Straight Connector 101">
+              <a:extLst>
+                <a:ext uri="{FF2B5EF4-FFF2-40B4-BE49-F238E27FC236}">
+                  <a16:creationId xmlns:a16="http://schemas.microsoft.com/office/drawing/2014/main" id="{020F393D-8F55-493E-A0AB-C04E63D242E6}"/>
+                </a:ext>
+                <a:ext uri="{C183D7F6-B498-43B3-948B-1728B52AA6E4}">
+                  <adec:decorative xmlns:adec="http://schemas.microsoft.com/office/drawing/2017/decorative" val="1"/>
+                </a:ext>
+              </a:extLst>
+            </p:cNvPr>
+            <p:cNvCxnSpPr>
+              <a:cxnSpLocks/>
+            </p:cNvCxnSpPr>
+            <p:nvPr>
+              <p:extLst>
+                <p:ext uri="{386F3935-93C4-4BCD-93E2-E3B085C9AB24}">
+                  <p16:designElem xmlns:p16="http://schemas.microsoft.com/office/powerpoint/2015/main" val="1"/>
+                </p:ext>
+              </p:extLst>
+            </p:nvPr>
+          </p:nvCxnSpPr>
+          <p:spPr>
+            <a:xfrm>
+              <a:off x="3142710" y="-1"/>
+              <a:ext cx="0" cy="6858000"/>
+            </a:xfrm>
+            <a:prstGeom prst="line">
+              <a:avLst/>
+            </a:prstGeom>
+            <a:ln w="12700">
+              <a:solidFill>
+                <a:srgbClr val="BCBCBC">
+                  <a:alpha val="29804"/>
+                </a:srgbClr>
+              </a:solidFill>
+              <a:prstDash val="sysDot"/>
+            </a:ln>
+          </p:spPr>
+          <p:style>
+            <a:lnRef idx="1">
+              <a:schemeClr val="accent1"/>
+            </a:lnRef>
+            <a:fillRef idx="0">
+              <a:schemeClr val="accent1"/>
+            </a:fillRef>
+            <a:effectRef idx="0">
+              <a:schemeClr val="accent1"/>
+            </a:effectRef>
+            <a:fontRef idx="minor">
+              <a:schemeClr val="tx1"/>
+            </a:fontRef>
+          </p:style>
+        </p:cxnSp>
+        <p:cxnSp>
+          <p:nvCxnSpPr>
+            <p:cNvPr id="103" name="Straight Connector 102">
+              <a:extLst>
+                <a:ext uri="{FF2B5EF4-FFF2-40B4-BE49-F238E27FC236}">
+                  <a16:creationId xmlns:a16="http://schemas.microsoft.com/office/drawing/2014/main" id="{B6150823-0FA6-4C5F-8052-B5E795D1BC5C}"/>
+                </a:ext>
+                <a:ext uri="{C183D7F6-B498-43B3-948B-1728B52AA6E4}">
+                  <adec:decorative xmlns:adec="http://schemas.microsoft.com/office/drawing/2017/decorative" val="1"/>
+                </a:ext>
+              </a:extLst>
+            </p:cNvPr>
+            <p:cNvCxnSpPr>
+              <a:cxnSpLocks/>
+            </p:cNvCxnSpPr>
+            <p:nvPr>
+              <p:extLst>
+                <p:ext uri="{386F3935-93C4-4BCD-93E2-E3B085C9AB24}">
+                  <p16:designElem xmlns:p16="http://schemas.microsoft.com/office/powerpoint/2015/main" val="1"/>
+                </p:ext>
+              </p:extLst>
+            </p:nvPr>
+          </p:nvCxnSpPr>
+          <p:spPr>
+            <a:xfrm>
+              <a:off x="4126104" y="-1"/>
+              <a:ext cx="0" cy="6858000"/>
+            </a:xfrm>
+            <a:prstGeom prst="line">
+              <a:avLst/>
+            </a:prstGeom>
+            <a:ln w="12700">
+              <a:solidFill>
+                <a:srgbClr val="BCBCBC">
+                  <a:alpha val="29804"/>
+                </a:srgbClr>
+              </a:solidFill>
+              <a:prstDash val="sysDot"/>
+            </a:ln>
+          </p:spPr>
+          <p:style>
+            <a:lnRef idx="1">
+              <a:schemeClr val="accent1"/>
+            </a:lnRef>
+            <a:fillRef idx="0">
+              <a:schemeClr val="accent1"/>
+            </a:fillRef>
+            <a:effectRef idx="0">
+              <a:schemeClr val="accent1"/>
+            </a:effectRef>
+            <a:fontRef idx="minor">
+              <a:schemeClr val="tx1"/>
+            </a:fontRef>
+          </p:style>
+        </p:cxnSp>
+        <p:cxnSp>
+          <p:nvCxnSpPr>
+            <p:cNvPr id="104" name="Straight Connector 103">
+              <a:extLst>
+                <a:ext uri="{FF2B5EF4-FFF2-40B4-BE49-F238E27FC236}">
+                  <a16:creationId xmlns:a16="http://schemas.microsoft.com/office/drawing/2014/main" id="{1FE80E66-FB82-48F1-AC3B-98B532D5406C}"/>
+                </a:ext>
+                <a:ext uri="{C183D7F6-B498-43B3-948B-1728B52AA6E4}">
+                  <adec:decorative xmlns:adec="http://schemas.microsoft.com/office/drawing/2017/decorative" val="1"/>
+                </a:ext>
+              </a:extLst>
+            </p:cNvPr>
+            <p:cNvCxnSpPr>
+              <a:cxnSpLocks/>
+            </p:cNvCxnSpPr>
+            <p:nvPr>
+              <p:extLst>
+                <p:ext uri="{386F3935-93C4-4BCD-93E2-E3B085C9AB24}">
+                  <p16:designElem xmlns:p16="http://schemas.microsoft.com/office/powerpoint/2015/main" val="1"/>
+                </p:ext>
+              </p:extLst>
+            </p:nvPr>
+          </p:nvCxnSpPr>
+          <p:spPr>
+            <a:xfrm>
+              <a:off x="5109498" y="-1"/>
+              <a:ext cx="0" cy="6858000"/>
+            </a:xfrm>
+            <a:prstGeom prst="line">
+              <a:avLst/>
+            </a:prstGeom>
+            <a:ln w="12700">
+              <a:solidFill>
+                <a:srgbClr val="BCBCBC">
+                  <a:alpha val="29804"/>
+                </a:srgbClr>
+              </a:solidFill>
+              <a:prstDash val="sysDot"/>
+            </a:ln>
+          </p:spPr>
+          <p:style>
+            <a:lnRef idx="1">
+              <a:schemeClr val="accent1"/>
+            </a:lnRef>
+            <a:fillRef idx="0">
+              <a:schemeClr val="accent1"/>
+            </a:fillRef>
+            <a:effectRef idx="0">
+              <a:schemeClr val="accent1"/>
+            </a:effectRef>
+            <a:fontRef idx="minor">
+              <a:schemeClr val="tx1"/>
+            </a:fontRef>
+          </p:style>
+        </p:cxnSp>
+        <p:cxnSp>
+          <p:nvCxnSpPr>
+            <p:cNvPr id="105" name="Straight Connector 104">
+              <a:extLst>
+                <a:ext uri="{FF2B5EF4-FFF2-40B4-BE49-F238E27FC236}">
+                  <a16:creationId xmlns:a16="http://schemas.microsoft.com/office/drawing/2014/main" id="{59863583-0ECD-4F7A-B751-43B12C75CBF6}"/>
+                </a:ext>
+                <a:ext uri="{C183D7F6-B498-43B3-948B-1728B52AA6E4}">
+                  <adec:decorative xmlns:adec="http://schemas.microsoft.com/office/drawing/2017/decorative" val="1"/>
+                </a:ext>
+              </a:extLst>
+            </p:cNvPr>
+            <p:cNvCxnSpPr>
+              <a:cxnSpLocks/>
+            </p:cNvCxnSpPr>
+            <p:nvPr>
+              <p:extLst>
+                <p:ext uri="{386F3935-93C4-4BCD-93E2-E3B085C9AB24}">
+                  <p16:designElem xmlns:p16="http://schemas.microsoft.com/office/powerpoint/2015/main" val="1"/>
+                </p:ext>
+              </p:extLst>
+            </p:nvPr>
+          </p:nvCxnSpPr>
+          <p:spPr>
+            <a:xfrm>
+              <a:off x="6092892" y="-1"/>
+              <a:ext cx="0" cy="6858000"/>
+            </a:xfrm>
+            <a:prstGeom prst="line">
+              <a:avLst/>
+            </a:prstGeom>
+            <a:ln w="12700">
+              <a:solidFill>
+                <a:srgbClr val="BCBCBC">
+                  <a:alpha val="29804"/>
+                </a:srgbClr>
+              </a:solidFill>
+              <a:prstDash val="sysDot"/>
+            </a:ln>
+          </p:spPr>
+          <p:style>
+            <a:lnRef idx="1">
+              <a:schemeClr val="accent1"/>
+            </a:lnRef>
+            <a:fillRef idx="0">
+              <a:schemeClr val="accent1"/>
+            </a:fillRef>
+            <a:effectRef idx="0">
+              <a:schemeClr val="accent1"/>
+            </a:effectRef>
+            <a:fontRef idx="minor">
+              <a:schemeClr val="tx1"/>
+            </a:fontRef>
+          </p:style>
+        </p:cxnSp>
+        <p:cxnSp>
+          <p:nvCxnSpPr>
+            <p:cNvPr id="106" name="Straight Connector 105">
+              <a:extLst>
+                <a:ext uri="{FF2B5EF4-FFF2-40B4-BE49-F238E27FC236}">
+                  <a16:creationId xmlns:a16="http://schemas.microsoft.com/office/drawing/2014/main" id="{16F49142-3C77-4864-BACD-DCB993CA069E}"/>
+                </a:ext>
+                <a:ext uri="{C183D7F6-B498-43B3-948B-1728B52AA6E4}">
+                  <adec:decorative xmlns:adec="http://schemas.microsoft.com/office/drawing/2017/decorative" val="1"/>
+                </a:ext>
+              </a:extLst>
+            </p:cNvPr>
+            <p:cNvCxnSpPr>
+              <a:cxnSpLocks/>
+            </p:cNvCxnSpPr>
+            <p:nvPr>
+              <p:extLst>
+                <p:ext uri="{386F3935-93C4-4BCD-93E2-E3B085C9AB24}">
+                  <p16:designElem xmlns:p16="http://schemas.microsoft.com/office/powerpoint/2015/main" val="1"/>
+                </p:ext>
+              </p:extLst>
+            </p:nvPr>
+          </p:nvCxnSpPr>
+          <p:spPr>
+            <a:xfrm>
+              <a:off x="7076286" y="-1"/>
+              <a:ext cx="0" cy="6858000"/>
+            </a:xfrm>
+            <a:prstGeom prst="line">
+              <a:avLst/>
+            </a:prstGeom>
+            <a:ln w="12700">
+              <a:solidFill>
+                <a:srgbClr val="BCBCBC">
+                  <a:alpha val="29804"/>
+                </a:srgbClr>
+              </a:solidFill>
+              <a:prstDash val="sysDot"/>
+            </a:ln>
+          </p:spPr>
+          <p:style>
+            <a:lnRef idx="1">
+              <a:schemeClr val="accent1"/>
+            </a:lnRef>
+            <a:fillRef idx="0">
+              <a:schemeClr val="accent1"/>
+            </a:fillRef>
+            <a:effectRef idx="0">
+              <a:schemeClr val="accent1"/>
+            </a:effectRef>
+            <a:fontRef idx="minor">
+              <a:schemeClr val="tx1"/>
+            </a:fontRef>
+          </p:style>
+        </p:cxnSp>
+        <p:cxnSp>
+          <p:nvCxnSpPr>
+            <p:cNvPr id="107" name="Straight Connector 106">
+              <a:extLst>
+                <a:ext uri="{FF2B5EF4-FFF2-40B4-BE49-F238E27FC236}">
+                  <a16:creationId xmlns:a16="http://schemas.microsoft.com/office/drawing/2014/main" id="{145D06CF-A107-4909-A09D-67FDDF4C2238}"/>
+                </a:ext>
+                <a:ext uri="{C183D7F6-B498-43B3-948B-1728B52AA6E4}">
+                  <adec:decorative xmlns:adec="http://schemas.microsoft.com/office/drawing/2017/decorative" val="1"/>
+                </a:ext>
+              </a:extLst>
+            </p:cNvPr>
+            <p:cNvCxnSpPr>
+              <a:cxnSpLocks/>
+            </p:cNvCxnSpPr>
+            <p:nvPr>
+              <p:extLst>
+                <p:ext uri="{386F3935-93C4-4BCD-93E2-E3B085C9AB24}">
+                  <p16:designElem xmlns:p16="http://schemas.microsoft.com/office/powerpoint/2015/main" val="1"/>
+                </p:ext>
+              </p:extLst>
+            </p:nvPr>
+          </p:nvCxnSpPr>
+          <p:spPr>
+            <a:xfrm>
+              <a:off x="8059680" y="-1"/>
+              <a:ext cx="0" cy="6858000"/>
+            </a:xfrm>
+            <a:prstGeom prst="line">
+              <a:avLst/>
+            </a:prstGeom>
+            <a:ln w="12700">
+              <a:solidFill>
+                <a:srgbClr val="BCBCBC">
+                  <a:alpha val="29804"/>
+                </a:srgbClr>
+              </a:solidFill>
+              <a:prstDash val="sysDot"/>
+            </a:ln>
+          </p:spPr>
+          <p:style>
+            <a:lnRef idx="1">
+              <a:schemeClr val="accent1"/>
+            </a:lnRef>
+            <a:fillRef idx="0">
+              <a:schemeClr val="accent1"/>
+            </a:fillRef>
+            <a:effectRef idx="0">
+              <a:schemeClr val="accent1"/>
+            </a:effectRef>
+            <a:fontRef idx="minor">
+              <a:schemeClr val="tx1"/>
+            </a:fontRef>
+          </p:style>
+        </p:cxnSp>
+        <p:cxnSp>
+          <p:nvCxnSpPr>
+            <p:cNvPr id="108" name="Straight Connector 107">
+              <a:extLst>
+                <a:ext uri="{FF2B5EF4-FFF2-40B4-BE49-F238E27FC236}">
+                  <a16:creationId xmlns:a16="http://schemas.microsoft.com/office/drawing/2014/main" id="{0FBDE9B1-0BD3-4397-9FF4-7C3203885D0E}"/>
+                </a:ext>
+                <a:ext uri="{C183D7F6-B498-43B3-948B-1728B52AA6E4}">
+                  <adec:decorative xmlns:adec="http://schemas.microsoft.com/office/drawing/2017/decorative" val="1"/>
+                </a:ext>
+              </a:extLst>
+            </p:cNvPr>
+            <p:cNvCxnSpPr>
+              <a:cxnSpLocks/>
+            </p:cNvCxnSpPr>
+            <p:nvPr>
+              <p:extLst>
+                <p:ext uri="{386F3935-93C4-4BCD-93E2-E3B085C9AB24}">
+                  <p16:designElem xmlns:p16="http://schemas.microsoft.com/office/powerpoint/2015/main" val="1"/>
+                </p:ext>
+              </p:extLst>
+            </p:nvPr>
+          </p:nvCxnSpPr>
+          <p:spPr>
+            <a:xfrm>
+              <a:off x="9043074" y="-1"/>
+              <a:ext cx="0" cy="6858000"/>
+            </a:xfrm>
+            <a:prstGeom prst="line">
+              <a:avLst/>
+            </a:prstGeom>
+            <a:ln w="12700">
+              <a:solidFill>
+                <a:srgbClr val="BCBCBC">
+                  <a:alpha val="29804"/>
+                </a:srgbClr>
+              </a:solidFill>
+              <a:prstDash val="sysDot"/>
+            </a:ln>
+          </p:spPr>
+          <p:style>
+            <a:lnRef idx="1">
+              <a:schemeClr val="accent1"/>
+            </a:lnRef>
+            <a:fillRef idx="0">
+              <a:schemeClr val="accent1"/>
+            </a:fillRef>
+            <a:effectRef idx="0">
+              <a:schemeClr val="accent1"/>
+            </a:effectRef>
+            <a:fontRef idx="minor">
+              <a:schemeClr val="tx1"/>
+            </a:fontRef>
+          </p:style>
+        </p:cxnSp>
+        <p:cxnSp>
+          <p:nvCxnSpPr>
+            <p:cNvPr id="109" name="Straight Connector 108">
+              <a:extLst>
+                <a:ext uri="{FF2B5EF4-FFF2-40B4-BE49-F238E27FC236}">
+                  <a16:creationId xmlns:a16="http://schemas.microsoft.com/office/drawing/2014/main" id="{E1A02805-216D-43C5-A768-1836DD224356}"/>
+                </a:ext>
+                <a:ext uri="{C183D7F6-B498-43B3-948B-1728B52AA6E4}">
+                  <adec:decorative xmlns:adec="http://schemas.microsoft.com/office/drawing/2017/decorative" val="1"/>
+                </a:ext>
+              </a:extLst>
+            </p:cNvPr>
+            <p:cNvCxnSpPr>
+              <a:cxnSpLocks/>
+            </p:cNvCxnSpPr>
+            <p:nvPr>
+              <p:extLst>
+                <p:ext uri="{386F3935-93C4-4BCD-93E2-E3B085C9AB24}">
+                  <p16:designElem xmlns:p16="http://schemas.microsoft.com/office/powerpoint/2015/main" val="1"/>
+                </p:ext>
+              </p:extLst>
+            </p:nvPr>
+          </p:nvCxnSpPr>
+          <p:spPr>
+            <a:xfrm>
+              <a:off x="10026468" y="-1"/>
+              <a:ext cx="0" cy="6858000"/>
+            </a:xfrm>
+            <a:prstGeom prst="line">
+              <a:avLst/>
+            </a:prstGeom>
+            <a:ln w="12700">
+              <a:solidFill>
+                <a:srgbClr val="BCBCBC">
+                  <a:alpha val="29804"/>
+                </a:srgbClr>
+              </a:solidFill>
+              <a:prstDash val="sysDot"/>
+            </a:ln>
+          </p:spPr>
+          <p:style>
+            <a:lnRef idx="1">
+              <a:schemeClr val="accent1"/>
+            </a:lnRef>
+            <a:fillRef idx="0">
+              <a:schemeClr val="accent1"/>
+            </a:fillRef>
+            <a:effectRef idx="0">
+              <a:schemeClr val="accent1"/>
+            </a:effectRef>
+            <a:fontRef idx="minor">
+              <a:schemeClr val="tx1"/>
+            </a:fontRef>
+          </p:style>
+        </p:cxnSp>
+        <p:cxnSp>
+          <p:nvCxnSpPr>
+            <p:cNvPr id="110" name="Straight Connector 109">
+              <a:extLst>
+                <a:ext uri="{FF2B5EF4-FFF2-40B4-BE49-F238E27FC236}">
+                  <a16:creationId xmlns:a16="http://schemas.microsoft.com/office/drawing/2014/main" id="{90B017B1-1B97-4EC7-ABC8-9636A34745F1}"/>
+                </a:ext>
+                <a:ext uri="{C183D7F6-B498-43B3-948B-1728B52AA6E4}">
+                  <adec:decorative xmlns:adec="http://schemas.microsoft.com/office/drawing/2017/decorative" val="1"/>
+                </a:ext>
+              </a:extLst>
+            </p:cNvPr>
+            <p:cNvCxnSpPr>
+              <a:cxnSpLocks/>
+            </p:cNvCxnSpPr>
+            <p:nvPr>
+              <p:extLst>
+                <p:ext uri="{386F3935-93C4-4BCD-93E2-E3B085C9AB24}">
+                  <p16:designElem xmlns:p16="http://schemas.microsoft.com/office/powerpoint/2015/main" val="1"/>
+                </p:ext>
+              </p:extLst>
+            </p:nvPr>
+          </p:nvCxnSpPr>
+          <p:spPr>
+            <a:xfrm>
+              <a:off x="11009862" y="-1"/>
+              <a:ext cx="0" cy="6858000"/>
+            </a:xfrm>
+            <a:prstGeom prst="line">
+              <a:avLst/>
+            </a:prstGeom>
+            <a:ln w="12700">
+              <a:solidFill>
+                <a:srgbClr val="BCBCBC">
+                  <a:alpha val="29804"/>
+                </a:srgbClr>
+              </a:solidFill>
+              <a:prstDash val="sysDot"/>
+            </a:ln>
+          </p:spPr>
+          <p:style>
+            <a:lnRef idx="1">
+              <a:schemeClr val="accent1"/>
+            </a:lnRef>
+            <a:fillRef idx="0">
+              <a:schemeClr val="accent1"/>
+            </a:fillRef>
+            <a:effectRef idx="0">
+              <a:schemeClr val="accent1"/>
+            </a:effectRef>
+            <a:fontRef idx="minor">
+              <a:schemeClr val="tx1"/>
+            </a:fontRef>
+          </p:style>
+        </p:cxnSp>
+        <p:cxnSp>
+          <p:nvCxnSpPr>
+            <p:cNvPr id="111" name="Straight Connector 110">
+              <a:extLst>
+                <a:ext uri="{FF2B5EF4-FFF2-40B4-BE49-F238E27FC236}">
+                  <a16:creationId xmlns:a16="http://schemas.microsoft.com/office/drawing/2014/main" id="{0E48FD6E-B77B-43DA-94E2-2478501EDD7C}"/>
+                </a:ext>
+                <a:ext uri="{C183D7F6-B498-43B3-948B-1728B52AA6E4}">
+                  <adec:decorative xmlns:adec="http://schemas.microsoft.com/office/drawing/2017/decorative" val="1"/>
+                </a:ext>
+              </a:extLst>
+            </p:cNvPr>
+            <p:cNvCxnSpPr>
+              <a:cxnSpLocks/>
+            </p:cNvCxnSpPr>
+            <p:nvPr>
+              <p:extLst>
+                <p:ext uri="{386F3935-93C4-4BCD-93E2-E3B085C9AB24}">
+                  <p16:designElem xmlns:p16="http://schemas.microsoft.com/office/powerpoint/2015/main" val="1"/>
+                </p:ext>
+              </p:extLst>
+            </p:nvPr>
+          </p:nvCxnSpPr>
+          <p:spPr>
+            <a:xfrm>
+              <a:off x="12185786" y="-1"/>
+              <a:ext cx="0" cy="6858000"/>
+            </a:xfrm>
+            <a:prstGeom prst="line">
+              <a:avLst/>
+            </a:prstGeom>
+            <a:ln w="12700">
+              <a:solidFill>
+                <a:srgbClr val="BCBCBC">
+                  <a:alpha val="29804"/>
+                </a:srgbClr>
+              </a:solidFill>
+              <a:prstDash val="sysDot"/>
+            </a:ln>
+          </p:spPr>
+          <p:style>
+            <a:lnRef idx="1">
+              <a:schemeClr val="accent1"/>
+            </a:lnRef>
+            <a:fillRef idx="0">
+              <a:schemeClr val="accent1"/>
+            </a:fillRef>
+            <a:effectRef idx="0">
+              <a:schemeClr val="accent1"/>
+            </a:effectRef>
+            <a:fontRef idx="minor">
+              <a:schemeClr val="tx1"/>
+            </a:fontRef>
+          </p:style>
+        </p:cxnSp>
+        <p:cxnSp>
+          <p:nvCxnSpPr>
+            <p:cNvPr id="112" name="Straight Connector 111">
+              <a:extLst>
+                <a:ext uri="{FF2B5EF4-FFF2-40B4-BE49-F238E27FC236}">
+                  <a16:creationId xmlns:a16="http://schemas.microsoft.com/office/drawing/2014/main" id="{4AB14AB7-76CD-4FBF-AF73-A1A32AE78264}"/>
+                </a:ext>
+                <a:ext uri="{C183D7F6-B498-43B3-948B-1728B52AA6E4}">
+                  <adec:decorative xmlns:adec="http://schemas.microsoft.com/office/drawing/2017/decorative" val="1"/>
+                </a:ext>
+              </a:extLst>
+            </p:cNvPr>
+            <p:cNvCxnSpPr>
+              <a:cxnSpLocks/>
+            </p:cNvCxnSpPr>
+            <p:nvPr>
+              <p:extLst>
+                <p:ext uri="{386F3935-93C4-4BCD-93E2-E3B085C9AB24}">
+                  <p16:designElem xmlns:p16="http://schemas.microsoft.com/office/powerpoint/2015/main" val="1"/>
+                </p:ext>
+              </p:extLst>
+            </p:nvPr>
+          </p:nvCxnSpPr>
+          <p:spPr>
+            <a:xfrm>
+              <a:off x="0" y="171716"/>
+              <a:ext cx="12192000" cy="0"/>
+            </a:xfrm>
+            <a:prstGeom prst="line">
+              <a:avLst/>
+            </a:prstGeom>
+            <a:ln w="12700">
+              <a:solidFill>
+                <a:srgbClr val="BCBCBC">
+                  <a:alpha val="29804"/>
+                </a:srgbClr>
+              </a:solidFill>
+              <a:prstDash val="sysDot"/>
+            </a:ln>
+          </p:spPr>
+          <p:style>
+            <a:lnRef idx="1">
+              <a:schemeClr val="accent1"/>
+            </a:lnRef>
+            <a:fillRef idx="0">
+              <a:schemeClr val="accent1"/>
+            </a:fillRef>
+            <a:effectRef idx="0">
+              <a:schemeClr val="accent1"/>
+            </a:effectRef>
+            <a:fontRef idx="minor">
+              <a:schemeClr val="tx1"/>
+            </a:fontRef>
+          </p:style>
+        </p:cxnSp>
+        <p:cxnSp>
+          <p:nvCxnSpPr>
+            <p:cNvPr id="113" name="Straight Connector 112">
+              <a:extLst>
+                <a:ext uri="{FF2B5EF4-FFF2-40B4-BE49-F238E27FC236}">
+                  <a16:creationId xmlns:a16="http://schemas.microsoft.com/office/drawing/2014/main" id="{93E5C242-AF46-4E5E-9FD6-29B7F9689A31}"/>
+                </a:ext>
+                <a:ext uri="{C183D7F6-B498-43B3-948B-1728B52AA6E4}">
+                  <adec:decorative xmlns:adec="http://schemas.microsoft.com/office/drawing/2017/decorative" val="1"/>
+                </a:ext>
+              </a:extLst>
+            </p:cNvPr>
+            <p:cNvCxnSpPr>
+              <a:cxnSpLocks/>
+            </p:cNvCxnSpPr>
+            <p:nvPr>
+              <p:extLst>
+                <p:ext uri="{386F3935-93C4-4BCD-93E2-E3B085C9AB24}">
+                  <p16:designElem xmlns:p16="http://schemas.microsoft.com/office/powerpoint/2015/main" val="1"/>
+                </p:ext>
+              </p:extLst>
+            </p:nvPr>
+          </p:nvCxnSpPr>
+          <p:spPr>
+            <a:xfrm>
+              <a:off x="0" y="714597"/>
+              <a:ext cx="12192000" cy="0"/>
+            </a:xfrm>
+            <a:prstGeom prst="line">
+              <a:avLst/>
+            </a:prstGeom>
+            <a:ln w="12700">
+              <a:solidFill>
+                <a:srgbClr val="BCBCBC">
+                  <a:alpha val="29804"/>
+                </a:srgbClr>
+              </a:solidFill>
+              <a:prstDash val="sysDot"/>
+            </a:ln>
+          </p:spPr>
+          <p:style>
+            <a:lnRef idx="1">
+              <a:schemeClr val="accent1"/>
+            </a:lnRef>
+            <a:fillRef idx="0">
+              <a:schemeClr val="accent1"/>
+            </a:fillRef>
+            <a:effectRef idx="0">
+              <a:schemeClr val="accent1"/>
+            </a:effectRef>
+            <a:fontRef idx="minor">
+              <a:schemeClr val="tx1"/>
+            </a:fontRef>
+          </p:style>
+        </p:cxnSp>
+        <p:cxnSp>
+          <p:nvCxnSpPr>
+            <p:cNvPr id="114" name="Straight Connector 113">
+              <a:extLst>
+                <a:ext uri="{FF2B5EF4-FFF2-40B4-BE49-F238E27FC236}">
+                  <a16:creationId xmlns:a16="http://schemas.microsoft.com/office/drawing/2014/main" id="{391D4E89-05DE-483F-8F2E-39D93202C28B}"/>
+                </a:ext>
+                <a:ext uri="{C183D7F6-B498-43B3-948B-1728B52AA6E4}">
+                  <adec:decorative xmlns:adec="http://schemas.microsoft.com/office/drawing/2017/decorative" val="1"/>
+                </a:ext>
+              </a:extLst>
+            </p:cNvPr>
+            <p:cNvCxnSpPr>
+              <a:cxnSpLocks/>
+            </p:cNvCxnSpPr>
+            <p:nvPr>
+              <p:extLst>
+                <p:ext uri="{386F3935-93C4-4BCD-93E2-E3B085C9AB24}">
+                  <p16:designElem xmlns:p16="http://schemas.microsoft.com/office/powerpoint/2015/main" val="1"/>
+                </p:ext>
+              </p:extLst>
+            </p:nvPr>
+          </p:nvCxnSpPr>
+          <p:spPr>
+            <a:xfrm>
+              <a:off x="0" y="1257478"/>
+              <a:ext cx="12192000" cy="0"/>
+            </a:xfrm>
+            <a:prstGeom prst="line">
+              <a:avLst/>
+            </a:prstGeom>
+            <a:ln w="12700">
+              <a:solidFill>
+                <a:srgbClr val="BCBCBC">
+                  <a:alpha val="29804"/>
+                </a:srgbClr>
+              </a:solidFill>
+              <a:prstDash val="sysDot"/>
+            </a:ln>
+          </p:spPr>
+          <p:style>
+            <a:lnRef idx="1">
+              <a:schemeClr val="accent1"/>
+            </a:lnRef>
+            <a:fillRef idx="0">
+              <a:schemeClr val="accent1"/>
+            </a:fillRef>
+            <a:effectRef idx="0">
+              <a:schemeClr val="accent1"/>
+            </a:effectRef>
+            <a:fontRef idx="minor">
+              <a:schemeClr val="tx1"/>
+            </a:fontRef>
+          </p:style>
+        </p:cxnSp>
+        <p:cxnSp>
+          <p:nvCxnSpPr>
+            <p:cNvPr id="115" name="Straight Connector 114">
+              <a:extLst>
+                <a:ext uri="{FF2B5EF4-FFF2-40B4-BE49-F238E27FC236}">
+                  <a16:creationId xmlns:a16="http://schemas.microsoft.com/office/drawing/2014/main" id="{F6B02D5B-D04D-4A2C-A5CF-91D1534290DF}"/>
+                </a:ext>
+                <a:ext uri="{C183D7F6-B498-43B3-948B-1728B52AA6E4}">
+                  <adec:decorative xmlns:adec="http://schemas.microsoft.com/office/drawing/2017/decorative" val="1"/>
+                </a:ext>
+              </a:extLst>
+            </p:cNvPr>
+            <p:cNvCxnSpPr>
+              <a:cxnSpLocks/>
+            </p:cNvCxnSpPr>
+            <p:nvPr>
+              <p:extLst>
+                <p:ext uri="{386F3935-93C4-4BCD-93E2-E3B085C9AB24}">
+                  <p16:designElem xmlns:p16="http://schemas.microsoft.com/office/powerpoint/2015/main" val="1"/>
+                </p:ext>
+              </p:extLst>
+            </p:nvPr>
+          </p:nvCxnSpPr>
+          <p:spPr>
+            <a:xfrm>
+              <a:off x="0" y="1800359"/>
+              <a:ext cx="12192000" cy="0"/>
+            </a:xfrm>
+            <a:prstGeom prst="line">
+              <a:avLst/>
+            </a:prstGeom>
+            <a:ln w="12700">
+              <a:solidFill>
+                <a:srgbClr val="BCBCBC">
+                  <a:alpha val="29804"/>
+                </a:srgbClr>
+              </a:solidFill>
+              <a:prstDash val="sysDot"/>
+            </a:ln>
+          </p:spPr>
+          <p:style>
+            <a:lnRef idx="1">
+              <a:schemeClr val="accent1"/>
+            </a:lnRef>
+            <a:fillRef idx="0">
+              <a:schemeClr val="accent1"/>
+            </a:fillRef>
+            <a:effectRef idx="0">
+              <a:schemeClr val="accent1"/>
+            </a:effectRef>
+            <a:fontRef idx="minor">
+              <a:schemeClr val="tx1"/>
+            </a:fontRef>
+          </p:style>
+        </p:cxnSp>
+        <p:cxnSp>
+          <p:nvCxnSpPr>
+            <p:cNvPr id="116" name="Straight Connector 115">
+              <a:extLst>
+                <a:ext uri="{FF2B5EF4-FFF2-40B4-BE49-F238E27FC236}">
+                  <a16:creationId xmlns:a16="http://schemas.microsoft.com/office/drawing/2014/main" id="{568FE945-F3C5-445E-B906-FC9FAF734799}"/>
+                </a:ext>
+                <a:ext uri="{C183D7F6-B498-43B3-948B-1728B52AA6E4}">
+                  <adec:decorative xmlns:adec="http://schemas.microsoft.com/office/drawing/2017/decorative" val="1"/>
+                </a:ext>
+              </a:extLst>
+            </p:cNvPr>
+            <p:cNvCxnSpPr>
+              <a:cxnSpLocks/>
+            </p:cNvCxnSpPr>
+            <p:nvPr>
+              <p:extLst>
+                <p:ext uri="{386F3935-93C4-4BCD-93E2-E3B085C9AB24}">
+                  <p16:designElem xmlns:p16="http://schemas.microsoft.com/office/powerpoint/2015/main" val="1"/>
+                </p:ext>
+              </p:extLst>
+            </p:nvPr>
+          </p:nvCxnSpPr>
+          <p:spPr>
+            <a:xfrm>
+              <a:off x="0" y="2343240"/>
+              <a:ext cx="12192000" cy="0"/>
+            </a:xfrm>
+            <a:prstGeom prst="line">
+              <a:avLst/>
+            </a:prstGeom>
+            <a:ln w="12700">
+              <a:solidFill>
+                <a:srgbClr val="BCBCBC">
+                  <a:alpha val="29804"/>
+                </a:srgbClr>
+              </a:solidFill>
+              <a:prstDash val="sysDot"/>
+            </a:ln>
+          </p:spPr>
+          <p:style>
+            <a:lnRef idx="1">
+              <a:schemeClr val="accent1"/>
+            </a:lnRef>
+            <a:fillRef idx="0">
+              <a:schemeClr val="accent1"/>
+            </a:fillRef>
+            <a:effectRef idx="0">
+              <a:schemeClr val="accent1"/>
+            </a:effectRef>
+            <a:fontRef idx="minor">
+              <a:schemeClr val="tx1"/>
+            </a:fontRef>
+          </p:style>
+        </p:cxnSp>
+        <p:cxnSp>
+          <p:nvCxnSpPr>
+            <p:cNvPr id="117" name="Straight Connector 116">
+              <a:extLst>
+                <a:ext uri="{FF2B5EF4-FFF2-40B4-BE49-F238E27FC236}">
+                  <a16:creationId xmlns:a16="http://schemas.microsoft.com/office/drawing/2014/main" id="{9AF4C4E0-F9C9-45B0-8B83-5C344A71B484}"/>
+                </a:ext>
+                <a:ext uri="{C183D7F6-B498-43B3-948B-1728B52AA6E4}">
+                  <adec:decorative xmlns:adec="http://schemas.microsoft.com/office/drawing/2017/decorative" val="1"/>
+                </a:ext>
+              </a:extLst>
+            </p:cNvPr>
+            <p:cNvCxnSpPr>
+              <a:cxnSpLocks/>
+            </p:cNvCxnSpPr>
+            <p:nvPr>
+              <p:extLst>
+                <p:ext uri="{386F3935-93C4-4BCD-93E2-E3B085C9AB24}">
+                  <p16:designElem xmlns:p16="http://schemas.microsoft.com/office/powerpoint/2015/main" val="1"/>
+                </p:ext>
+              </p:extLst>
+            </p:nvPr>
+          </p:nvCxnSpPr>
+          <p:spPr>
+            <a:xfrm>
+              <a:off x="0" y="2886121"/>
+              <a:ext cx="12192000" cy="0"/>
+            </a:xfrm>
+            <a:prstGeom prst="line">
+              <a:avLst/>
+            </a:prstGeom>
+            <a:ln w="12700">
+              <a:solidFill>
+                <a:srgbClr val="BCBCBC">
+                  <a:alpha val="29804"/>
+                </a:srgbClr>
+              </a:solidFill>
+              <a:prstDash val="sysDot"/>
+            </a:ln>
+          </p:spPr>
+          <p:style>
+            <a:lnRef idx="1">
+              <a:schemeClr val="accent1"/>
+            </a:lnRef>
+            <a:fillRef idx="0">
+              <a:schemeClr val="accent1"/>
+            </a:fillRef>
+            <a:effectRef idx="0">
+              <a:schemeClr val="accent1"/>
+            </a:effectRef>
+            <a:fontRef idx="minor">
+              <a:schemeClr val="tx1"/>
+            </a:fontRef>
+          </p:style>
+        </p:cxnSp>
+        <p:cxnSp>
+          <p:nvCxnSpPr>
+            <p:cNvPr id="118" name="Straight Connector 117">
+              <a:extLst>
+                <a:ext uri="{FF2B5EF4-FFF2-40B4-BE49-F238E27FC236}">
+                  <a16:creationId xmlns:a16="http://schemas.microsoft.com/office/drawing/2014/main" id="{DD05AC98-1440-4ED3-BBDF-BC89F248F98A}"/>
+                </a:ext>
+                <a:ext uri="{C183D7F6-B498-43B3-948B-1728B52AA6E4}">
+                  <adec:decorative xmlns:adec="http://schemas.microsoft.com/office/drawing/2017/decorative" val="1"/>
+                </a:ext>
+              </a:extLst>
+            </p:cNvPr>
+            <p:cNvCxnSpPr>
+              <a:cxnSpLocks/>
+            </p:cNvCxnSpPr>
+            <p:nvPr>
+              <p:extLst>
+                <p:ext uri="{386F3935-93C4-4BCD-93E2-E3B085C9AB24}">
+                  <p16:designElem xmlns:p16="http://schemas.microsoft.com/office/powerpoint/2015/main" val="1"/>
+                </p:ext>
+              </p:extLst>
+            </p:nvPr>
+          </p:nvCxnSpPr>
+          <p:spPr>
+            <a:xfrm>
+              <a:off x="0" y="3429002"/>
+              <a:ext cx="12192000" cy="0"/>
+            </a:xfrm>
+            <a:prstGeom prst="line">
+              <a:avLst/>
+            </a:prstGeom>
+            <a:ln w="12700">
+              <a:solidFill>
+                <a:srgbClr val="BCBCBC">
+                  <a:alpha val="29804"/>
+                </a:srgbClr>
+              </a:solidFill>
+              <a:prstDash val="sysDot"/>
+            </a:ln>
+          </p:spPr>
+          <p:style>
+            <a:lnRef idx="1">
+              <a:schemeClr val="accent1"/>
+            </a:lnRef>
+            <a:fillRef idx="0">
+              <a:schemeClr val="accent1"/>
+            </a:fillRef>
+            <a:effectRef idx="0">
+              <a:schemeClr val="accent1"/>
+            </a:effectRef>
+            <a:fontRef idx="minor">
+              <a:schemeClr val="tx1"/>
+            </a:fontRef>
+          </p:style>
+        </p:cxnSp>
+        <p:cxnSp>
+          <p:nvCxnSpPr>
+            <p:cNvPr id="119" name="Straight Connector 118">
+              <a:extLst>
+                <a:ext uri="{FF2B5EF4-FFF2-40B4-BE49-F238E27FC236}">
+                  <a16:creationId xmlns:a16="http://schemas.microsoft.com/office/drawing/2014/main" id="{A9C04193-7AC6-475B-ABF0-124F26E6BDA4}"/>
+                </a:ext>
+                <a:ext uri="{C183D7F6-B498-43B3-948B-1728B52AA6E4}">
+                  <adec:decorative xmlns:adec="http://schemas.microsoft.com/office/drawing/2017/decorative" val="1"/>
+                </a:ext>
+              </a:extLst>
+            </p:cNvPr>
+            <p:cNvCxnSpPr>
+              <a:cxnSpLocks/>
+            </p:cNvCxnSpPr>
+            <p:nvPr>
+              <p:extLst>
+                <p:ext uri="{386F3935-93C4-4BCD-93E2-E3B085C9AB24}">
+                  <p16:designElem xmlns:p16="http://schemas.microsoft.com/office/powerpoint/2015/main" val="1"/>
+                </p:ext>
+              </p:extLst>
+            </p:nvPr>
+          </p:nvCxnSpPr>
+          <p:spPr>
+            <a:xfrm>
+              <a:off x="0" y="3971883"/>
+              <a:ext cx="12192000" cy="0"/>
+            </a:xfrm>
+            <a:prstGeom prst="line">
+              <a:avLst/>
+            </a:prstGeom>
+            <a:ln w="12700">
+              <a:solidFill>
+                <a:srgbClr val="BCBCBC">
+                  <a:alpha val="29804"/>
+                </a:srgbClr>
+              </a:solidFill>
+              <a:prstDash val="sysDot"/>
+            </a:ln>
+          </p:spPr>
+          <p:style>
+            <a:lnRef idx="1">
+              <a:schemeClr val="accent1"/>
+            </a:lnRef>
+            <a:fillRef idx="0">
+              <a:schemeClr val="accent1"/>
+            </a:fillRef>
+            <a:effectRef idx="0">
+              <a:schemeClr val="accent1"/>
+            </a:effectRef>
+            <a:fontRef idx="minor">
+              <a:schemeClr val="tx1"/>
+            </a:fontRef>
+          </p:style>
+        </p:cxnSp>
+        <p:cxnSp>
+          <p:nvCxnSpPr>
+            <p:cNvPr id="120" name="Straight Connector 119">
+              <a:extLst>
+                <a:ext uri="{FF2B5EF4-FFF2-40B4-BE49-F238E27FC236}">
+                  <a16:creationId xmlns:a16="http://schemas.microsoft.com/office/drawing/2014/main" id="{8C3C8E23-341E-40F3-BF1F-ECC8CA8F0442}"/>
+                </a:ext>
+                <a:ext uri="{C183D7F6-B498-43B3-948B-1728B52AA6E4}">
+                  <adec:decorative xmlns:adec="http://schemas.microsoft.com/office/drawing/2017/decorative" val="1"/>
+                </a:ext>
+              </a:extLst>
+            </p:cNvPr>
+            <p:cNvCxnSpPr>
+              <a:cxnSpLocks/>
+            </p:cNvCxnSpPr>
+            <p:nvPr>
+              <p:extLst>
+                <p:ext uri="{386F3935-93C4-4BCD-93E2-E3B085C9AB24}">
+                  <p16:designElem xmlns:p16="http://schemas.microsoft.com/office/powerpoint/2015/main" val="1"/>
+                </p:ext>
+              </p:extLst>
+            </p:nvPr>
+          </p:nvCxnSpPr>
+          <p:spPr>
+            <a:xfrm>
+              <a:off x="0" y="4514764"/>
+              <a:ext cx="12192000" cy="0"/>
+            </a:xfrm>
+            <a:prstGeom prst="line">
+              <a:avLst/>
+            </a:prstGeom>
+            <a:ln w="12700">
+              <a:solidFill>
+                <a:srgbClr val="BCBCBC">
+                  <a:alpha val="29804"/>
+                </a:srgbClr>
+              </a:solidFill>
+              <a:prstDash val="sysDot"/>
+            </a:ln>
+          </p:spPr>
+          <p:style>
+            <a:lnRef idx="1">
+              <a:schemeClr val="accent1"/>
+            </a:lnRef>
+            <a:fillRef idx="0">
+              <a:schemeClr val="accent1"/>
+            </a:fillRef>
+            <a:effectRef idx="0">
+              <a:schemeClr val="accent1"/>
+            </a:effectRef>
+            <a:fontRef idx="minor">
+              <a:schemeClr val="tx1"/>
+            </a:fontRef>
+          </p:style>
+        </p:cxnSp>
+        <p:cxnSp>
+          <p:nvCxnSpPr>
+            <p:cNvPr id="121" name="Straight Connector 120">
+              <a:extLst>
+                <a:ext uri="{FF2B5EF4-FFF2-40B4-BE49-F238E27FC236}">
+                  <a16:creationId xmlns:a16="http://schemas.microsoft.com/office/drawing/2014/main" id="{0378643A-EADF-4EB2-9D39-FA294DFBFE3C}"/>
+                </a:ext>
+                <a:ext uri="{C183D7F6-B498-43B3-948B-1728B52AA6E4}">
+                  <adec:decorative xmlns:adec="http://schemas.microsoft.com/office/drawing/2017/decorative" val="1"/>
+                </a:ext>
+              </a:extLst>
+            </p:cNvPr>
+            <p:cNvCxnSpPr>
+              <a:cxnSpLocks/>
+            </p:cNvCxnSpPr>
+            <p:nvPr>
+              <p:extLst>
+                <p:ext uri="{386F3935-93C4-4BCD-93E2-E3B085C9AB24}">
+                  <p16:designElem xmlns:p16="http://schemas.microsoft.com/office/powerpoint/2015/main" val="1"/>
+                </p:ext>
+              </p:extLst>
+            </p:nvPr>
+          </p:nvCxnSpPr>
+          <p:spPr>
+            <a:xfrm>
+              <a:off x="0" y="5057645"/>
+              <a:ext cx="12192000" cy="0"/>
+            </a:xfrm>
+            <a:prstGeom prst="line">
+              <a:avLst/>
+            </a:prstGeom>
+            <a:ln w="12700">
+              <a:solidFill>
+                <a:srgbClr val="BCBCBC">
+                  <a:alpha val="29804"/>
+                </a:srgbClr>
+              </a:solidFill>
+              <a:prstDash val="sysDot"/>
+            </a:ln>
+          </p:spPr>
+          <p:style>
+            <a:lnRef idx="1">
+              <a:schemeClr val="accent1"/>
+            </a:lnRef>
+            <a:fillRef idx="0">
+              <a:schemeClr val="accent1"/>
+            </a:fillRef>
+            <a:effectRef idx="0">
+              <a:schemeClr val="accent1"/>
+            </a:effectRef>
+            <a:fontRef idx="minor">
+              <a:schemeClr val="tx1"/>
+            </a:fontRef>
+          </p:style>
+        </p:cxnSp>
+        <p:cxnSp>
+          <p:nvCxnSpPr>
+            <p:cNvPr id="122" name="Straight Connector 121">
+              <a:extLst>
+                <a:ext uri="{FF2B5EF4-FFF2-40B4-BE49-F238E27FC236}">
+                  <a16:creationId xmlns:a16="http://schemas.microsoft.com/office/drawing/2014/main" id="{8F93D56A-A28E-4201-8293-D716906D71DF}"/>
+                </a:ext>
+                <a:ext uri="{C183D7F6-B498-43B3-948B-1728B52AA6E4}">
+                  <adec:decorative xmlns:adec="http://schemas.microsoft.com/office/drawing/2017/decorative" val="1"/>
+                </a:ext>
+              </a:extLst>
+            </p:cNvPr>
+            <p:cNvCxnSpPr>
+              <a:cxnSpLocks/>
+            </p:cNvCxnSpPr>
+            <p:nvPr>
+              <p:extLst>
+                <p:ext uri="{386F3935-93C4-4BCD-93E2-E3B085C9AB24}">
+                  <p16:designElem xmlns:p16="http://schemas.microsoft.com/office/powerpoint/2015/main" val="1"/>
+                </p:ext>
+              </p:extLst>
+            </p:nvPr>
+          </p:nvCxnSpPr>
+          <p:spPr>
+            <a:xfrm>
+              <a:off x="0" y="5600526"/>
+              <a:ext cx="12192000" cy="0"/>
+            </a:xfrm>
+            <a:prstGeom prst="line">
+              <a:avLst/>
+            </a:prstGeom>
+            <a:ln w="12700">
+              <a:solidFill>
+                <a:srgbClr val="BCBCBC">
+                  <a:alpha val="29804"/>
+                </a:srgbClr>
+              </a:solidFill>
+              <a:prstDash val="sysDot"/>
+            </a:ln>
+          </p:spPr>
+          <p:style>
+            <a:lnRef idx="1">
+              <a:schemeClr val="accent1"/>
+            </a:lnRef>
+            <a:fillRef idx="0">
+              <a:schemeClr val="accent1"/>
+            </a:fillRef>
+            <a:effectRef idx="0">
+              <a:schemeClr val="accent1"/>
+            </a:effectRef>
+            <a:fontRef idx="minor">
+              <a:schemeClr val="tx1"/>
+            </a:fontRef>
+          </p:style>
+        </p:cxnSp>
+        <p:cxnSp>
+          <p:nvCxnSpPr>
+            <p:cNvPr id="123" name="Straight Connector 122">
+              <a:extLst>
+                <a:ext uri="{FF2B5EF4-FFF2-40B4-BE49-F238E27FC236}">
+                  <a16:creationId xmlns:a16="http://schemas.microsoft.com/office/drawing/2014/main" id="{70AA7744-5CCA-46B9-8B10-AD632C2D7031}"/>
+                </a:ext>
+                <a:ext uri="{C183D7F6-B498-43B3-948B-1728B52AA6E4}">
+                  <adec:decorative xmlns:adec="http://schemas.microsoft.com/office/drawing/2017/decorative" val="1"/>
+                </a:ext>
+              </a:extLst>
+            </p:cNvPr>
+            <p:cNvCxnSpPr>
+              <a:cxnSpLocks/>
+            </p:cNvCxnSpPr>
+            <p:nvPr>
+              <p:extLst>
+                <p:ext uri="{386F3935-93C4-4BCD-93E2-E3B085C9AB24}">
+                  <p16:designElem xmlns:p16="http://schemas.microsoft.com/office/powerpoint/2015/main" val="1"/>
+                </p:ext>
+              </p:extLst>
+            </p:nvPr>
+          </p:nvCxnSpPr>
+          <p:spPr>
+            <a:xfrm>
+              <a:off x="0" y="6857999"/>
+              <a:ext cx="12192000" cy="0"/>
+            </a:xfrm>
+            <a:prstGeom prst="line">
+              <a:avLst/>
+            </a:prstGeom>
+            <a:ln w="12700">
+              <a:solidFill>
+                <a:srgbClr val="BCBCBC">
+                  <a:alpha val="29804"/>
+                </a:srgbClr>
+              </a:solidFill>
+              <a:prstDash val="sysDot"/>
+            </a:ln>
+          </p:spPr>
+          <p:style>
+            <a:lnRef idx="1">
+              <a:schemeClr val="accent1"/>
+            </a:lnRef>
+            <a:fillRef idx="0">
+              <a:schemeClr val="accent1"/>
+            </a:fillRef>
+            <a:effectRef idx="0">
+              <a:schemeClr val="accent1"/>
+            </a:effectRef>
+            <a:fontRef idx="minor">
+              <a:schemeClr val="tx1"/>
+            </a:fontRef>
+          </p:style>
+        </p:cxnSp>
+        <p:cxnSp>
+          <p:nvCxnSpPr>
+            <p:cNvPr id="124" name="Straight Connector 123">
+              <a:extLst>
+                <a:ext uri="{FF2B5EF4-FFF2-40B4-BE49-F238E27FC236}">
+                  <a16:creationId xmlns:a16="http://schemas.microsoft.com/office/drawing/2014/main" id="{BEEA2F9D-20BE-49EA-8282-486B36601DBC}"/>
+                </a:ext>
+                <a:ext uri="{C183D7F6-B498-43B3-948B-1728B52AA6E4}">
+                  <adec:decorative xmlns:adec="http://schemas.microsoft.com/office/drawing/2017/decorative" val="1"/>
+                </a:ext>
+              </a:extLst>
+            </p:cNvPr>
+            <p:cNvCxnSpPr>
+              <a:cxnSpLocks/>
+            </p:cNvCxnSpPr>
+            <p:nvPr>
+              <p:extLst>
+                <p:ext uri="{386F3935-93C4-4BCD-93E2-E3B085C9AB24}">
+                  <p16:designElem xmlns:p16="http://schemas.microsoft.com/office/powerpoint/2015/main" val="1"/>
+                </p:ext>
+              </p:extLst>
+            </p:nvPr>
+          </p:nvCxnSpPr>
+          <p:spPr>
+            <a:xfrm>
+              <a:off x="16613" y="6143407"/>
+              <a:ext cx="12192000" cy="0"/>
+            </a:xfrm>
+            <a:prstGeom prst="line">
+              <a:avLst/>
+            </a:prstGeom>
+            <a:ln w="12700">
+              <a:solidFill>
+                <a:srgbClr val="BCBCBC">
+                  <a:alpha val="29804"/>
+                </a:srgbClr>
+              </a:solidFill>
+              <a:prstDash val="sysDot"/>
+            </a:ln>
+          </p:spPr>
+          <p:style>
+            <a:lnRef idx="1">
+              <a:schemeClr val="accent1"/>
+            </a:lnRef>
+            <a:fillRef idx="0">
+              <a:schemeClr val="accent1"/>
+            </a:fillRef>
+            <a:effectRef idx="0">
+              <a:schemeClr val="accent1"/>
+            </a:effectRef>
+            <a:fontRef idx="minor">
+              <a:schemeClr val="tx1"/>
+            </a:fontRef>
+          </p:style>
+        </p:cxnSp>
+        <p:cxnSp>
+          <p:nvCxnSpPr>
+            <p:cNvPr id="125" name="Straight Connector 124">
+              <a:extLst>
+                <a:ext uri="{FF2B5EF4-FFF2-40B4-BE49-F238E27FC236}">
+                  <a16:creationId xmlns:a16="http://schemas.microsoft.com/office/drawing/2014/main" id="{8AD57988-A54E-4C9B-BB33-50A03DB63B68}"/>
+                </a:ext>
+                <a:ext uri="{C183D7F6-B498-43B3-948B-1728B52AA6E4}">
+                  <adec:decorative xmlns:adec="http://schemas.microsoft.com/office/drawing/2017/decorative" val="1"/>
+                </a:ext>
+              </a:extLst>
+            </p:cNvPr>
+            <p:cNvCxnSpPr>
+              <a:cxnSpLocks/>
+            </p:cNvCxnSpPr>
+            <p:nvPr>
+              <p:extLst>
+                <p:ext uri="{386F3935-93C4-4BCD-93E2-E3B085C9AB24}">
+                  <p16:designElem xmlns:p16="http://schemas.microsoft.com/office/powerpoint/2015/main" val="1"/>
+                </p:ext>
+              </p:extLst>
+            </p:nvPr>
+          </p:nvCxnSpPr>
+          <p:spPr>
+            <a:xfrm>
+              <a:off x="684225" y="171716"/>
+              <a:ext cx="0" cy="6511464"/>
+            </a:xfrm>
+            <a:prstGeom prst="line">
+              <a:avLst/>
+            </a:prstGeom>
+            <a:ln w="12700">
+              <a:solidFill>
+                <a:srgbClr val="BCBCBC">
+                  <a:alpha val="29804"/>
+                </a:srgbClr>
+              </a:solidFill>
+              <a:prstDash val="sysDot"/>
+            </a:ln>
+          </p:spPr>
+          <p:style>
+            <a:lnRef idx="1">
+              <a:schemeClr val="accent1"/>
+            </a:lnRef>
+            <a:fillRef idx="0">
+              <a:schemeClr val="accent1"/>
+            </a:fillRef>
+            <a:effectRef idx="0">
+              <a:schemeClr val="accent1"/>
+            </a:effectRef>
+            <a:fontRef idx="minor">
+              <a:schemeClr val="tx1"/>
+            </a:fontRef>
+          </p:style>
+        </p:cxnSp>
+        <p:cxnSp>
+          <p:nvCxnSpPr>
+            <p:cNvPr id="126" name="Straight Connector 125">
+              <a:extLst>
+                <a:ext uri="{FF2B5EF4-FFF2-40B4-BE49-F238E27FC236}">
+                  <a16:creationId xmlns:a16="http://schemas.microsoft.com/office/drawing/2014/main" id="{520EEE2B-368D-4BA2-93F7-3B41F0C9378E}"/>
+                </a:ext>
+                <a:ext uri="{C183D7F6-B498-43B3-948B-1728B52AA6E4}">
+                  <adec:decorative xmlns:adec="http://schemas.microsoft.com/office/drawing/2017/decorative" val="1"/>
+                </a:ext>
+              </a:extLst>
+            </p:cNvPr>
+            <p:cNvCxnSpPr>
+              <a:cxnSpLocks/>
+            </p:cNvCxnSpPr>
+            <p:nvPr>
+              <p:extLst>
+                <p:ext uri="{386F3935-93C4-4BCD-93E2-E3B085C9AB24}">
+                  <p16:designElem xmlns:p16="http://schemas.microsoft.com/office/powerpoint/2015/main" val="1"/>
+                </p:ext>
+              </p:extLst>
+            </p:nvPr>
+          </p:nvCxnSpPr>
+          <p:spPr>
+            <a:xfrm>
+              <a:off x="11508412" y="173267"/>
+              <a:ext cx="0" cy="6511464"/>
+            </a:xfrm>
+            <a:prstGeom prst="line">
+              <a:avLst/>
+            </a:prstGeom>
+            <a:ln w="12700">
+              <a:solidFill>
+                <a:srgbClr val="BCBCBC">
+                  <a:alpha val="29804"/>
+                </a:srgbClr>
+              </a:solidFill>
+              <a:prstDash val="sysDot"/>
+            </a:ln>
+          </p:spPr>
+          <p:style>
+            <a:lnRef idx="1">
+              <a:schemeClr val="accent1"/>
+            </a:lnRef>
+            <a:fillRef idx="0">
+              <a:schemeClr val="accent1"/>
+            </a:fillRef>
+            <a:effectRef idx="0">
+              <a:schemeClr val="accent1"/>
+            </a:effectRef>
+            <a:fontRef idx="minor">
+              <a:schemeClr val="tx1"/>
+            </a:fontRef>
+          </p:style>
+        </p:cxnSp>
+      </p:grpSp>
       <p:sp>
         <p:nvSpPr>
-          <p:cNvPr id="4" name="Foliennummernplatzhalter 3">
+          <p:cNvPr id="128" name="Freeform: Shape 127">
             <a:extLst>
               <a:ext uri="{FF2B5EF4-FFF2-40B4-BE49-F238E27FC236}">
-                <a16:creationId xmlns:a16="http://schemas.microsoft.com/office/drawing/2014/main" id="{B2B6A5F6-C3C2-F347-1380-353AC0033B9F}"/>
+                <a16:creationId xmlns:a16="http://schemas.microsoft.com/office/drawing/2014/main" id="{83C375E8-F6F8-46A9-AAA9-EDE318CADC6B}"/>
+              </a:ext>
+              <a:ext uri="{C183D7F6-B498-43B3-948B-1728B52AA6E4}">
+                <adec:decorative xmlns:adec="http://schemas.microsoft.com/office/drawing/2017/decorative" val="1"/>
+              </a:ext>
+            </a:extLst>
+          </p:cNvPr>
+          <p:cNvSpPr>
+            <a:spLocks noGrp="1" noRot="1" noChangeAspect="1" noMove="1" noResize="1" noEditPoints="1" noAdjustHandles="1" noChangeArrowheads="1" noChangeShapeType="1" noTextEdit="1"/>
+          </p:cNvSpPr>
+          <p:nvPr>
+            <p:extLst>
+              <p:ext uri="{386F3935-93C4-4BCD-93E2-E3B085C9AB24}">
+                <p16:designElem xmlns:p16="http://schemas.microsoft.com/office/powerpoint/2015/main" val="1"/>
+              </p:ext>
+            </p:extLst>
+          </p:nvPr>
+        </p:nvSpPr>
+        <p:spPr>
+          <a:xfrm rot="10800000">
+            <a:off x="-6214" y="-1"/>
+            <a:ext cx="12198214" cy="3276600"/>
+          </a:xfrm>
+          <a:custGeom>
+            <a:avLst/>
+            <a:gdLst>
+              <a:gd name="connsiteX0" fmla="*/ 8951169 w 12179808"/>
+              <a:gd name="connsiteY0" fmla="*/ 21 h 2933519"/>
+              <a:gd name="connsiteX1" fmla="*/ 11653845 w 12179808"/>
+              <a:gd name="connsiteY1" fmla="*/ 146056 h 2933519"/>
+              <a:gd name="connsiteX2" fmla="*/ 12178450 w 12179808"/>
+              <a:gd name="connsiteY2" fmla="*/ 199538 h 2933519"/>
+              <a:gd name="connsiteX3" fmla="*/ 12178450 w 12179808"/>
+              <a:gd name="connsiteY3" fmla="*/ 1261956 h 2933519"/>
+              <a:gd name="connsiteX4" fmla="*/ 12179808 w 12179808"/>
+              <a:gd name="connsiteY4" fmla="*/ 1261956 h 2933519"/>
+              <a:gd name="connsiteX5" fmla="*/ 12179808 w 12179808"/>
+              <a:gd name="connsiteY5" fmla="*/ 2933519 h 2933519"/>
+              <a:gd name="connsiteX6" fmla="*/ 0 w 12179808"/>
+              <a:gd name="connsiteY6" fmla="*/ 2933519 h 2933519"/>
+              <a:gd name="connsiteX7" fmla="*/ 0 w 12179808"/>
+              <a:gd name="connsiteY7" fmla="*/ 1392987 h 2933519"/>
+              <a:gd name="connsiteX8" fmla="*/ 0 w 12179808"/>
+              <a:gd name="connsiteY8" fmla="*/ 1261956 h 2933519"/>
+              <a:gd name="connsiteX9" fmla="*/ 0 w 12179808"/>
+              <a:gd name="connsiteY9" fmla="*/ 703569 h 2933519"/>
+              <a:gd name="connsiteX10" fmla="*/ 8951169 w 12179808"/>
+              <a:gd name="connsiteY10" fmla="*/ 21 h 2933519"/>
+            </a:gdLst>
+            <a:ahLst/>
+            <a:cxnLst>
+              <a:cxn ang="0">
+                <a:pos x="connsiteX0" y="connsiteY0"/>
+              </a:cxn>
+              <a:cxn ang="0">
+                <a:pos x="connsiteX1" y="connsiteY1"/>
+              </a:cxn>
+              <a:cxn ang="0">
+                <a:pos x="connsiteX2" y="connsiteY2"/>
+              </a:cxn>
+              <a:cxn ang="0">
+                <a:pos x="connsiteX3" y="connsiteY3"/>
+              </a:cxn>
+              <a:cxn ang="0">
+                <a:pos x="connsiteX4" y="connsiteY4"/>
+              </a:cxn>
+              <a:cxn ang="0">
+                <a:pos x="connsiteX5" y="connsiteY5"/>
+              </a:cxn>
+              <a:cxn ang="0">
+                <a:pos x="connsiteX6" y="connsiteY6"/>
+              </a:cxn>
+              <a:cxn ang="0">
+                <a:pos x="connsiteX7" y="connsiteY7"/>
+              </a:cxn>
+              <a:cxn ang="0">
+                <a:pos x="connsiteX8" y="connsiteY8"/>
+              </a:cxn>
+              <a:cxn ang="0">
+                <a:pos x="connsiteX9" y="connsiteY9"/>
+              </a:cxn>
+              <a:cxn ang="0">
+                <a:pos x="connsiteX10" y="connsiteY10"/>
+              </a:cxn>
+            </a:cxnLst>
+            <a:rect l="l" t="t" r="r" b="b"/>
+            <a:pathLst>
+              <a:path w="12179808" h="2933519">
+                <a:moveTo>
+                  <a:pt x="8951169" y="21"/>
+                </a:moveTo>
+                <a:cubicBezTo>
+                  <a:pt x="9704520" y="1107"/>
+                  <a:pt x="10578586" y="43239"/>
+                  <a:pt x="11653845" y="146056"/>
+                </a:cubicBezTo>
+                <a:lnTo>
+                  <a:pt x="12178450" y="199538"/>
+                </a:lnTo>
+                <a:lnTo>
+                  <a:pt x="12178450" y="1261956"/>
+                </a:lnTo>
+                <a:lnTo>
+                  <a:pt x="12179808" y="1261956"/>
+                </a:lnTo>
+                <a:lnTo>
+                  <a:pt x="12179808" y="2933519"/>
+                </a:lnTo>
+                <a:lnTo>
+                  <a:pt x="0" y="2933519"/>
+                </a:lnTo>
+                <a:lnTo>
+                  <a:pt x="0" y="1392987"/>
+                </a:lnTo>
+                <a:lnTo>
+                  <a:pt x="0" y="1261956"/>
+                </a:lnTo>
+                <a:lnTo>
+                  <a:pt x="0" y="703569"/>
+                </a:lnTo>
+                <a:cubicBezTo>
+                  <a:pt x="4768989" y="703569"/>
+                  <a:pt x="5812206" y="-4505"/>
+                  <a:pt x="8951169" y="21"/>
+                </a:cubicBezTo>
+                <a:close/>
+              </a:path>
+            </a:pathLst>
+          </a:custGeom>
+          <a:solidFill>
+            <a:schemeClr val="bg1">
+              <a:alpha val="85000"/>
+            </a:schemeClr>
+          </a:solidFill>
+          <a:ln>
+            <a:noFill/>
+          </a:ln>
+        </p:spPr>
+        <p:style>
+          <a:lnRef idx="2">
+            <a:schemeClr val="accent1">
+              <a:shade val="50000"/>
+            </a:schemeClr>
+          </a:lnRef>
+          <a:fillRef idx="1">
+            <a:schemeClr val="accent1"/>
+          </a:fillRef>
+          <a:effectRef idx="0">
+            <a:schemeClr val="accent1"/>
+          </a:effectRef>
+          <a:fontRef idx="minor">
+            <a:schemeClr val="lt1"/>
+          </a:fontRef>
+        </p:style>
+        <p:txBody>
+          <a:bodyPr wrap="square" rtlCol="0" anchor="ctr">
+            <a:noAutofit/>
+          </a:bodyPr>
+          <a:lstStyle/>
+          <a:p>
+            <a:pPr algn="ctr"/>
+            <a:endParaRPr lang="en-US">
+              <a:solidFill>
+                <a:schemeClr val="bg1"/>
+              </a:solidFill>
+            </a:endParaRPr>
+          </a:p>
+        </p:txBody>
+      </p:sp>
+      <p:sp>
+        <p:nvSpPr>
+          <p:cNvPr id="2" name="Titel 1">
+            <a:extLst>
+              <a:ext uri="{FF2B5EF4-FFF2-40B4-BE49-F238E27FC236}">
+                <a16:creationId xmlns:a16="http://schemas.microsoft.com/office/drawing/2014/main" id="{9B27C47F-B8D0-39C6-BF29-3237DF047171}"/>
+              </a:ext>
+            </a:extLst>
+          </p:cNvPr>
+          <p:cNvSpPr>
+            <a:spLocks noGrp="1"/>
+          </p:cNvSpPr>
+          <p:nvPr>
+            <p:ph type="ctrTitle"/>
+          </p:nvPr>
+        </p:nvSpPr>
+        <p:spPr>
+          <a:xfrm>
+            <a:off x="684225" y="746841"/>
+            <a:ext cx="6385847" cy="1967563"/>
+          </a:xfrm>
+        </p:spPr>
+        <p:txBody>
+          <a:bodyPr anchor="t">
+            <a:normAutofit/>
+          </a:bodyPr>
+          <a:lstStyle/>
+          <a:p>
+            <a:r>
+              <a:rPr lang="en-US" dirty="0" err="1"/>
+              <a:t>Zeitreihen</a:t>
+            </a:r>
+            <a:r>
+              <a:rPr lang="en-US" dirty="0"/>
+              <a:t> &amp;</a:t>
+            </a:r>
+            <a:br>
+              <a:rPr lang="en-US" dirty="0"/>
+            </a:br>
+            <a:r>
+              <a:rPr lang="en-US" dirty="0" err="1"/>
+              <a:t>Plolty</a:t>
+            </a:r>
+            <a:endParaRPr lang="de-CH" dirty="0"/>
+          </a:p>
+        </p:txBody>
+      </p:sp>
+      <p:sp>
+        <p:nvSpPr>
+          <p:cNvPr id="7" name="Foliennummernplatzhalter 6">
+            <a:extLst>
+              <a:ext uri="{FF2B5EF4-FFF2-40B4-BE49-F238E27FC236}">
+                <a16:creationId xmlns:a16="http://schemas.microsoft.com/office/drawing/2014/main" id="{FEF7C359-A08E-4595-FBD0-2CC8CEA43307}"/>
               </a:ext>
             </a:extLst>
           </p:cNvPr>
@@ -25128,211 +28321,48 @@
             <p:ph type="sldNum" sz="quarter" idx="12"/>
           </p:nvPr>
         </p:nvSpPr>
-        <p:spPr/>
-        <p:txBody>
-          <a:bodyPr/>
-          <a:lstStyle/>
-          <a:p>
-            <a:fld id="{BE15108C-154A-4A5A-9C05-91A49A422BA7}" type="slidenum">
-              <a:rPr lang="en-US" smtClean="0"/>
-              <a:t>9</a:t>
-            </a:fld>
-            <a:endParaRPr lang="en-US"/>
-          </a:p>
-        </p:txBody>
-      </p:sp>
-      <p:sp>
-        <p:nvSpPr>
-          <p:cNvPr id="5" name="Titel 1">
-            <a:extLst>
-              <a:ext uri="{FF2B5EF4-FFF2-40B4-BE49-F238E27FC236}">
-                <a16:creationId xmlns:a16="http://schemas.microsoft.com/office/drawing/2014/main" id="{1B2139BF-F867-8C91-6843-2CBF9BD11BAD}"/>
-              </a:ext>
-            </a:extLst>
-          </p:cNvPr>
-          <p:cNvSpPr txBox="1">
-            <a:spLocks/>
-          </p:cNvSpPr>
-          <p:nvPr/>
-        </p:nvSpPr>
         <p:spPr>
           <a:xfrm>
-            <a:off x="678649" y="725952"/>
-            <a:ext cx="10325000" cy="672560"/>
+            <a:off x="11003649" y="6215870"/>
+            <a:ext cx="979151" cy="417126"/>
           </a:xfrm>
-          <a:prstGeom prst="rect">
-            <a:avLst/>
-          </a:prstGeom>
         </p:spPr>
         <p:txBody>
-          <a:bodyPr vert="horz" lIns="91440" tIns="45720" rIns="91440" bIns="45720" rtlCol="0" anchor="b">
-            <a:normAutofit fontScale="90000" lnSpcReduction="10000"/>
-          </a:bodyPr>
-          <a:lstStyle>
-            <a:lvl1pPr algn="l" defTabSz="914400" rtl="0" eaLnBrk="1" latinLnBrk="0" hangingPunct="1">
-              <a:lnSpc>
-                <a:spcPct val="100000"/>
-              </a:lnSpc>
-              <a:spcBef>
-                <a:spcPct val="0"/>
-              </a:spcBef>
-              <a:buNone/>
-              <a:defRPr sz="4400" kern="1200">
-                <a:solidFill>
-                  <a:schemeClr val="tx2"/>
-                </a:solidFill>
-                <a:latin typeface="+mj-lt"/>
-                <a:ea typeface="+mj-ea"/>
-                <a:cs typeface="+mj-cs"/>
-              </a:defRPr>
-            </a:lvl1pPr>
-          </a:lstStyle>
-          <a:p>
-            <a:r>
-              <a:rPr lang="en-US" dirty="0"/>
-              <a:t>Learnings</a:t>
-            </a:r>
-            <a:endParaRPr lang="de-CH" dirty="0"/>
-          </a:p>
-        </p:txBody>
-      </p:sp>
-      <p:sp>
-        <p:nvSpPr>
-          <p:cNvPr id="8" name="Textfeld 7">
-            <a:extLst>
-              <a:ext uri="{FF2B5EF4-FFF2-40B4-BE49-F238E27FC236}">
-                <a16:creationId xmlns:a16="http://schemas.microsoft.com/office/drawing/2014/main" id="{E18D64F6-00DA-FAA6-4DA8-07F583ABC6C0}"/>
-              </a:ext>
-            </a:extLst>
-          </p:cNvPr>
-          <p:cNvSpPr txBox="1"/>
-          <p:nvPr/>
-        </p:nvSpPr>
-        <p:spPr>
-          <a:xfrm>
-            <a:off x="678649" y="1831896"/>
-            <a:ext cx="10325000" cy="5141729"/>
-          </a:xfrm>
-          <a:prstGeom prst="rect">
-            <a:avLst/>
-          </a:prstGeom>
-          <a:noFill/>
-        </p:spPr>
-        <p:txBody>
-          <a:bodyPr wrap="square">
-            <a:spAutoFit/>
+          <a:bodyPr>
+            <a:normAutofit/>
           </a:bodyPr>
           <a:lstStyle/>
           <a:p>
-            <a:pPr marL="285750" indent="-285750">
-              <a:lnSpc>
-                <a:spcPct val="200000"/>
-              </a:lnSpc>
-              <a:buFont typeface="Arial" panose="020B0604020202020204" pitchFamily="34" charset="0"/>
-              <a:buChar char="•"/>
+            <a:pPr>
+              <a:spcAft>
+                <a:spcPts val="600"/>
+              </a:spcAft>
             </a:pPr>
-            <a:r>
-              <a:rPr lang="de-DE" sz="2400" dirty="0"/>
-              <a:t>Anwendung der linearen und multiplen linearen Regression in R</a:t>
-            </a:r>
-          </a:p>
-          <a:p>
-            <a:pPr marL="285750" indent="-285750">
-              <a:lnSpc>
-                <a:spcPct val="200000"/>
-              </a:lnSpc>
-              <a:buFont typeface="Arial" panose="020B0604020202020204" pitchFamily="34" charset="0"/>
-              <a:buChar char="•"/>
-            </a:pPr>
-            <a:r>
-              <a:rPr lang="de-DE" sz="2400" dirty="0"/>
-              <a:t>Automatische </a:t>
-            </a:r>
-            <a:r>
-              <a:rPr lang="de-DE" sz="2400" dirty="0" err="1"/>
-              <a:t>Residuenanalysen</a:t>
-            </a:r>
-            <a:endParaRPr lang="de-DE" sz="2400" dirty="0"/>
-          </a:p>
-          <a:p>
-            <a:pPr marL="285750" indent="-285750">
-              <a:lnSpc>
-                <a:spcPct val="200000"/>
-              </a:lnSpc>
-              <a:buFont typeface="Arial" panose="020B0604020202020204" pitchFamily="34" charset="0"/>
-              <a:buChar char="•"/>
-            </a:pPr>
-            <a:r>
-              <a:rPr lang="de-DE" sz="2400" dirty="0"/>
-              <a:t>Anwendung der logistischen Regression</a:t>
-            </a:r>
-          </a:p>
-          <a:p>
-            <a:pPr marL="285750" indent="-285750">
-              <a:lnSpc>
-                <a:spcPct val="200000"/>
-              </a:lnSpc>
-              <a:buFont typeface="Arial" panose="020B0604020202020204" pitchFamily="34" charset="0"/>
-              <a:buChar char="•"/>
-            </a:pPr>
-            <a:r>
-              <a:rPr lang="de-DE" sz="2400" dirty="0"/>
-              <a:t>Berechnungen der Kennzahlen aus der </a:t>
-            </a:r>
-            <a:r>
-              <a:rPr lang="de-DE" sz="2400" dirty="0" err="1"/>
-              <a:t>Confusion</a:t>
-            </a:r>
-            <a:r>
-              <a:rPr lang="de-DE" sz="2400" dirty="0"/>
-              <a:t> Matrix</a:t>
-            </a:r>
-          </a:p>
-          <a:p>
-            <a:pPr marL="285750" indent="-285750">
-              <a:lnSpc>
-                <a:spcPct val="200000"/>
-              </a:lnSpc>
-              <a:buFont typeface="Arial" panose="020B0604020202020204" pitchFamily="34" charset="0"/>
-              <a:buChar char="•"/>
-            </a:pPr>
-            <a:r>
-              <a:rPr lang="de-DE" sz="2400" dirty="0"/>
-              <a:t>Erstellen von </a:t>
-            </a:r>
-            <a:r>
-              <a:rPr lang="de-DE" sz="2400" dirty="0" err="1"/>
-              <a:t>Predicitions</a:t>
-            </a:r>
-            <a:r>
-              <a:rPr lang="de-DE" sz="2400" dirty="0"/>
-              <a:t> mittels trainierten Modelle</a:t>
-            </a:r>
-          </a:p>
-          <a:p>
-            <a:pPr>
-              <a:lnSpc>
-                <a:spcPct val="200000"/>
-              </a:lnSpc>
-            </a:pPr>
-            <a:endParaRPr lang="de-CH" sz="2400" dirty="0"/>
-          </a:p>
-          <a:p>
-            <a:pPr marL="285750" indent="-285750">
-              <a:lnSpc>
-                <a:spcPct val="200000"/>
-              </a:lnSpc>
-              <a:buFont typeface="Arial" panose="020B0604020202020204" pitchFamily="34" charset="0"/>
-              <a:buChar char="•"/>
-            </a:pPr>
-            <a:endParaRPr lang="de-DE" sz="2400" dirty="0"/>
+            <a:fld id="{BE15108C-154A-4A5A-9C05-91A49A422BA7}" type="slidenum">
+              <a:rPr lang="en-US" smtClean="0">
+                <a:solidFill>
+                  <a:srgbClr val="FFFFFF"/>
+                </a:solidFill>
+              </a:rPr>
+              <a:pPr>
+                <a:spcAft>
+                  <a:spcPts val="600"/>
+                </a:spcAft>
+              </a:pPr>
+              <a:t>9</a:t>
+            </a:fld>
+            <a:endParaRPr lang="en-US">
+              <a:solidFill>
+                <a:srgbClr val="FFFFFF"/>
+              </a:solidFill>
+            </a:endParaRPr>
           </a:p>
         </p:txBody>
       </p:sp>
     </p:spTree>
     <p:extLst>
       <p:ext uri="{BB962C8B-B14F-4D97-AF65-F5344CB8AC3E}">
-        <p14:creationId xmlns:p14="http://schemas.microsoft.com/office/powerpoint/2010/main" val="905050750"/>
+        <p14:creationId xmlns:p14="http://schemas.microsoft.com/office/powerpoint/2010/main" val="4119874644"/>
       </p:ext>
     </p:extLst>
   </p:cSld>

--- a/Gruppenarbeit_Praesi/prr_gruppenarbeit.pptx
+++ b/Gruppenarbeit_Praesi/prr_gruppenarbeit.pptx
@@ -26255,7 +26255,7 @@
       </p:grpSpPr>
       <p:sp useBgFill="1">
         <p:nvSpPr>
-          <p:cNvPr id="93" name="Rectangle 92">
+          <p:cNvPr id="1031" name="Rectangle 1030">
             <a:extLst>
               <a:ext uri="{FF2B5EF4-FFF2-40B4-BE49-F238E27FC236}">
                 <a16:creationId xmlns:a16="http://schemas.microsoft.com/office/drawing/2014/main" id="{4E1EF4E8-5513-4BF5-BC41-04645281C672}"/>
@@ -26305,15 +26305,15 @@
       </p:sp>
       <p:pic>
         <p:nvPicPr>
-          <p:cNvPr id="10" name="Grafik 9">
+          <p:cNvPr id="1026" name="Picture 2" descr="Ab Zürich oder Luzern: 2-tägige Jungfraujoch-Tour - Zürich - Guidle">
             <a:extLst>
               <a:ext uri="{FF2B5EF4-FFF2-40B4-BE49-F238E27FC236}">
-                <a16:creationId xmlns:a16="http://schemas.microsoft.com/office/drawing/2014/main" id="{B99BDD83-2CDA-3A28-D733-5609491BA1E2}"/>
+                <a16:creationId xmlns:a16="http://schemas.microsoft.com/office/drawing/2014/main" id="{1B20DB04-CC2A-57FF-B244-913ADF0FEB6F}"/>
               </a:ext>
             </a:extLst>
           </p:cNvPr>
           <p:cNvPicPr>
-            <a:picLocks noChangeAspect="1"/>
+            <a:picLocks noChangeAspect="1" noChangeArrowheads="1"/>
           </p:cNvPicPr>
           <p:nvPr/>
         </p:nvPicPr>
@@ -26324,32 +26324,42 @@
                 <a14:imgProps xmlns:a14="http://schemas.microsoft.com/office/drawing/2010/main">
                   <a14:imgLayer r:embed="rId4">
                     <a14:imgEffect>
-                      <a14:sharpenSoften amount="25000"/>
-                    </a14:imgEffect>
-                    <a14:imgEffect>
                       <a14:saturation sat="200000"/>
                     </a14:imgEffect>
                   </a14:imgLayer>
                 </a14:imgProps>
               </a:ext>
+              <a:ext uri="{28A0092B-C50C-407E-A947-70E740481C1C}">
+                <a14:useLocalDpi xmlns:a14="http://schemas.microsoft.com/office/drawing/2010/main" val="0"/>
+              </a:ext>
             </a:extLst>
           </a:blip>
-          <a:srcRect r="9334" b="1"/>
+          <a:srcRect r="7555" b="16003"/>
           <a:stretch/>
         </p:blipFill>
-        <p:spPr>
+        <p:spPr bwMode="auto">
           <a:xfrm>
-            <a:off x="20" y="1"/>
-            <a:ext cx="12191980" cy="6857999"/>
+            <a:off x="16614" y="-1"/>
+            <a:ext cx="12158454" cy="6857999"/>
           </a:xfrm>
           <a:prstGeom prst="rect">
             <a:avLst/>
           </a:prstGeom>
+          <a:noFill/>
+          <a:extLst>
+            <a:ext uri="{909E8E84-426E-40DD-AFC4-6F175D3DCCD1}">
+              <a14:hiddenFill xmlns:a14="http://schemas.microsoft.com/office/drawing/2010/main">
+                <a:solidFill>
+                  <a:srgbClr val="FFFFFF"/>
+                </a:solidFill>
+              </a14:hiddenFill>
+            </a:ext>
+          </a:extLst>
         </p:spPr>
       </p:pic>
       <p:grpSp>
         <p:nvGrpSpPr>
-          <p:cNvPr id="95" name="Group 94">
+          <p:cNvPr id="1090" name="Group 1032">
             <a:extLst>
               <a:ext uri="{FF2B5EF4-FFF2-40B4-BE49-F238E27FC236}">
                 <a16:creationId xmlns:a16="http://schemas.microsoft.com/office/drawing/2014/main" id="{88ABB63B-B6EE-43AF-9C37-0924518E53E3}"/>
@@ -26380,7 +26390,7 @@
         </p:grpSpPr>
         <p:cxnSp>
           <p:nvCxnSpPr>
-            <p:cNvPr id="96" name="Straight Connector 95">
+            <p:cNvPr id="1034" name="Straight Connector 1033">
               <a:extLst>
                 <a:ext uri="{FF2B5EF4-FFF2-40B4-BE49-F238E27FC236}">
                   <a16:creationId xmlns:a16="http://schemas.microsoft.com/office/drawing/2014/main" id="{CB7E45DC-7AC9-4A43-B52C-78D9531B8635}"/>
@@ -26435,7 +26445,7 @@
         </p:cxnSp>
         <p:cxnSp>
           <p:nvCxnSpPr>
-            <p:cNvPr id="97" name="Straight Connector 96">
+            <p:cNvPr id="1035" name="Straight Connector 1034">
               <a:extLst>
                 <a:ext uri="{FF2B5EF4-FFF2-40B4-BE49-F238E27FC236}">
                   <a16:creationId xmlns:a16="http://schemas.microsoft.com/office/drawing/2014/main" id="{2543D79A-4328-45EF-A428-FC665CB507FB}"/>
@@ -26490,7 +26500,7 @@
         </p:cxnSp>
         <p:cxnSp>
           <p:nvCxnSpPr>
-            <p:cNvPr id="98" name="Straight Connector 97">
+            <p:cNvPr id="1036" name="Straight Connector 1035">
               <a:extLst>
                 <a:ext uri="{FF2B5EF4-FFF2-40B4-BE49-F238E27FC236}">
                   <a16:creationId xmlns:a16="http://schemas.microsoft.com/office/drawing/2014/main" id="{0804AB2D-9BA7-48D7-AFC0-D368F3B76800}"/>
@@ -26545,7 +26555,7 @@
         </p:cxnSp>
         <p:cxnSp>
           <p:nvCxnSpPr>
-            <p:cNvPr id="99" name="Straight Connector 98">
+            <p:cNvPr id="1037" name="Straight Connector 1036">
               <a:extLst>
                 <a:ext uri="{FF2B5EF4-FFF2-40B4-BE49-F238E27FC236}">
                   <a16:creationId xmlns:a16="http://schemas.microsoft.com/office/drawing/2014/main" id="{ED26FBC9-30B7-4D26-AF30-4BA8719F3056}"/>
@@ -26600,7 +26610,7 @@
         </p:cxnSp>
         <p:cxnSp>
           <p:nvCxnSpPr>
-            <p:cNvPr id="100" name="Straight Connector 99">
+            <p:cNvPr id="1038" name="Straight Connector 1037">
               <a:extLst>
                 <a:ext uri="{FF2B5EF4-FFF2-40B4-BE49-F238E27FC236}">
                   <a16:creationId xmlns:a16="http://schemas.microsoft.com/office/drawing/2014/main" id="{EB5A0212-58CB-4A88-83F7-FD0BBBF1ED88}"/>
@@ -26655,7 +26665,7 @@
         </p:cxnSp>
         <p:cxnSp>
           <p:nvCxnSpPr>
-            <p:cNvPr id="101" name="Straight Connector 100">
+            <p:cNvPr id="1039" name="Straight Connector 1038">
               <a:extLst>
                 <a:ext uri="{FF2B5EF4-FFF2-40B4-BE49-F238E27FC236}">
                   <a16:creationId xmlns:a16="http://schemas.microsoft.com/office/drawing/2014/main" id="{766733B5-84D5-4202-859D-5A322504EE48}"/>
@@ -26710,7 +26720,7 @@
         </p:cxnSp>
         <p:cxnSp>
           <p:nvCxnSpPr>
-            <p:cNvPr id="102" name="Straight Connector 101">
+            <p:cNvPr id="1040" name="Straight Connector 1039">
               <a:extLst>
                 <a:ext uri="{FF2B5EF4-FFF2-40B4-BE49-F238E27FC236}">
                   <a16:creationId xmlns:a16="http://schemas.microsoft.com/office/drawing/2014/main" id="{020F393D-8F55-493E-A0AB-C04E63D242E6}"/>
@@ -26765,7 +26775,7 @@
         </p:cxnSp>
         <p:cxnSp>
           <p:nvCxnSpPr>
-            <p:cNvPr id="103" name="Straight Connector 102">
+            <p:cNvPr id="1041" name="Straight Connector 1040">
               <a:extLst>
                 <a:ext uri="{FF2B5EF4-FFF2-40B4-BE49-F238E27FC236}">
                   <a16:creationId xmlns:a16="http://schemas.microsoft.com/office/drawing/2014/main" id="{B6150823-0FA6-4C5F-8052-B5E795D1BC5C}"/>
@@ -26820,7 +26830,7 @@
         </p:cxnSp>
         <p:cxnSp>
           <p:nvCxnSpPr>
-            <p:cNvPr id="104" name="Straight Connector 103">
+            <p:cNvPr id="1042" name="Straight Connector 1041">
               <a:extLst>
                 <a:ext uri="{FF2B5EF4-FFF2-40B4-BE49-F238E27FC236}">
                   <a16:creationId xmlns:a16="http://schemas.microsoft.com/office/drawing/2014/main" id="{1FE80E66-FB82-48F1-AC3B-98B532D5406C}"/>
@@ -26875,7 +26885,7 @@
         </p:cxnSp>
         <p:cxnSp>
           <p:nvCxnSpPr>
-            <p:cNvPr id="105" name="Straight Connector 104">
+            <p:cNvPr id="1043" name="Straight Connector 1042">
               <a:extLst>
                 <a:ext uri="{FF2B5EF4-FFF2-40B4-BE49-F238E27FC236}">
                   <a16:creationId xmlns:a16="http://schemas.microsoft.com/office/drawing/2014/main" id="{59863583-0ECD-4F7A-B751-43B12C75CBF6}"/>
@@ -26930,7 +26940,7 @@
         </p:cxnSp>
         <p:cxnSp>
           <p:nvCxnSpPr>
-            <p:cNvPr id="106" name="Straight Connector 105">
+            <p:cNvPr id="1044" name="Straight Connector 1043">
               <a:extLst>
                 <a:ext uri="{FF2B5EF4-FFF2-40B4-BE49-F238E27FC236}">
                   <a16:creationId xmlns:a16="http://schemas.microsoft.com/office/drawing/2014/main" id="{16F49142-3C77-4864-BACD-DCB993CA069E}"/>
@@ -26985,7 +26995,7 @@
         </p:cxnSp>
         <p:cxnSp>
           <p:nvCxnSpPr>
-            <p:cNvPr id="107" name="Straight Connector 106">
+            <p:cNvPr id="1045" name="Straight Connector 1044">
               <a:extLst>
                 <a:ext uri="{FF2B5EF4-FFF2-40B4-BE49-F238E27FC236}">
                   <a16:creationId xmlns:a16="http://schemas.microsoft.com/office/drawing/2014/main" id="{145D06CF-A107-4909-A09D-67FDDF4C2238}"/>
@@ -27040,7 +27050,7 @@
         </p:cxnSp>
         <p:cxnSp>
           <p:nvCxnSpPr>
-            <p:cNvPr id="108" name="Straight Connector 107">
+            <p:cNvPr id="1046" name="Straight Connector 1045">
               <a:extLst>
                 <a:ext uri="{FF2B5EF4-FFF2-40B4-BE49-F238E27FC236}">
                   <a16:creationId xmlns:a16="http://schemas.microsoft.com/office/drawing/2014/main" id="{0FBDE9B1-0BD3-4397-9FF4-7C3203885D0E}"/>
@@ -27095,7 +27105,7 @@
         </p:cxnSp>
         <p:cxnSp>
           <p:nvCxnSpPr>
-            <p:cNvPr id="109" name="Straight Connector 108">
+            <p:cNvPr id="1047" name="Straight Connector 1046">
               <a:extLst>
                 <a:ext uri="{FF2B5EF4-FFF2-40B4-BE49-F238E27FC236}">
                   <a16:creationId xmlns:a16="http://schemas.microsoft.com/office/drawing/2014/main" id="{E1A02805-216D-43C5-A768-1836DD224356}"/>
@@ -27150,7 +27160,7 @@
         </p:cxnSp>
         <p:cxnSp>
           <p:nvCxnSpPr>
-            <p:cNvPr id="110" name="Straight Connector 109">
+            <p:cNvPr id="1048" name="Straight Connector 1047">
               <a:extLst>
                 <a:ext uri="{FF2B5EF4-FFF2-40B4-BE49-F238E27FC236}">
                   <a16:creationId xmlns:a16="http://schemas.microsoft.com/office/drawing/2014/main" id="{90B017B1-1B97-4EC7-ABC8-9636A34745F1}"/>
@@ -27205,7 +27215,7 @@
         </p:cxnSp>
         <p:cxnSp>
           <p:nvCxnSpPr>
-            <p:cNvPr id="111" name="Straight Connector 110">
+            <p:cNvPr id="1049" name="Straight Connector 1048">
               <a:extLst>
                 <a:ext uri="{FF2B5EF4-FFF2-40B4-BE49-F238E27FC236}">
                   <a16:creationId xmlns:a16="http://schemas.microsoft.com/office/drawing/2014/main" id="{0E48FD6E-B77B-43DA-94E2-2478501EDD7C}"/>
@@ -27260,7 +27270,7 @@
         </p:cxnSp>
         <p:cxnSp>
           <p:nvCxnSpPr>
-            <p:cNvPr id="112" name="Straight Connector 111">
+            <p:cNvPr id="1050" name="Straight Connector 1049">
               <a:extLst>
                 <a:ext uri="{FF2B5EF4-FFF2-40B4-BE49-F238E27FC236}">
                   <a16:creationId xmlns:a16="http://schemas.microsoft.com/office/drawing/2014/main" id="{4AB14AB7-76CD-4FBF-AF73-A1A32AE78264}"/>
@@ -27315,7 +27325,7 @@
         </p:cxnSp>
         <p:cxnSp>
           <p:nvCxnSpPr>
-            <p:cNvPr id="113" name="Straight Connector 112">
+            <p:cNvPr id="1051" name="Straight Connector 1050">
               <a:extLst>
                 <a:ext uri="{FF2B5EF4-FFF2-40B4-BE49-F238E27FC236}">
                   <a16:creationId xmlns:a16="http://schemas.microsoft.com/office/drawing/2014/main" id="{93E5C242-AF46-4E5E-9FD6-29B7F9689A31}"/>
@@ -27370,7 +27380,7 @@
         </p:cxnSp>
         <p:cxnSp>
           <p:nvCxnSpPr>
-            <p:cNvPr id="114" name="Straight Connector 113">
+            <p:cNvPr id="1052" name="Straight Connector 1051">
               <a:extLst>
                 <a:ext uri="{FF2B5EF4-FFF2-40B4-BE49-F238E27FC236}">
                   <a16:creationId xmlns:a16="http://schemas.microsoft.com/office/drawing/2014/main" id="{391D4E89-05DE-483F-8F2E-39D93202C28B}"/>
@@ -27425,7 +27435,7 @@
         </p:cxnSp>
         <p:cxnSp>
           <p:nvCxnSpPr>
-            <p:cNvPr id="115" name="Straight Connector 114">
+            <p:cNvPr id="1053" name="Straight Connector 1052">
               <a:extLst>
                 <a:ext uri="{FF2B5EF4-FFF2-40B4-BE49-F238E27FC236}">
                   <a16:creationId xmlns:a16="http://schemas.microsoft.com/office/drawing/2014/main" id="{F6B02D5B-D04D-4A2C-A5CF-91D1534290DF}"/>
@@ -27480,7 +27490,7 @@
         </p:cxnSp>
         <p:cxnSp>
           <p:nvCxnSpPr>
-            <p:cNvPr id="116" name="Straight Connector 115">
+            <p:cNvPr id="1054" name="Straight Connector 1053">
               <a:extLst>
                 <a:ext uri="{FF2B5EF4-FFF2-40B4-BE49-F238E27FC236}">
                   <a16:creationId xmlns:a16="http://schemas.microsoft.com/office/drawing/2014/main" id="{568FE945-F3C5-445E-B906-FC9FAF734799}"/>
@@ -27535,7 +27545,7 @@
         </p:cxnSp>
         <p:cxnSp>
           <p:nvCxnSpPr>
-            <p:cNvPr id="117" name="Straight Connector 116">
+            <p:cNvPr id="1055" name="Straight Connector 1054">
               <a:extLst>
                 <a:ext uri="{FF2B5EF4-FFF2-40B4-BE49-F238E27FC236}">
                   <a16:creationId xmlns:a16="http://schemas.microsoft.com/office/drawing/2014/main" id="{9AF4C4E0-F9C9-45B0-8B83-5C344A71B484}"/>
@@ -27590,7 +27600,7 @@
         </p:cxnSp>
         <p:cxnSp>
           <p:nvCxnSpPr>
-            <p:cNvPr id="118" name="Straight Connector 117">
+            <p:cNvPr id="1056" name="Straight Connector 1055">
               <a:extLst>
                 <a:ext uri="{FF2B5EF4-FFF2-40B4-BE49-F238E27FC236}">
                   <a16:creationId xmlns:a16="http://schemas.microsoft.com/office/drawing/2014/main" id="{DD05AC98-1440-4ED3-BBDF-BC89F248F98A}"/>
@@ -27645,7 +27655,7 @@
         </p:cxnSp>
         <p:cxnSp>
           <p:nvCxnSpPr>
-            <p:cNvPr id="119" name="Straight Connector 118">
+            <p:cNvPr id="1057" name="Straight Connector 1056">
               <a:extLst>
                 <a:ext uri="{FF2B5EF4-FFF2-40B4-BE49-F238E27FC236}">
                   <a16:creationId xmlns:a16="http://schemas.microsoft.com/office/drawing/2014/main" id="{A9C04193-7AC6-475B-ABF0-124F26E6BDA4}"/>
@@ -27700,7 +27710,7 @@
         </p:cxnSp>
         <p:cxnSp>
           <p:nvCxnSpPr>
-            <p:cNvPr id="120" name="Straight Connector 119">
+            <p:cNvPr id="1058" name="Straight Connector 1057">
               <a:extLst>
                 <a:ext uri="{FF2B5EF4-FFF2-40B4-BE49-F238E27FC236}">
                   <a16:creationId xmlns:a16="http://schemas.microsoft.com/office/drawing/2014/main" id="{8C3C8E23-341E-40F3-BF1F-ECC8CA8F0442}"/>
@@ -27755,7 +27765,7 @@
         </p:cxnSp>
         <p:cxnSp>
           <p:nvCxnSpPr>
-            <p:cNvPr id="121" name="Straight Connector 120">
+            <p:cNvPr id="1059" name="Straight Connector 1058">
               <a:extLst>
                 <a:ext uri="{FF2B5EF4-FFF2-40B4-BE49-F238E27FC236}">
                   <a16:creationId xmlns:a16="http://schemas.microsoft.com/office/drawing/2014/main" id="{0378643A-EADF-4EB2-9D39-FA294DFBFE3C}"/>
@@ -27810,7 +27820,7 @@
         </p:cxnSp>
         <p:cxnSp>
           <p:nvCxnSpPr>
-            <p:cNvPr id="122" name="Straight Connector 121">
+            <p:cNvPr id="1060" name="Straight Connector 1059">
               <a:extLst>
                 <a:ext uri="{FF2B5EF4-FFF2-40B4-BE49-F238E27FC236}">
                   <a16:creationId xmlns:a16="http://schemas.microsoft.com/office/drawing/2014/main" id="{8F93D56A-A28E-4201-8293-D716906D71DF}"/>
@@ -27865,7 +27875,7 @@
         </p:cxnSp>
         <p:cxnSp>
           <p:nvCxnSpPr>
-            <p:cNvPr id="123" name="Straight Connector 122">
+            <p:cNvPr id="1061" name="Straight Connector 1060">
               <a:extLst>
                 <a:ext uri="{FF2B5EF4-FFF2-40B4-BE49-F238E27FC236}">
                   <a16:creationId xmlns:a16="http://schemas.microsoft.com/office/drawing/2014/main" id="{70AA7744-5CCA-46B9-8B10-AD632C2D7031}"/>
@@ -27920,7 +27930,7 @@
         </p:cxnSp>
         <p:cxnSp>
           <p:nvCxnSpPr>
-            <p:cNvPr id="124" name="Straight Connector 123">
+            <p:cNvPr id="1062" name="Straight Connector 1061">
               <a:extLst>
                 <a:ext uri="{FF2B5EF4-FFF2-40B4-BE49-F238E27FC236}">
                   <a16:creationId xmlns:a16="http://schemas.microsoft.com/office/drawing/2014/main" id="{BEEA2F9D-20BE-49EA-8282-486B36601DBC}"/>
@@ -27975,7 +27985,7 @@
         </p:cxnSp>
         <p:cxnSp>
           <p:nvCxnSpPr>
-            <p:cNvPr id="125" name="Straight Connector 124">
+            <p:cNvPr id="1063" name="Straight Connector 1062">
               <a:extLst>
                 <a:ext uri="{FF2B5EF4-FFF2-40B4-BE49-F238E27FC236}">
                   <a16:creationId xmlns:a16="http://schemas.microsoft.com/office/drawing/2014/main" id="{8AD57988-A54E-4C9B-BB33-50A03DB63B68}"/>
@@ -28030,7 +28040,7 @@
         </p:cxnSp>
         <p:cxnSp>
           <p:nvCxnSpPr>
-            <p:cNvPr id="126" name="Straight Connector 125">
+            <p:cNvPr id="1064" name="Straight Connector 1063">
               <a:extLst>
                 <a:ext uri="{FF2B5EF4-FFF2-40B4-BE49-F238E27FC236}">
                   <a16:creationId xmlns:a16="http://schemas.microsoft.com/office/drawing/2014/main" id="{520EEE2B-368D-4BA2-93F7-3B41F0C9378E}"/>
@@ -28086,7 +28096,7 @@
       </p:grpSp>
       <p:sp>
         <p:nvSpPr>
-          <p:cNvPr id="128" name="Freeform: Shape 127">
+          <p:cNvPr id="1091" name="Freeform: Shape 1065">
             <a:extLst>
               <a:ext uri="{FF2B5EF4-FFF2-40B4-BE49-F238E27FC236}">
                 <a16:creationId xmlns:a16="http://schemas.microsoft.com/office/drawing/2014/main" id="{83C375E8-F6F8-46A9-AAA9-EDE318CADC6B}"/>
@@ -28287,18 +28297,14 @@
           <a:lstStyle/>
           <a:p>
             <a:r>
-              <a:rPr lang="en-US" dirty="0" err="1"/>
-              <a:t>Zeitreihen</a:t>
-            </a:r>
-            <a:r>
-              <a:rPr lang="en-US" dirty="0"/>
-              <a:t> &amp;</a:t>
+              <a:rPr lang="en-US"/>
+              <a:t>Zeitreihen &amp;</a:t>
             </a:r>
             <a:br>
-              <a:rPr lang="en-US" dirty="0"/>
+              <a:rPr lang="en-US"/>
             </a:br>
             <a:r>
-              <a:rPr lang="en-US" dirty="0" err="1"/>
+              <a:rPr lang="en-US"/>
               <a:t>Plolty</a:t>
             </a:r>
             <a:endParaRPr lang="de-CH" dirty="0"/>

--- a/Gruppenarbeit_Praesi/prr_gruppenarbeit.pptx
+++ b/Gruppenarbeit_Praesi/prr_gruppenarbeit.pptx
@@ -5,7 +5,7 @@
     <p:sldMasterId id="2147483712" r:id="rId1"/>
   </p:sldMasterIdLst>
   <p:notesMasterIdLst>
-    <p:notesMasterId r:id="rId15"/>
+    <p:notesMasterId r:id="rId16"/>
   </p:notesMasterIdLst>
   <p:sldIdLst>
     <p:sldId id="256" r:id="rId2"/>
@@ -19,8 +19,9 @@
     <p:sldId id="271" r:id="rId10"/>
     <p:sldId id="275" r:id="rId11"/>
     <p:sldId id="276" r:id="rId12"/>
-    <p:sldId id="265" r:id="rId13"/>
-    <p:sldId id="264" r:id="rId14"/>
+    <p:sldId id="277" r:id="rId13"/>
+    <p:sldId id="265" r:id="rId14"/>
+    <p:sldId id="264" r:id="rId15"/>
   </p:sldIdLst>
   <p:sldSz cx="12192000" cy="6858000"/>
   <p:notesSz cx="6858000" cy="9144000"/>
@@ -718,6 +719,10 @@
           <a:bodyPr/>
           <a:lstStyle/>
           <a:p>
+            <a:r>
+              <a:rPr lang="en-US" dirty="0"/>
+              <a:t>- Ben</a:t>
+            </a:r>
             <a:endParaRPr lang="de-CH" dirty="0"/>
           </a:p>
         </p:txBody>
@@ -802,6 +807,14 @@
           <a:bodyPr/>
           <a:lstStyle/>
           <a:p>
+            <a:r>
+              <a:rPr lang="en-US" dirty="0"/>
+              <a:t>- </a:t>
+            </a:r>
+            <a:r>
+              <a:rPr lang="en-US" dirty="0" err="1"/>
+              <a:t>Patschu</a:t>
+            </a:r>
             <a:endParaRPr lang="de-CH" dirty="0"/>
           </a:p>
         </p:txBody>
@@ -823,7 +836,7 @@
           <a:p>
             <a:fld id="{97920913-15AF-4DD2-9906-F569B6C1DCD9}" type="slidenum">
               <a:rPr lang="de-CH" smtClean="0"/>
-              <a:t>11</a:t>
+              <a:t>10</a:t>
             </a:fld>
             <a:endParaRPr lang="de-CH"/>
           </a:p>
@@ -832,7 +845,7 @@
     </p:spTree>
     <p:extLst>
       <p:ext uri="{BB962C8B-B14F-4D97-AF65-F5344CB8AC3E}">
-        <p14:creationId xmlns:p14="http://schemas.microsoft.com/office/powerpoint/2010/main" val="2890711041"/>
+        <p14:creationId xmlns:p14="http://schemas.microsoft.com/office/powerpoint/2010/main" val="944710676"/>
       </p:ext>
     </p:extLst>
   </p:cSld>
@@ -885,6 +898,196 @@
         <p:txBody>
           <a:bodyPr/>
           <a:lstStyle/>
+          <a:p>
+            <a:r>
+              <a:rPr lang="en-US" dirty="0"/>
+              <a:t>- </a:t>
+            </a:r>
+            <a:r>
+              <a:rPr lang="en-US" dirty="0" err="1"/>
+              <a:t>Patschu</a:t>
+            </a:r>
+            <a:endParaRPr lang="de-CH" dirty="0"/>
+          </a:p>
+        </p:txBody>
+      </p:sp>
+      <p:sp>
+        <p:nvSpPr>
+          <p:cNvPr id="4" name="Foliennummernplatzhalter 3"/>
+          <p:cNvSpPr>
+            <a:spLocks noGrp="1"/>
+          </p:cNvSpPr>
+          <p:nvPr>
+            <p:ph type="sldNum" sz="quarter" idx="5"/>
+          </p:nvPr>
+        </p:nvSpPr>
+        <p:spPr/>
+        <p:txBody>
+          <a:bodyPr/>
+          <a:lstStyle/>
+          <a:p>
+            <a:fld id="{97920913-15AF-4DD2-9906-F569B6C1DCD9}" type="slidenum">
+              <a:rPr lang="de-CH" smtClean="0"/>
+              <a:t>11</a:t>
+            </a:fld>
+            <a:endParaRPr lang="de-CH"/>
+          </a:p>
+        </p:txBody>
+      </p:sp>
+    </p:spTree>
+    <p:extLst>
+      <p:ext uri="{BB962C8B-B14F-4D97-AF65-F5344CB8AC3E}">
+        <p14:creationId xmlns:p14="http://schemas.microsoft.com/office/powerpoint/2010/main" val="2890711041"/>
+      </p:ext>
+    </p:extLst>
+  </p:cSld>
+  <p:clrMapOvr>
+    <a:masterClrMapping/>
+  </p:clrMapOvr>
+</p:notes>
+</file>
+
+<file path=ppt/notesSlides/notesSlide12.xml><?xml version="1.0" encoding="utf-8"?>
+<p:notes xmlns:a="http://schemas.openxmlformats.org/drawingml/2006/main" xmlns:r="http://schemas.openxmlformats.org/officeDocument/2006/relationships" xmlns:p="http://schemas.openxmlformats.org/presentationml/2006/main">
+  <p:cSld>
+    <p:spTree>
+      <p:nvGrpSpPr>
+        <p:cNvPr id="1" name=""/>
+        <p:cNvGrpSpPr/>
+        <p:nvPr/>
+      </p:nvGrpSpPr>
+      <p:grpSpPr>
+        <a:xfrm>
+          <a:off x="0" y="0"/>
+          <a:ext cx="0" cy="0"/>
+          <a:chOff x="0" y="0"/>
+          <a:chExt cx="0" cy="0"/>
+        </a:xfrm>
+      </p:grpSpPr>
+      <p:sp>
+        <p:nvSpPr>
+          <p:cNvPr id="2" name="Folienbildplatzhalter 1"/>
+          <p:cNvSpPr>
+            <a:spLocks noGrp="1" noRot="1" noChangeAspect="1"/>
+          </p:cNvSpPr>
+          <p:nvPr>
+            <p:ph type="sldImg"/>
+          </p:nvPr>
+        </p:nvSpPr>
+        <p:spPr/>
+      </p:sp>
+      <p:sp>
+        <p:nvSpPr>
+          <p:cNvPr id="3" name="Notizenplatzhalter 2"/>
+          <p:cNvSpPr>
+            <a:spLocks noGrp="1"/>
+          </p:cNvSpPr>
+          <p:nvPr>
+            <p:ph type="body" idx="1"/>
+          </p:nvPr>
+        </p:nvSpPr>
+        <p:spPr/>
+        <p:txBody>
+          <a:bodyPr/>
+          <a:lstStyle/>
+          <a:p>
+            <a:r>
+              <a:rPr lang="en-US" dirty="0"/>
+              <a:t>- </a:t>
+            </a:r>
+            <a:r>
+              <a:rPr lang="en-US" dirty="0" err="1"/>
+              <a:t>Gabu</a:t>
+            </a:r>
+            <a:endParaRPr lang="de-CH" dirty="0"/>
+          </a:p>
+        </p:txBody>
+      </p:sp>
+      <p:sp>
+        <p:nvSpPr>
+          <p:cNvPr id="4" name="Foliennummernplatzhalter 3"/>
+          <p:cNvSpPr>
+            <a:spLocks noGrp="1"/>
+          </p:cNvSpPr>
+          <p:nvPr>
+            <p:ph type="sldNum" sz="quarter" idx="5"/>
+          </p:nvPr>
+        </p:nvSpPr>
+        <p:spPr/>
+        <p:txBody>
+          <a:bodyPr/>
+          <a:lstStyle/>
+          <a:p>
+            <a:fld id="{97920913-15AF-4DD2-9906-F569B6C1DCD9}" type="slidenum">
+              <a:rPr lang="de-CH" smtClean="0"/>
+              <a:t>12</a:t>
+            </a:fld>
+            <a:endParaRPr lang="de-CH"/>
+          </a:p>
+        </p:txBody>
+      </p:sp>
+    </p:spTree>
+    <p:extLst>
+      <p:ext uri="{BB962C8B-B14F-4D97-AF65-F5344CB8AC3E}">
+        <p14:creationId xmlns:p14="http://schemas.microsoft.com/office/powerpoint/2010/main" val="1856885302"/>
+      </p:ext>
+    </p:extLst>
+  </p:cSld>
+  <p:clrMapOvr>
+    <a:masterClrMapping/>
+  </p:clrMapOvr>
+</p:notes>
+</file>
+
+<file path=ppt/notesSlides/notesSlide13.xml><?xml version="1.0" encoding="utf-8"?>
+<p:notes xmlns:a="http://schemas.openxmlformats.org/drawingml/2006/main" xmlns:r="http://schemas.openxmlformats.org/officeDocument/2006/relationships" xmlns:p="http://schemas.openxmlformats.org/presentationml/2006/main">
+  <p:cSld>
+    <p:spTree>
+      <p:nvGrpSpPr>
+        <p:cNvPr id="1" name=""/>
+        <p:cNvGrpSpPr/>
+        <p:nvPr/>
+      </p:nvGrpSpPr>
+      <p:grpSpPr>
+        <a:xfrm>
+          <a:off x="0" y="0"/>
+          <a:ext cx="0" cy="0"/>
+          <a:chOff x="0" y="0"/>
+          <a:chExt cx="0" cy="0"/>
+        </a:xfrm>
+      </p:grpSpPr>
+      <p:sp>
+        <p:nvSpPr>
+          <p:cNvPr id="2" name="Folienbildplatzhalter 1"/>
+          <p:cNvSpPr>
+            <a:spLocks noGrp="1" noRot="1" noChangeAspect="1"/>
+          </p:cNvSpPr>
+          <p:nvPr>
+            <p:ph type="sldImg"/>
+          </p:nvPr>
+        </p:nvSpPr>
+        <p:spPr/>
+      </p:sp>
+      <p:sp>
+        <p:nvSpPr>
+          <p:cNvPr id="3" name="Notizenplatzhalter 2"/>
+          <p:cNvSpPr>
+            <a:spLocks noGrp="1"/>
+          </p:cNvSpPr>
+          <p:nvPr>
+            <p:ph type="body" idx="1"/>
+          </p:nvPr>
+        </p:nvSpPr>
+        <p:spPr/>
+        <p:txBody>
+          <a:bodyPr/>
+          <a:lstStyle/>
+          <a:p>
+            <a:r>
+              <a:rPr lang="de-DE" dirty="0"/>
+              <a:t>- Ben</a:t>
+            </a:r>
+          </a:p>
           <a:p>
             <a:r>
               <a:rPr lang="de-DE" dirty="0"/>
@@ -947,7 +1150,7 @@
           <a:p>
             <a:fld id="{97920913-15AF-4DD2-9906-F569B6C1DCD9}" type="slidenum">
               <a:rPr lang="de-CH" smtClean="0"/>
-              <a:t>12</a:t>
+              <a:t>13</a:t>
             </a:fld>
             <a:endParaRPr lang="de-CH"/>
           </a:p>
@@ -966,7 +1169,7 @@
 </p:notes>
 </file>
 
-<file path=ppt/notesSlides/notesSlide12.xml><?xml version="1.0" encoding="utf-8"?>
+<file path=ppt/notesSlides/notesSlide14.xml><?xml version="1.0" encoding="utf-8"?>
 <p:notes xmlns:a="http://schemas.openxmlformats.org/drawingml/2006/main" xmlns:r="http://schemas.openxmlformats.org/officeDocument/2006/relationships" xmlns:p="http://schemas.openxmlformats.org/presentationml/2006/main">
   <p:cSld>
     <p:spTree>
@@ -1012,6 +1215,12 @@
           <a:p>
             <a:r>
               <a:rPr lang="de-DE" dirty="0"/>
+              <a:t>- Ben</a:t>
+            </a:r>
+          </a:p>
+          <a:p>
+            <a:r>
+              <a:rPr lang="de-DE" dirty="0"/>
               <a:t>Vielen Dank für eure Aufmerksamkeit, gibt es Fragen von eurer Seite?</a:t>
             </a:r>
             <a:endParaRPr lang="de-CH" dirty="0"/>
@@ -1035,7 +1244,7 @@
           <a:p>
             <a:fld id="{97920913-15AF-4DD2-9906-F569B6C1DCD9}" type="slidenum">
               <a:rPr lang="de-CH" smtClean="0"/>
-              <a:t>13</a:t>
+              <a:t>14</a:t>
             </a:fld>
             <a:endParaRPr lang="de-CH"/>
           </a:p>
@@ -1098,6 +1307,10 @@
           <a:bodyPr/>
           <a:lstStyle/>
           <a:p>
+            <a:r>
+              <a:rPr lang="en-US" dirty="0"/>
+              <a:t>- Ben</a:t>
+            </a:r>
             <a:endParaRPr lang="de-CH" dirty="0"/>
           </a:p>
         </p:txBody>
@@ -1182,6 +1395,10 @@
           <a:bodyPr/>
           <a:lstStyle/>
           <a:p>
+            <a:r>
+              <a:rPr lang="en-US" dirty="0"/>
+              <a:t>- Ben</a:t>
+            </a:r>
             <a:endParaRPr lang="de-CH" dirty="0"/>
           </a:p>
         </p:txBody>
@@ -1266,6 +1483,10 @@
           <a:bodyPr/>
           <a:lstStyle/>
           <a:p>
+            <a:r>
+              <a:rPr lang="en-US" dirty="0"/>
+              <a:t>- Ben</a:t>
+            </a:r>
             <a:endParaRPr lang="de-CH" dirty="0"/>
           </a:p>
         </p:txBody>
@@ -1350,6 +1571,10 @@
           <a:bodyPr/>
           <a:lstStyle/>
           <a:p>
+            <a:r>
+              <a:rPr lang="en-US" dirty="0"/>
+              <a:t>- Ben</a:t>
+            </a:r>
             <a:endParaRPr lang="de-CH" dirty="0"/>
           </a:p>
         </p:txBody>
@@ -1371,7 +1596,7 @@
           <a:p>
             <a:fld id="{97920913-15AF-4DD2-9906-F569B6C1DCD9}" type="slidenum">
               <a:rPr lang="de-CH" smtClean="0"/>
-              <a:t>6</a:t>
+              <a:t>5</a:t>
             </a:fld>
             <a:endParaRPr lang="de-CH"/>
           </a:p>
@@ -1380,7 +1605,7 @@
     </p:spTree>
     <p:extLst>
       <p:ext uri="{BB962C8B-B14F-4D97-AF65-F5344CB8AC3E}">
-        <p14:creationId xmlns:p14="http://schemas.microsoft.com/office/powerpoint/2010/main" val="4277672629"/>
+        <p14:creationId xmlns:p14="http://schemas.microsoft.com/office/powerpoint/2010/main" val="3108417669"/>
       </p:ext>
     </p:extLst>
   </p:cSld>
@@ -1433,6 +1658,105 @@
         <p:txBody>
           <a:bodyPr/>
           <a:lstStyle/>
+          <a:p>
+            <a:r>
+              <a:rPr lang="en-US" dirty="0"/>
+              <a:t>- Ben</a:t>
+            </a:r>
+            <a:endParaRPr lang="de-CH" dirty="0"/>
+          </a:p>
+        </p:txBody>
+      </p:sp>
+      <p:sp>
+        <p:nvSpPr>
+          <p:cNvPr id="4" name="Foliennummernplatzhalter 3"/>
+          <p:cNvSpPr>
+            <a:spLocks noGrp="1"/>
+          </p:cNvSpPr>
+          <p:nvPr>
+            <p:ph type="sldNum" sz="quarter" idx="5"/>
+          </p:nvPr>
+        </p:nvSpPr>
+        <p:spPr/>
+        <p:txBody>
+          <a:bodyPr/>
+          <a:lstStyle/>
+          <a:p>
+            <a:fld id="{97920913-15AF-4DD2-9906-F569B6C1DCD9}" type="slidenum">
+              <a:rPr lang="de-CH" smtClean="0"/>
+              <a:t>6</a:t>
+            </a:fld>
+            <a:endParaRPr lang="de-CH"/>
+          </a:p>
+        </p:txBody>
+      </p:sp>
+    </p:spTree>
+    <p:extLst>
+      <p:ext uri="{BB962C8B-B14F-4D97-AF65-F5344CB8AC3E}">
+        <p14:creationId xmlns:p14="http://schemas.microsoft.com/office/powerpoint/2010/main" val="4277672629"/>
+      </p:ext>
+    </p:extLst>
+  </p:cSld>
+  <p:clrMapOvr>
+    <a:masterClrMapping/>
+  </p:clrMapOvr>
+</p:notes>
+</file>
+
+<file path=ppt/notesSlides/notesSlide7.xml><?xml version="1.0" encoding="utf-8"?>
+<p:notes xmlns:a="http://schemas.openxmlformats.org/drawingml/2006/main" xmlns:r="http://schemas.openxmlformats.org/officeDocument/2006/relationships" xmlns:p="http://schemas.openxmlformats.org/presentationml/2006/main">
+  <p:cSld>
+    <p:spTree>
+      <p:nvGrpSpPr>
+        <p:cNvPr id="1" name=""/>
+        <p:cNvGrpSpPr/>
+        <p:nvPr/>
+      </p:nvGrpSpPr>
+      <p:grpSpPr>
+        <a:xfrm>
+          <a:off x="0" y="0"/>
+          <a:ext cx="0" cy="0"/>
+          <a:chOff x="0" y="0"/>
+          <a:chExt cx="0" cy="0"/>
+        </a:xfrm>
+      </p:grpSpPr>
+      <p:sp>
+        <p:nvSpPr>
+          <p:cNvPr id="2" name="Folienbildplatzhalter 1"/>
+          <p:cNvSpPr>
+            <a:spLocks noGrp="1" noRot="1" noChangeAspect="1"/>
+          </p:cNvSpPr>
+          <p:nvPr>
+            <p:ph type="sldImg"/>
+          </p:nvPr>
+        </p:nvSpPr>
+        <p:spPr/>
+      </p:sp>
+      <p:sp>
+        <p:nvSpPr>
+          <p:cNvPr id="3" name="Notizenplatzhalter 2"/>
+          <p:cNvSpPr>
+            <a:spLocks noGrp="1"/>
+          </p:cNvSpPr>
+          <p:nvPr>
+            <p:ph type="body" idx="1"/>
+          </p:nvPr>
+        </p:nvSpPr>
+        <p:spPr/>
+        <p:txBody>
+          <a:bodyPr/>
+          <a:lstStyle/>
+          <a:p>
+            <a:r>
+              <a:rPr lang="en-US" dirty="0"/>
+              <a:t>- </a:t>
+            </a:r>
+            <a:r>
+              <a:rPr lang="en-US" dirty="0" err="1"/>
+              <a:t>Patschu</a:t>
+            </a:r>
+            <a:endParaRPr lang="en-US" dirty="0"/>
+          </a:p>
           <a:p>
             <a:r>
               <a:rPr lang="en-US" dirty="0" err="1"/>
@@ -1675,7 +1999,7 @@
 </p:notes>
 </file>
 
-<file path=ppt/notesSlides/notesSlide7.xml><?xml version="1.0" encoding="utf-8"?>
+<file path=ppt/notesSlides/notesSlide8.xml><?xml version="1.0" encoding="utf-8"?>
 <p:notes xmlns:a="http://schemas.openxmlformats.org/drawingml/2006/main" xmlns:r="http://schemas.openxmlformats.org/officeDocument/2006/relationships" xmlns:p="http://schemas.openxmlformats.org/presentationml/2006/main">
   <p:cSld>
     <p:spTree>
@@ -1718,6 +2042,17 @@
         <p:txBody>
           <a:bodyPr/>
           <a:lstStyle/>
+          <a:p>
+            <a:r>
+              <a:rPr lang="de-DE" dirty="0"/>
+              <a:t>- </a:t>
+            </a:r>
+            <a:r>
+              <a:rPr lang="de-DE" dirty="0" err="1"/>
+              <a:t>Patschu</a:t>
+            </a:r>
+            <a:endParaRPr lang="de-DE" dirty="0"/>
+          </a:p>
           <a:p>
             <a:r>
               <a:rPr lang="de-DE" dirty="0"/>
@@ -1801,90 +2136,6 @@
 </p:notes>
 </file>
 
-<file path=ppt/notesSlides/notesSlide8.xml><?xml version="1.0" encoding="utf-8"?>
-<p:notes xmlns:a="http://schemas.openxmlformats.org/drawingml/2006/main" xmlns:r="http://schemas.openxmlformats.org/officeDocument/2006/relationships" xmlns:p="http://schemas.openxmlformats.org/presentationml/2006/main">
-  <p:cSld>
-    <p:spTree>
-      <p:nvGrpSpPr>
-        <p:cNvPr id="1" name=""/>
-        <p:cNvGrpSpPr/>
-        <p:nvPr/>
-      </p:nvGrpSpPr>
-      <p:grpSpPr>
-        <a:xfrm>
-          <a:off x="0" y="0"/>
-          <a:ext cx="0" cy="0"/>
-          <a:chOff x="0" y="0"/>
-          <a:chExt cx="0" cy="0"/>
-        </a:xfrm>
-      </p:grpSpPr>
-      <p:sp>
-        <p:nvSpPr>
-          <p:cNvPr id="2" name="Folienbildplatzhalter 1"/>
-          <p:cNvSpPr>
-            <a:spLocks noGrp="1" noRot="1" noChangeAspect="1"/>
-          </p:cNvSpPr>
-          <p:nvPr>
-            <p:ph type="sldImg"/>
-          </p:nvPr>
-        </p:nvSpPr>
-        <p:spPr/>
-      </p:sp>
-      <p:sp>
-        <p:nvSpPr>
-          <p:cNvPr id="3" name="Notizenplatzhalter 2"/>
-          <p:cNvSpPr>
-            <a:spLocks noGrp="1"/>
-          </p:cNvSpPr>
-          <p:nvPr>
-            <p:ph type="body" idx="1"/>
-          </p:nvPr>
-        </p:nvSpPr>
-        <p:spPr/>
-        <p:txBody>
-          <a:bodyPr/>
-          <a:lstStyle/>
-          <a:p>
-            <a:endParaRPr lang="de-CH" dirty="0"/>
-          </a:p>
-        </p:txBody>
-      </p:sp>
-      <p:sp>
-        <p:nvSpPr>
-          <p:cNvPr id="4" name="Foliennummernplatzhalter 3"/>
-          <p:cNvSpPr>
-            <a:spLocks noGrp="1"/>
-          </p:cNvSpPr>
-          <p:nvPr>
-            <p:ph type="sldNum" sz="quarter" idx="5"/>
-          </p:nvPr>
-        </p:nvSpPr>
-        <p:spPr/>
-        <p:txBody>
-          <a:bodyPr/>
-          <a:lstStyle/>
-          <a:p>
-            <a:fld id="{97920913-15AF-4DD2-9906-F569B6C1DCD9}" type="slidenum">
-              <a:rPr lang="de-CH" smtClean="0"/>
-              <a:t>9</a:t>
-            </a:fld>
-            <a:endParaRPr lang="de-CH"/>
-          </a:p>
-        </p:txBody>
-      </p:sp>
-    </p:spTree>
-    <p:extLst>
-      <p:ext uri="{BB962C8B-B14F-4D97-AF65-F5344CB8AC3E}">
-        <p14:creationId xmlns:p14="http://schemas.microsoft.com/office/powerpoint/2010/main" val="1218132288"/>
-      </p:ext>
-    </p:extLst>
-  </p:cSld>
-  <p:clrMapOvr>
-    <a:masterClrMapping/>
-  </p:clrMapOvr>
-</p:notes>
-</file>
-
 <file path=ppt/notesSlides/notesSlide9.xml><?xml version="1.0" encoding="utf-8"?>
 <p:notes xmlns:a="http://schemas.openxmlformats.org/drawingml/2006/main" xmlns:r="http://schemas.openxmlformats.org/officeDocument/2006/relationships" xmlns:p="http://schemas.openxmlformats.org/presentationml/2006/main">
   <p:cSld>
@@ -1929,6 +2180,14 @@
           <a:bodyPr/>
           <a:lstStyle/>
           <a:p>
+            <a:r>
+              <a:rPr lang="en-US" dirty="0"/>
+              <a:t>- </a:t>
+            </a:r>
+            <a:r>
+              <a:rPr lang="en-US" dirty="0" err="1"/>
+              <a:t>Patschu</a:t>
+            </a:r>
             <a:endParaRPr lang="de-CH" dirty="0"/>
           </a:p>
         </p:txBody>
@@ -1950,7 +2209,7 @@
           <a:p>
             <a:fld id="{97920913-15AF-4DD2-9906-F569B6C1DCD9}" type="slidenum">
               <a:rPr lang="de-CH" smtClean="0"/>
-              <a:t>10</a:t>
+              <a:t>9</a:t>
             </a:fld>
             <a:endParaRPr lang="de-CH"/>
           </a:p>
@@ -1959,7 +2218,7 @@
     </p:spTree>
     <p:extLst>
       <p:ext uri="{BB962C8B-B14F-4D97-AF65-F5344CB8AC3E}">
-        <p14:creationId xmlns:p14="http://schemas.microsoft.com/office/powerpoint/2010/main" val="944710676"/>
+        <p14:creationId xmlns:p14="http://schemas.microsoft.com/office/powerpoint/2010/main" val="1218132288"/>
       </p:ext>
     </p:extLst>
   </p:cSld>
@@ -18618,6 +18877,237 @@
         </p:nvSpPr>
         <p:spPr>
           <a:xfrm>
+            <a:off x="678649" y="343285"/>
+            <a:ext cx="10325000" cy="672560"/>
+          </a:xfrm>
+          <a:prstGeom prst="rect">
+            <a:avLst/>
+          </a:prstGeom>
+        </p:spPr>
+        <p:txBody>
+          <a:bodyPr vert="horz" lIns="91440" tIns="45720" rIns="91440" bIns="45720" rtlCol="0" anchor="b">
+            <a:normAutofit fontScale="90000" lnSpcReduction="10000"/>
+          </a:bodyPr>
+          <a:lstStyle>
+            <a:lvl1pPr algn="l" defTabSz="914400" rtl="0" eaLnBrk="1" latinLnBrk="0" hangingPunct="1">
+              <a:lnSpc>
+                <a:spcPct val="100000"/>
+              </a:lnSpc>
+              <a:spcBef>
+                <a:spcPct val="0"/>
+              </a:spcBef>
+              <a:buNone/>
+              <a:defRPr sz="4400" kern="1200">
+                <a:solidFill>
+                  <a:schemeClr val="tx2"/>
+                </a:solidFill>
+                <a:latin typeface="+mj-lt"/>
+                <a:ea typeface="+mj-ea"/>
+                <a:cs typeface="+mj-cs"/>
+              </a:defRPr>
+            </a:lvl1pPr>
+          </a:lstStyle>
+          <a:p>
+            <a:endParaRPr lang="de-CH" dirty="0"/>
+          </a:p>
+        </p:txBody>
+      </p:sp>
+      <p:sp>
+        <p:nvSpPr>
+          <p:cNvPr id="3" name="Gleichschenkliges Dreieck 2">
+            <a:extLst>
+              <a:ext uri="{FF2B5EF4-FFF2-40B4-BE49-F238E27FC236}">
+                <a16:creationId xmlns:a16="http://schemas.microsoft.com/office/drawing/2014/main" id="{64D06812-A6C4-5F25-F205-C79CBE347501}"/>
+              </a:ext>
+            </a:extLst>
+          </p:cNvPr>
+          <p:cNvSpPr/>
+          <p:nvPr/>
+        </p:nvSpPr>
+        <p:spPr>
+          <a:xfrm rot="5400000">
+            <a:off x="-235527" y="1603043"/>
+            <a:ext cx="880162" cy="409108"/>
+          </a:xfrm>
+          <a:prstGeom prst="triangle">
+            <a:avLst/>
+          </a:prstGeom>
+          <a:solidFill>
+            <a:srgbClr val="FFC000"/>
+          </a:solidFill>
+          <a:ln>
+            <a:solidFill>
+              <a:srgbClr val="FFC000"/>
+            </a:solidFill>
+          </a:ln>
+        </p:spPr>
+        <p:style>
+          <a:lnRef idx="2">
+            <a:schemeClr val="accent4">
+              <a:shade val="50000"/>
+            </a:schemeClr>
+          </a:lnRef>
+          <a:fillRef idx="1">
+            <a:schemeClr val="accent4"/>
+          </a:fillRef>
+          <a:effectRef idx="0">
+            <a:schemeClr val="accent4"/>
+          </a:effectRef>
+          <a:fontRef idx="minor">
+            <a:schemeClr val="lt1"/>
+          </a:fontRef>
+        </p:style>
+        <p:txBody>
+          <a:bodyPr rtlCol="0" anchor="ctr"/>
+          <a:lstStyle/>
+          <a:p>
+            <a:pPr algn="ctr"/>
+            <a:endParaRPr lang="de-CH" dirty="0"/>
+          </a:p>
+        </p:txBody>
+      </p:sp>
+      <p:sp>
+        <p:nvSpPr>
+          <p:cNvPr id="6" name="Titel 1">
+            <a:extLst>
+              <a:ext uri="{FF2B5EF4-FFF2-40B4-BE49-F238E27FC236}">
+                <a16:creationId xmlns:a16="http://schemas.microsoft.com/office/drawing/2014/main" id="{28E46656-C2DE-4599-78D7-EE849E88F5A7}"/>
+              </a:ext>
+            </a:extLst>
+          </p:cNvPr>
+          <p:cNvSpPr txBox="1">
+            <a:spLocks/>
+          </p:cNvSpPr>
+          <p:nvPr/>
+        </p:nvSpPr>
+        <p:spPr>
+          <a:xfrm>
+            <a:off x="678649" y="441458"/>
+            <a:ext cx="10325000" cy="672560"/>
+          </a:xfrm>
+          <a:prstGeom prst="rect">
+            <a:avLst/>
+          </a:prstGeom>
+        </p:spPr>
+        <p:txBody>
+          <a:bodyPr vert="horz" lIns="91440" tIns="45720" rIns="91440" bIns="45720" rtlCol="0" anchor="b">
+            <a:normAutofit fontScale="90000" lnSpcReduction="10000"/>
+          </a:bodyPr>
+          <a:lstStyle>
+            <a:lvl1pPr algn="l" defTabSz="914400" rtl="0" eaLnBrk="1" latinLnBrk="0" hangingPunct="1">
+              <a:lnSpc>
+                <a:spcPct val="100000"/>
+              </a:lnSpc>
+              <a:spcBef>
+                <a:spcPct val="0"/>
+              </a:spcBef>
+              <a:buNone/>
+              <a:defRPr sz="4400" kern="1200">
+                <a:solidFill>
+                  <a:schemeClr val="tx2"/>
+                </a:solidFill>
+                <a:latin typeface="+mj-lt"/>
+                <a:ea typeface="+mj-ea"/>
+                <a:cs typeface="+mj-cs"/>
+              </a:defRPr>
+            </a:lvl1pPr>
+          </a:lstStyle>
+          <a:p>
+            <a:r>
+              <a:rPr lang="en-US" dirty="0" err="1"/>
+              <a:t>Wechsel</a:t>
+            </a:r>
+            <a:r>
+              <a:rPr lang="en-US" dirty="0"/>
+              <a:t> </a:t>
+            </a:r>
+            <a:r>
+              <a:rPr lang="en-US" dirty="0" err="1"/>
+              <a:t>zu</a:t>
+            </a:r>
+            <a:r>
+              <a:rPr lang="en-US" dirty="0"/>
+              <a:t> HTML</a:t>
+            </a:r>
+            <a:endParaRPr lang="de-CH" dirty="0"/>
+          </a:p>
+        </p:txBody>
+      </p:sp>
+    </p:spTree>
+    <p:extLst>
+      <p:ext uri="{BB962C8B-B14F-4D97-AF65-F5344CB8AC3E}">
+        <p14:creationId xmlns:p14="http://schemas.microsoft.com/office/powerpoint/2010/main" val="1507820909"/>
+      </p:ext>
+    </p:extLst>
+  </p:cSld>
+  <p:clrMapOvr>
+    <a:masterClrMapping/>
+  </p:clrMapOvr>
+</p:sld>
+</file>
+
+<file path=ppt/slides/slide13.xml><?xml version="1.0" encoding="utf-8"?>
+<p:sld xmlns:a="http://schemas.openxmlformats.org/drawingml/2006/main" xmlns:r="http://schemas.openxmlformats.org/officeDocument/2006/relationships" xmlns:p="http://schemas.openxmlformats.org/presentationml/2006/main">
+  <p:cSld>
+    <p:spTree>
+      <p:nvGrpSpPr>
+        <p:cNvPr id="1" name=""/>
+        <p:cNvGrpSpPr/>
+        <p:nvPr/>
+      </p:nvGrpSpPr>
+      <p:grpSpPr>
+        <a:xfrm>
+          <a:off x="0" y="0"/>
+          <a:ext cx="0" cy="0"/>
+          <a:chOff x="0" y="0"/>
+          <a:chExt cx="0" cy="0"/>
+        </a:xfrm>
+      </p:grpSpPr>
+      <p:sp>
+        <p:nvSpPr>
+          <p:cNvPr id="4" name="Foliennummernplatzhalter 3">
+            <a:extLst>
+              <a:ext uri="{FF2B5EF4-FFF2-40B4-BE49-F238E27FC236}">
+                <a16:creationId xmlns:a16="http://schemas.microsoft.com/office/drawing/2014/main" id="{B2B6A5F6-C3C2-F347-1380-353AC0033B9F}"/>
+              </a:ext>
+            </a:extLst>
+          </p:cNvPr>
+          <p:cNvSpPr>
+            <a:spLocks noGrp="1"/>
+          </p:cNvSpPr>
+          <p:nvPr>
+            <p:ph type="sldNum" sz="quarter" idx="12"/>
+          </p:nvPr>
+        </p:nvSpPr>
+        <p:spPr/>
+        <p:txBody>
+          <a:bodyPr/>
+          <a:lstStyle/>
+          <a:p>
+            <a:fld id="{BE15108C-154A-4A5A-9C05-91A49A422BA7}" type="slidenum">
+              <a:rPr lang="en-US" smtClean="0"/>
+              <a:t>13</a:t>
+            </a:fld>
+            <a:endParaRPr lang="en-US"/>
+          </a:p>
+        </p:txBody>
+      </p:sp>
+      <p:sp>
+        <p:nvSpPr>
+          <p:cNvPr id="5" name="Titel 1">
+            <a:extLst>
+              <a:ext uri="{FF2B5EF4-FFF2-40B4-BE49-F238E27FC236}">
+                <a16:creationId xmlns:a16="http://schemas.microsoft.com/office/drawing/2014/main" id="{1B2139BF-F867-8C91-6843-2CBF9BD11BAD}"/>
+              </a:ext>
+            </a:extLst>
+          </p:cNvPr>
+          <p:cNvSpPr txBox="1">
+            <a:spLocks/>
+          </p:cNvSpPr>
+          <p:nvPr/>
+        </p:nvSpPr>
+        <p:spPr>
+          <a:xfrm>
             <a:off x="678649" y="725952"/>
             <a:ext cx="10325000" cy="672560"/>
           </a:xfrm>
@@ -18823,7 +19313,7 @@
 </p:sld>
 </file>
 
-<file path=ppt/slides/slide13.xml><?xml version="1.0" encoding="utf-8"?>
+<file path=ppt/slides/slide14.xml><?xml version="1.0" encoding="utf-8"?>
 <p:sld xmlns:a="http://schemas.openxmlformats.org/drawingml/2006/main" xmlns:r="http://schemas.openxmlformats.org/officeDocument/2006/relationships" xmlns:p="http://schemas.openxmlformats.org/presentationml/2006/main">
   <p:cSld>
     <p:bg>
@@ -22638,7 +23128,7 @@
                   <a:spcPts val="600"/>
                 </a:spcAft>
               </a:pPr>
-              <a:t>13</a:t>
+              <a:t>14</a:t>
             </a:fld>
             <a:endParaRPr lang="en-US"/>
           </a:p>
@@ -28297,15 +28787,19 @@
           <a:lstStyle/>
           <a:p>
             <a:r>
-              <a:rPr lang="en-US"/>
-              <a:t>Zeitreihen &amp;</a:t>
+              <a:rPr lang="en-US" dirty="0" err="1"/>
+              <a:t>Zeitreihen</a:t>
+            </a:r>
+            <a:r>
+              <a:rPr lang="en-US" dirty="0"/>
+              <a:t> &amp;</a:t>
             </a:r>
             <a:br>
-              <a:rPr lang="en-US"/>
+              <a:rPr lang="en-US" dirty="0"/>
             </a:br>
             <a:r>
-              <a:rPr lang="en-US"/>
-              <a:t>Plolty</a:t>
+              <a:rPr lang="en-US" dirty="0" err="1"/>
+              <a:t>Plotly</a:t>
             </a:r>
             <a:endParaRPr lang="de-CH" dirty="0"/>
           </a:p>

--- a/Gruppenarbeit_Praesi/prr_gruppenarbeit.pptx
+++ b/Gruppenarbeit_Praesi/prr_gruppenarbeit.pptx
@@ -407,7 +407,7 @@
           <a:p>
             <a:fld id="{76FB3BCE-2401-4D6F-B9EB-BDDE7828DBAA}" type="datetimeFigureOut">
               <a:rPr lang="de-CH" smtClean="0"/>
-              <a:t>07.12.2022</a:t>
+              <a:t>10.12.2022</a:t>
             </a:fld>
             <a:endParaRPr lang="de-CH"/>
           </a:p>
@@ -3894,7 +3894,7 @@
           <a:p>
             <a:fld id="{857530C4-E09B-4403-A941-6895AC0AAD56}" type="datetime1">
               <a:rPr lang="en-US" smtClean="0"/>
-              <a:t>12/7/2022</a:t>
+              <a:t>12/10/2022</a:t>
             </a:fld>
             <a:endParaRPr lang="en-US"/>
           </a:p>
@@ -4097,7 +4097,7 @@
           <a:p>
             <a:fld id="{48318ACE-2899-43DA-9D0D-21A353FCCCDA}" type="datetime1">
               <a:rPr lang="en-US" smtClean="0"/>
-              <a:t>12/7/2022</a:t>
+              <a:t>12/10/2022</a:t>
             </a:fld>
             <a:endParaRPr lang="en-US"/>
           </a:p>
@@ -5818,7 +5818,7 @@
           <a:p>
             <a:fld id="{60687668-1573-4585-91CB-32693C532F36}" type="datetime1">
               <a:rPr lang="en-US" smtClean="0"/>
-              <a:t>12/7/2022</a:t>
+              <a:t>12/10/2022</a:t>
             </a:fld>
             <a:endParaRPr lang="en-US"/>
           </a:p>
@@ -6017,7 +6017,7 @@
           <a:p>
             <a:fld id="{17E2E289-B482-469D-AD20-AE957C7162E3}" type="datetime1">
               <a:rPr lang="en-US" smtClean="0"/>
-              <a:t>12/7/2022</a:t>
+              <a:t>12/10/2022</a:t>
             </a:fld>
             <a:endParaRPr lang="en-US"/>
           </a:p>
@@ -7807,7 +7807,7 @@
           <a:p>
             <a:fld id="{8A535AD4-D255-41C8-9093-09204E4BCD69}" type="datetime1">
               <a:rPr lang="en-US" smtClean="0"/>
-              <a:t>12/7/2022</a:t>
+              <a:t>12/10/2022</a:t>
             </a:fld>
             <a:endParaRPr lang="en-US"/>
           </a:p>
@@ -8080,7 +8080,7 @@
           <a:p>
             <a:fld id="{ECF9956C-5DF7-4A40-B932-E8D8CBE05931}" type="datetime1">
               <a:rPr lang="en-US" smtClean="0"/>
-              <a:t>12/7/2022</a:t>
+              <a:t>12/10/2022</a:t>
             </a:fld>
             <a:endParaRPr lang="en-US"/>
           </a:p>
@@ -8500,7 +8500,7 @@
           <a:p>
             <a:fld id="{48DBE806-B4BE-4002-97E4-4C18ADB0A2EF}" type="datetime1">
               <a:rPr lang="en-US" smtClean="0"/>
-              <a:t>12/7/2022</a:t>
+              <a:t>12/10/2022</a:t>
             </a:fld>
             <a:endParaRPr lang="en-US"/>
           </a:p>
@@ -8656,7 +8656,7 @@
           <a:p>
             <a:fld id="{352482E8-16C3-4150-B73E-9C89B43DF22A}" type="datetime1">
               <a:rPr lang="en-US" smtClean="0"/>
-              <a:t>12/7/2022</a:t>
+              <a:t>12/10/2022</a:t>
             </a:fld>
             <a:endParaRPr lang="en-US"/>
           </a:p>
@@ -10224,7 +10224,7 @@
           <a:p>
             <a:fld id="{9E9BA27A-4FCC-4397-9A1E-FE0E0A5688E9}" type="datetime1">
               <a:rPr lang="en-US" smtClean="0"/>
-              <a:t>12/7/2022</a:t>
+              <a:t>12/10/2022</a:t>
             </a:fld>
             <a:endParaRPr lang="en-US"/>
           </a:p>
@@ -12075,7 +12075,7 @@
           <a:p>
             <a:fld id="{6DBE95F5-4B41-472F-879B-995FCF8AABEA}" type="datetime1">
               <a:rPr lang="en-US" smtClean="0"/>
-              <a:t>12/7/2022</a:t>
+              <a:t>12/10/2022</a:t>
             </a:fld>
             <a:endParaRPr lang="en-US"/>
           </a:p>
@@ -13888,7 +13888,7 @@
           <a:p>
             <a:fld id="{691E8630-5088-4F20-B480-189B2929B20B}" type="datetime1">
               <a:rPr lang="en-US" smtClean="0"/>
-              <a:t>12/7/2022</a:t>
+              <a:t>12/10/2022</a:t>
             </a:fld>
             <a:endParaRPr lang="en-US"/>
           </a:p>
@@ -15581,7 +15581,7 @@
           <a:p>
             <a:fld id="{27B57FC3-2AE1-4B01-9714-343BDFC54610}" type="datetime1">
               <a:rPr lang="en-US" smtClean="0"/>
-              <a:t>12/7/2022</a:t>
+              <a:t>12/10/2022</a:t>
             </a:fld>
             <a:endParaRPr lang="en-US" dirty="0"/>
           </a:p>
@@ -18201,6 +18201,18 @@
   <p:clrMapOvr>
     <a:masterClrMapping/>
   </p:clrMapOvr>
+  <mc:AlternateContent xmlns:mc="http://schemas.openxmlformats.org/markup-compatibility/2006">
+    <mc:Choice xmlns:p159="http://schemas.microsoft.com/office/powerpoint/2015/09/main" Requires="p159">
+      <p:transition spd="slow">
+        <p159:morph option="byObject"/>
+      </p:transition>
+    </mc:Choice>
+    <mc:Fallback>
+      <p:transition spd="slow">
+        <p:fade/>
+      </p:transition>
+    </mc:Fallback>
+  </mc:AlternateContent>
 </p:sld>
 </file>
 
@@ -18525,6 +18537,18 @@
   <p:clrMapOvr>
     <a:masterClrMapping/>
   </p:clrMapOvr>
+  <mc:AlternateContent xmlns:mc="http://schemas.openxmlformats.org/markup-compatibility/2006">
+    <mc:Choice xmlns:p159="http://schemas.microsoft.com/office/powerpoint/2015/09/main" Requires="p159">
+      <p:transition spd="slow">
+        <p159:morph option="byObject"/>
+      </p:transition>
+    </mc:Choice>
+    <mc:Fallback>
+      <p:transition spd="slow">
+        <p:fade/>
+      </p:transition>
+    </mc:Fallback>
+  </mc:AlternateContent>
 </p:sld>
 </file>
 
@@ -18812,6 +18836,18 @@
   <p:clrMapOvr>
     <a:masterClrMapping/>
   </p:clrMapOvr>
+  <mc:AlternateContent xmlns:mc="http://schemas.openxmlformats.org/markup-compatibility/2006">
+    <mc:Choice xmlns:p159="http://schemas.microsoft.com/office/powerpoint/2015/09/main" Requires="p159">
+      <p:transition spd="slow">
+        <p159:morph option="byObject"/>
+      </p:transition>
+    </mc:Choice>
+    <mc:Fallback>
+      <p:transition spd="slow">
+        <p:fade/>
+      </p:transition>
+    </mc:Fallback>
+  </mc:AlternateContent>
 </p:sld>
 </file>
 
@@ -19043,6 +19079,18 @@
   <p:clrMapOvr>
     <a:masterClrMapping/>
   </p:clrMapOvr>
+  <mc:AlternateContent xmlns:mc="http://schemas.openxmlformats.org/markup-compatibility/2006">
+    <mc:Choice xmlns:p159="http://schemas.microsoft.com/office/powerpoint/2015/09/main" Requires="p159">
+      <p:transition spd="slow">
+        <p159:morph option="byObject"/>
+      </p:transition>
+    </mc:Choice>
+    <mc:Fallback>
+      <p:transition spd="slow">
+        <p:fade/>
+      </p:transition>
+    </mc:Fallback>
+  </mc:AlternateContent>
 </p:sld>
 </file>
 
@@ -19310,6 +19358,18 @@
   <p:clrMapOvr>
     <a:masterClrMapping/>
   </p:clrMapOvr>
+  <mc:AlternateContent xmlns:mc="http://schemas.openxmlformats.org/markup-compatibility/2006">
+    <mc:Choice xmlns:p159="http://schemas.microsoft.com/office/powerpoint/2015/09/main" Requires="p159">
+      <p:transition spd="slow">
+        <p159:morph option="byObject"/>
+      </p:transition>
+    </mc:Choice>
+    <mc:Fallback>
+      <p:transition spd="slow">
+        <p:fade/>
+      </p:transition>
+    </mc:Fallback>
+  </mc:AlternateContent>
 </p:sld>
 </file>
 
@@ -23144,6 +23204,18 @@
   <p:clrMapOvr>
     <a:masterClrMapping/>
   </p:clrMapOvr>
+  <mc:AlternateContent xmlns:mc="http://schemas.openxmlformats.org/markup-compatibility/2006">
+    <mc:Choice xmlns:p159="http://schemas.microsoft.com/office/powerpoint/2015/09/main" Requires="p159">
+      <p:transition spd="slow">
+        <p159:morph option="byObject"/>
+      </p:transition>
+    </mc:Choice>
+    <mc:Fallback>
+      <p:transition spd="slow">
+        <p:fade/>
+      </p:transition>
+    </mc:Fallback>
+  </mc:AlternateContent>
 </p:sld>
 </file>
 
@@ -25163,6 +25235,18 @@
   <p:clrMapOvr>
     <a:masterClrMapping/>
   </p:clrMapOvr>
+  <mc:AlternateContent xmlns:mc="http://schemas.openxmlformats.org/markup-compatibility/2006">
+    <mc:Choice xmlns:p159="http://schemas.microsoft.com/office/powerpoint/2015/09/main" Requires="p159">
+      <p:transition spd="slow">
+        <p159:morph option="byObject"/>
+      </p:transition>
+    </mc:Choice>
+    <mc:Fallback>
+      <p:transition spd="slow">
+        <p:fade/>
+      </p:transition>
+    </mc:Fallback>
+  </mc:AlternateContent>
 </p:sld>
 </file>
 
@@ -25437,6 +25521,18 @@
   <p:clrMapOvr>
     <a:masterClrMapping/>
   </p:clrMapOvr>
+  <mc:AlternateContent xmlns:mc="http://schemas.openxmlformats.org/markup-compatibility/2006">
+    <mc:Choice xmlns:p159="http://schemas.microsoft.com/office/powerpoint/2015/09/main" Requires="p159">
+      <p:transition spd="slow">
+        <p159:morph option="byObject"/>
+      </p:transition>
+    </mc:Choice>
+    <mc:Fallback>
+      <p:transition spd="slow">
+        <p:fade/>
+      </p:transition>
+    </mc:Fallback>
+  </mc:AlternateContent>
 </p:sld>
 </file>
 
@@ -26011,6 +26107,18 @@
   <p:clrMapOvr>
     <a:masterClrMapping/>
   </p:clrMapOvr>
+  <mc:AlternateContent xmlns:mc="http://schemas.openxmlformats.org/markup-compatibility/2006">
+    <mc:Choice xmlns:p159="http://schemas.microsoft.com/office/powerpoint/2015/09/main" Requires="p159">
+      <p:transition spd="slow">
+        <p159:morph option="byObject"/>
+      </p:transition>
+    </mc:Choice>
+    <mc:Fallback>
+      <p:transition spd="slow">
+        <p:fade/>
+      </p:transition>
+    </mc:Fallback>
+  </mc:AlternateContent>
 </p:sld>
 </file>
 
@@ -26193,6 +26301,18 @@
   <p:clrMapOvr>
     <a:masterClrMapping/>
   </p:clrMapOvr>
+  <mc:AlternateContent xmlns:mc="http://schemas.openxmlformats.org/markup-compatibility/2006">
+    <mc:Choice xmlns:p159="http://schemas.microsoft.com/office/powerpoint/2015/09/main" Requires="p159">
+      <p:transition spd="slow">
+        <p159:morph option="byObject"/>
+      </p:transition>
+    </mc:Choice>
+    <mc:Fallback>
+      <p:transition spd="slow">
+        <p:fade/>
+      </p:transition>
+    </mc:Fallback>
+  </mc:AlternateContent>
 </p:sld>
 </file>
 
@@ -26348,6 +26468,18 @@
   <p:clrMapOvr>
     <a:masterClrMapping/>
   </p:clrMapOvr>
+  <mc:AlternateContent xmlns:mc="http://schemas.openxmlformats.org/markup-compatibility/2006">
+    <mc:Choice xmlns:p159="http://schemas.microsoft.com/office/powerpoint/2015/09/main" Requires="p159">
+      <p:transition spd="slow">
+        <p159:morph option="byObject"/>
+      </p:transition>
+    </mc:Choice>
+    <mc:Fallback>
+      <p:transition spd="slow">
+        <p:fade/>
+      </p:transition>
+    </mc:Fallback>
+  </mc:AlternateContent>
 </p:sld>
 </file>
 
@@ -26530,6 +26662,18 @@
   <p:clrMapOvr>
     <a:masterClrMapping/>
   </p:clrMapOvr>
+  <mc:AlternateContent xmlns:mc="http://schemas.openxmlformats.org/markup-compatibility/2006">
+    <mc:Choice xmlns:p159="http://schemas.microsoft.com/office/powerpoint/2015/09/main" Requires="p159">
+      <p:transition spd="slow">
+        <p159:morph option="byObject"/>
+      </p:transition>
+    </mc:Choice>
+    <mc:Fallback>
+      <p:transition spd="slow">
+        <p:fade/>
+      </p:transition>
+    </mc:Fallback>
+  </mc:AlternateContent>
 </p:sld>
 </file>
 
@@ -26715,6 +26859,18 @@
   <p:clrMapOvr>
     <a:masterClrMapping/>
   </p:clrMapOvr>
+  <mc:AlternateContent xmlns:mc="http://schemas.openxmlformats.org/markup-compatibility/2006">
+    <mc:Choice xmlns:p159="http://schemas.microsoft.com/office/powerpoint/2015/09/main" Requires="p159">
+      <p:transition spd="slow">
+        <p159:morph option="byObject"/>
+      </p:transition>
+    </mc:Choice>
+    <mc:Fallback>
+      <p:transition spd="slow">
+        <p:fade/>
+      </p:transition>
+    </mc:Fallback>
+  </mc:AlternateContent>
 </p:sld>
 </file>
 
@@ -28869,6 +29025,18 @@
   <p:clrMapOvr>
     <a:masterClrMapping/>
   </p:clrMapOvr>
+  <mc:AlternateContent xmlns:mc="http://schemas.openxmlformats.org/markup-compatibility/2006">
+    <mc:Choice xmlns:p159="http://schemas.microsoft.com/office/powerpoint/2015/09/main" Requires="p159">
+      <p:transition spd="slow">
+        <p159:morph option="byObject"/>
+      </p:transition>
+    </mc:Choice>
+    <mc:Fallback>
+      <p:transition spd="slow">
+        <p:fade/>
+      </p:transition>
+    </mc:Fallback>
+  </mc:AlternateContent>
 </p:sld>
 </file>
 
